--- a/group09.pptx
+++ b/group09.pptx
@@ -20246,7 +20246,21 @@
                 <a:latin typeface="Assistant Medium" panose="020B0604020202020204" charset="-79"/>
                 <a:cs typeface="Assistant Medium" panose="020B0604020202020204" charset="-79"/>
               </a:rPr>
-              <a:t>Dự định ban đầu crawl đựa vào html</a:t>
+              <a:t>Dự định ban đầu crawl </a:t>
+            </a:r>
+            <a:r>
+              <a:rPr lang="vi-VN" sz="1600">
+                <a:latin typeface="Assistant Medium" panose="020B0604020202020204" charset="-79"/>
+                <a:cs typeface="Assistant Medium" panose="020B0604020202020204" charset="-79"/>
+              </a:rPr>
+              <a:t>d</a:t>
+            </a:r>
+            <a:r>
+              <a:rPr lang="en" sz="1600">
+                <a:latin typeface="Assistant Medium" panose="020B0604020202020204" charset="-79"/>
+                <a:cs typeface="Assistant Medium" panose="020B0604020202020204" charset="-79"/>
+              </a:rPr>
+              <a:t>ựa vào html</a:t>
             </a:r>
           </a:p>
           <a:p>

--- a/group09.pptx
+++ b/group09.pptx
@@ -5,7 +5,7 @@
     <p:sldMasterId id="2147483680" r:id="rId1"/>
   </p:sldMasterIdLst>
   <p:notesMasterIdLst>
-    <p:notesMasterId r:id="rId15"/>
+    <p:notesMasterId r:id="rId25"/>
   </p:notesMasterIdLst>
   <p:sldIdLst>
     <p:sldId id="256" r:id="rId2"/>
@@ -20,55 +20,65 @@
     <p:sldId id="266" r:id="rId11"/>
     <p:sldId id="322" r:id="rId12"/>
     <p:sldId id="318" r:id="rId13"/>
-    <p:sldId id="319" r:id="rId14"/>
+    <p:sldId id="323" r:id="rId14"/>
+    <p:sldId id="324" r:id="rId15"/>
+    <p:sldId id="325" r:id="rId16"/>
+    <p:sldId id="326" r:id="rId17"/>
+    <p:sldId id="327" r:id="rId18"/>
+    <p:sldId id="328" r:id="rId19"/>
+    <p:sldId id="329" r:id="rId20"/>
+    <p:sldId id="330" r:id="rId21"/>
+    <p:sldId id="332" r:id="rId22"/>
+    <p:sldId id="333" r:id="rId23"/>
+    <p:sldId id="319" r:id="rId24"/>
   </p:sldIdLst>
   <p:sldSz cx="9144000" cy="5143500" type="screen16x9"/>
   <p:notesSz cx="6858000" cy="9144000"/>
   <p:embeddedFontLst>
     <p:embeddedFont>
       <p:font typeface="Assistant" pitchFamily="2" charset="-79"/>
-      <p:regular r:id="rId16"/>
-      <p:bold r:id="rId17"/>
+      <p:regular r:id="rId26"/>
+      <p:bold r:id="rId27"/>
     </p:embeddedFont>
     <p:embeddedFont>
       <p:font typeface="Assistant Light" pitchFamily="2" charset="-79"/>
-      <p:regular r:id="rId18"/>
-      <p:bold r:id="rId19"/>
+      <p:regular r:id="rId28"/>
+      <p:bold r:id="rId29"/>
     </p:embeddedFont>
     <p:embeddedFont>
       <p:font typeface="Assistant Medium" panose="020B0604020202020204" charset="-79"/>
-      <p:regular r:id="rId20"/>
-      <p:bold r:id="rId21"/>
+      <p:regular r:id="rId30"/>
+      <p:bold r:id="rId31"/>
     </p:embeddedFont>
     <p:embeddedFont>
       <p:font typeface="Bebas Neue" panose="020B0606020202050201" pitchFamily="34" charset="0"/>
-      <p:regular r:id="rId22"/>
+      <p:regular r:id="rId32"/>
     </p:embeddedFont>
     <p:embeddedFont>
       <p:font typeface="Changa One" panose="020B0604020202020204" charset="0"/>
-      <p:regular r:id="rId23"/>
-      <p:italic r:id="rId24"/>
+      <p:regular r:id="rId33"/>
+      <p:italic r:id="rId34"/>
     </p:embeddedFont>
     <p:embeddedFont>
       <p:font typeface="Kanit" panose="020B0604020202020204" charset="-34"/>
-      <p:regular r:id="rId25"/>
-      <p:bold r:id="rId26"/>
-      <p:italic r:id="rId27"/>
-      <p:boldItalic r:id="rId28"/>
+      <p:regular r:id="rId35"/>
+      <p:bold r:id="rId36"/>
+      <p:italic r:id="rId37"/>
+      <p:boldItalic r:id="rId38"/>
     </p:embeddedFont>
     <p:embeddedFont>
       <p:font typeface="Kanit SemiBold" panose="020B0604020202020204" charset="-34"/>
-      <p:regular r:id="rId29"/>
-      <p:bold r:id="rId30"/>
-      <p:italic r:id="rId31"/>
-      <p:boldItalic r:id="rId32"/>
+      <p:regular r:id="rId39"/>
+      <p:bold r:id="rId40"/>
+      <p:italic r:id="rId41"/>
+      <p:boldItalic r:id="rId42"/>
     </p:embeddedFont>
     <p:embeddedFont>
       <p:font typeface="Nunito" pitchFamily="2" charset="-93"/>
-      <p:regular r:id="rId33"/>
-      <p:bold r:id="rId34"/>
-      <p:italic r:id="rId35"/>
-      <p:boldItalic r:id="rId36"/>
+      <p:regular r:id="rId43"/>
+      <p:bold r:id="rId44"/>
+      <p:italic r:id="rId45"/>
+      <p:boldItalic r:id="rId46"/>
     </p:embeddedFont>
   </p:embeddedFontLst>
   <p:defaultTextStyle>
@@ -1191,7 +1201,7 @@
   <p:cSld>
     <p:spTree>
       <p:nvGrpSpPr>
-        <p:cNvPr id="1" name="Shape 411"/>
+        <p:cNvPr id="1" name="Shape 432"/>
         <p:cNvGrpSpPr/>
         <p:nvPr/>
       </p:nvGrpSpPr>
@@ -1205,7 +1215,7 @@
       </p:grpSpPr>
       <p:sp>
         <p:nvSpPr>
-          <p:cNvPr id="412" name="Google Shape;412;g13fa57669d9_0_17413:notes"/>
+          <p:cNvPr id="433" name="Google Shape;433;g13fa57669d9_0_17420:notes"/>
           <p:cNvSpPr>
             <a:spLocks noGrp="1" noRot="1" noChangeAspect="1"/>
           </p:cNvSpPr>
@@ -1246,7 +1256,7 @@
       </p:sp>
       <p:sp>
         <p:nvSpPr>
-          <p:cNvPr id="413" name="Google Shape;413;g13fa57669d9_0_17413:notes"/>
+          <p:cNvPr id="434" name="Google Shape;434;g13fa57669d9_0_17420:notes"/>
           <p:cNvSpPr txBox="1">
             <a:spLocks noGrp="1"/>
           </p:cNvSpPr>
@@ -1285,7 +1295,661 @@
     </p:spTree>
     <p:extLst>
       <p:ext uri="{BB962C8B-B14F-4D97-AF65-F5344CB8AC3E}">
-        <p14:creationId xmlns:p14="http://schemas.microsoft.com/office/powerpoint/2010/main" val="3801249901"/>
+        <p14:creationId xmlns:p14="http://schemas.microsoft.com/office/powerpoint/2010/main" val="3580011216"/>
+      </p:ext>
+    </p:extLst>
+  </p:cSld>
+  <p:clrMapOvr>
+    <a:masterClrMapping/>
+  </p:clrMapOvr>
+</p:notes>
+</file>
+
+<file path=ppt/notesSlides/notesSlide14.xml><?xml version="1.0" encoding="utf-8"?>
+<p:notes xmlns:a="http://schemas.openxmlformats.org/drawingml/2006/main" xmlns:r="http://schemas.openxmlformats.org/officeDocument/2006/relationships" xmlns:p="http://schemas.openxmlformats.org/presentationml/2006/main" showMasterSp="0" showMasterPhAnim="0">
+  <p:cSld>
+    <p:spTree>
+      <p:nvGrpSpPr>
+        <p:cNvPr id="1" name="Shape 432"/>
+        <p:cNvGrpSpPr/>
+        <p:nvPr/>
+      </p:nvGrpSpPr>
+      <p:grpSpPr>
+        <a:xfrm>
+          <a:off x="0" y="0"/>
+          <a:ext cx="0" cy="0"/>
+          <a:chOff x="0" y="0"/>
+          <a:chExt cx="0" cy="0"/>
+        </a:xfrm>
+      </p:grpSpPr>
+      <p:sp>
+        <p:nvSpPr>
+          <p:cNvPr id="433" name="Google Shape;433;g13fa57669d9_0_17420:notes"/>
+          <p:cNvSpPr>
+            <a:spLocks noGrp="1" noRot="1" noChangeAspect="1"/>
+          </p:cNvSpPr>
+          <p:nvPr>
+            <p:ph type="sldImg" idx="2"/>
+          </p:nvPr>
+        </p:nvSpPr>
+        <p:spPr>
+          <a:xfrm>
+            <a:off x="381000" y="685800"/>
+            <a:ext cx="6096000" cy="3429000"/>
+          </a:xfrm>
+          <a:custGeom>
+            <a:avLst/>
+            <a:gdLst/>
+            <a:ahLst/>
+            <a:cxnLst/>
+            <a:rect l="l" t="t" r="r" b="b"/>
+            <a:pathLst>
+              <a:path w="120000" h="120000" extrusionOk="0">
+                <a:moveTo>
+                  <a:pt x="0" y="0"/>
+                </a:moveTo>
+                <a:lnTo>
+                  <a:pt x="120000" y="0"/>
+                </a:lnTo>
+                <a:lnTo>
+                  <a:pt x="120000" y="120000"/>
+                </a:lnTo>
+                <a:lnTo>
+                  <a:pt x="0" y="120000"/>
+                </a:lnTo>
+                <a:close/>
+              </a:path>
+            </a:pathLst>
+          </a:custGeom>
+        </p:spPr>
+      </p:sp>
+      <p:sp>
+        <p:nvSpPr>
+          <p:cNvPr id="434" name="Google Shape;434;g13fa57669d9_0_17420:notes"/>
+          <p:cNvSpPr txBox="1">
+            <a:spLocks noGrp="1"/>
+          </p:cNvSpPr>
+          <p:nvPr>
+            <p:ph type="body" idx="1"/>
+          </p:nvPr>
+        </p:nvSpPr>
+        <p:spPr>
+          <a:xfrm>
+            <a:off x="685800" y="4343400"/>
+            <a:ext cx="5486400" cy="4114800"/>
+          </a:xfrm>
+          <a:prstGeom prst="rect">
+            <a:avLst/>
+          </a:prstGeom>
+        </p:spPr>
+        <p:txBody>
+          <a:bodyPr spcFirstLastPara="1" wrap="square" lIns="91425" tIns="91425" rIns="91425" bIns="91425" anchor="t" anchorCtr="0">
+            <a:noAutofit/>
+          </a:bodyPr>
+          <a:lstStyle/>
+          <a:p>
+            <a:pPr marL="0" lvl="0" indent="0" algn="l" rtl="0">
+              <a:spcBef>
+                <a:spcPts val="0"/>
+              </a:spcBef>
+              <a:spcAft>
+                <a:spcPts val="0"/>
+              </a:spcAft>
+              <a:buNone/>
+            </a:pPr>
+            <a:endParaRPr/>
+          </a:p>
+        </p:txBody>
+      </p:sp>
+    </p:spTree>
+    <p:extLst>
+      <p:ext uri="{BB962C8B-B14F-4D97-AF65-F5344CB8AC3E}">
+        <p14:creationId xmlns:p14="http://schemas.microsoft.com/office/powerpoint/2010/main" val="2178724463"/>
+      </p:ext>
+    </p:extLst>
+  </p:cSld>
+  <p:clrMapOvr>
+    <a:masterClrMapping/>
+  </p:clrMapOvr>
+</p:notes>
+</file>
+
+<file path=ppt/notesSlides/notesSlide15.xml><?xml version="1.0" encoding="utf-8"?>
+<p:notes xmlns:a="http://schemas.openxmlformats.org/drawingml/2006/main" xmlns:r="http://schemas.openxmlformats.org/officeDocument/2006/relationships" xmlns:p="http://schemas.openxmlformats.org/presentationml/2006/main" showMasterSp="0" showMasterPhAnim="0">
+  <p:cSld>
+    <p:spTree>
+      <p:nvGrpSpPr>
+        <p:cNvPr id="1" name="Shape 432"/>
+        <p:cNvGrpSpPr/>
+        <p:nvPr/>
+      </p:nvGrpSpPr>
+      <p:grpSpPr>
+        <a:xfrm>
+          <a:off x="0" y="0"/>
+          <a:ext cx="0" cy="0"/>
+          <a:chOff x="0" y="0"/>
+          <a:chExt cx="0" cy="0"/>
+        </a:xfrm>
+      </p:grpSpPr>
+      <p:sp>
+        <p:nvSpPr>
+          <p:cNvPr id="433" name="Google Shape;433;g13fa57669d9_0_17420:notes"/>
+          <p:cNvSpPr>
+            <a:spLocks noGrp="1" noRot="1" noChangeAspect="1"/>
+          </p:cNvSpPr>
+          <p:nvPr>
+            <p:ph type="sldImg" idx="2"/>
+          </p:nvPr>
+        </p:nvSpPr>
+        <p:spPr>
+          <a:xfrm>
+            <a:off x="381000" y="685800"/>
+            <a:ext cx="6096000" cy="3429000"/>
+          </a:xfrm>
+          <a:custGeom>
+            <a:avLst/>
+            <a:gdLst/>
+            <a:ahLst/>
+            <a:cxnLst/>
+            <a:rect l="l" t="t" r="r" b="b"/>
+            <a:pathLst>
+              <a:path w="120000" h="120000" extrusionOk="0">
+                <a:moveTo>
+                  <a:pt x="0" y="0"/>
+                </a:moveTo>
+                <a:lnTo>
+                  <a:pt x="120000" y="0"/>
+                </a:lnTo>
+                <a:lnTo>
+                  <a:pt x="120000" y="120000"/>
+                </a:lnTo>
+                <a:lnTo>
+                  <a:pt x="0" y="120000"/>
+                </a:lnTo>
+                <a:close/>
+              </a:path>
+            </a:pathLst>
+          </a:custGeom>
+        </p:spPr>
+      </p:sp>
+      <p:sp>
+        <p:nvSpPr>
+          <p:cNvPr id="434" name="Google Shape;434;g13fa57669d9_0_17420:notes"/>
+          <p:cNvSpPr txBox="1">
+            <a:spLocks noGrp="1"/>
+          </p:cNvSpPr>
+          <p:nvPr>
+            <p:ph type="body" idx="1"/>
+          </p:nvPr>
+        </p:nvSpPr>
+        <p:spPr>
+          <a:xfrm>
+            <a:off x="685800" y="4343400"/>
+            <a:ext cx="5486400" cy="4114800"/>
+          </a:xfrm>
+          <a:prstGeom prst="rect">
+            <a:avLst/>
+          </a:prstGeom>
+        </p:spPr>
+        <p:txBody>
+          <a:bodyPr spcFirstLastPara="1" wrap="square" lIns="91425" tIns="91425" rIns="91425" bIns="91425" anchor="t" anchorCtr="0">
+            <a:noAutofit/>
+          </a:bodyPr>
+          <a:lstStyle/>
+          <a:p>
+            <a:pPr marL="0" lvl="0" indent="0" algn="l" rtl="0">
+              <a:spcBef>
+                <a:spcPts val="0"/>
+              </a:spcBef>
+              <a:spcAft>
+                <a:spcPts val="0"/>
+              </a:spcAft>
+              <a:buNone/>
+            </a:pPr>
+            <a:endParaRPr/>
+          </a:p>
+        </p:txBody>
+      </p:sp>
+    </p:spTree>
+    <p:extLst>
+      <p:ext uri="{BB962C8B-B14F-4D97-AF65-F5344CB8AC3E}">
+        <p14:creationId xmlns:p14="http://schemas.microsoft.com/office/powerpoint/2010/main" val="1151622885"/>
+      </p:ext>
+    </p:extLst>
+  </p:cSld>
+  <p:clrMapOvr>
+    <a:masterClrMapping/>
+  </p:clrMapOvr>
+</p:notes>
+</file>
+
+<file path=ppt/notesSlides/notesSlide16.xml><?xml version="1.0" encoding="utf-8"?>
+<p:notes xmlns:a="http://schemas.openxmlformats.org/drawingml/2006/main" xmlns:r="http://schemas.openxmlformats.org/officeDocument/2006/relationships" xmlns:p="http://schemas.openxmlformats.org/presentationml/2006/main" showMasterSp="0" showMasterPhAnim="0">
+  <p:cSld>
+    <p:spTree>
+      <p:nvGrpSpPr>
+        <p:cNvPr id="1" name="Shape 432"/>
+        <p:cNvGrpSpPr/>
+        <p:nvPr/>
+      </p:nvGrpSpPr>
+      <p:grpSpPr>
+        <a:xfrm>
+          <a:off x="0" y="0"/>
+          <a:ext cx="0" cy="0"/>
+          <a:chOff x="0" y="0"/>
+          <a:chExt cx="0" cy="0"/>
+        </a:xfrm>
+      </p:grpSpPr>
+      <p:sp>
+        <p:nvSpPr>
+          <p:cNvPr id="433" name="Google Shape;433;g13fa57669d9_0_17420:notes"/>
+          <p:cNvSpPr>
+            <a:spLocks noGrp="1" noRot="1" noChangeAspect="1"/>
+          </p:cNvSpPr>
+          <p:nvPr>
+            <p:ph type="sldImg" idx="2"/>
+          </p:nvPr>
+        </p:nvSpPr>
+        <p:spPr>
+          <a:xfrm>
+            <a:off x="381000" y="685800"/>
+            <a:ext cx="6096000" cy="3429000"/>
+          </a:xfrm>
+          <a:custGeom>
+            <a:avLst/>
+            <a:gdLst/>
+            <a:ahLst/>
+            <a:cxnLst/>
+            <a:rect l="l" t="t" r="r" b="b"/>
+            <a:pathLst>
+              <a:path w="120000" h="120000" extrusionOk="0">
+                <a:moveTo>
+                  <a:pt x="0" y="0"/>
+                </a:moveTo>
+                <a:lnTo>
+                  <a:pt x="120000" y="0"/>
+                </a:lnTo>
+                <a:lnTo>
+                  <a:pt x="120000" y="120000"/>
+                </a:lnTo>
+                <a:lnTo>
+                  <a:pt x="0" y="120000"/>
+                </a:lnTo>
+                <a:close/>
+              </a:path>
+            </a:pathLst>
+          </a:custGeom>
+        </p:spPr>
+      </p:sp>
+      <p:sp>
+        <p:nvSpPr>
+          <p:cNvPr id="434" name="Google Shape;434;g13fa57669d9_0_17420:notes"/>
+          <p:cNvSpPr txBox="1">
+            <a:spLocks noGrp="1"/>
+          </p:cNvSpPr>
+          <p:nvPr>
+            <p:ph type="body" idx="1"/>
+          </p:nvPr>
+        </p:nvSpPr>
+        <p:spPr>
+          <a:xfrm>
+            <a:off x="685800" y="4343400"/>
+            <a:ext cx="5486400" cy="4114800"/>
+          </a:xfrm>
+          <a:prstGeom prst="rect">
+            <a:avLst/>
+          </a:prstGeom>
+        </p:spPr>
+        <p:txBody>
+          <a:bodyPr spcFirstLastPara="1" wrap="square" lIns="91425" tIns="91425" rIns="91425" bIns="91425" anchor="t" anchorCtr="0">
+            <a:noAutofit/>
+          </a:bodyPr>
+          <a:lstStyle/>
+          <a:p>
+            <a:pPr marL="0" lvl="0" indent="0" algn="l" rtl="0">
+              <a:spcBef>
+                <a:spcPts val="0"/>
+              </a:spcBef>
+              <a:spcAft>
+                <a:spcPts val="0"/>
+              </a:spcAft>
+              <a:buNone/>
+            </a:pPr>
+            <a:endParaRPr/>
+          </a:p>
+        </p:txBody>
+      </p:sp>
+    </p:spTree>
+    <p:extLst>
+      <p:ext uri="{BB962C8B-B14F-4D97-AF65-F5344CB8AC3E}">
+        <p14:creationId xmlns:p14="http://schemas.microsoft.com/office/powerpoint/2010/main" val="3914011082"/>
+      </p:ext>
+    </p:extLst>
+  </p:cSld>
+  <p:clrMapOvr>
+    <a:masterClrMapping/>
+  </p:clrMapOvr>
+</p:notes>
+</file>
+
+<file path=ppt/notesSlides/notesSlide17.xml><?xml version="1.0" encoding="utf-8"?>
+<p:notes xmlns:a="http://schemas.openxmlformats.org/drawingml/2006/main" xmlns:r="http://schemas.openxmlformats.org/officeDocument/2006/relationships" xmlns:p="http://schemas.openxmlformats.org/presentationml/2006/main" showMasterSp="0" showMasterPhAnim="0">
+  <p:cSld>
+    <p:spTree>
+      <p:nvGrpSpPr>
+        <p:cNvPr id="1" name="Shape 432"/>
+        <p:cNvGrpSpPr/>
+        <p:nvPr/>
+      </p:nvGrpSpPr>
+      <p:grpSpPr>
+        <a:xfrm>
+          <a:off x="0" y="0"/>
+          <a:ext cx="0" cy="0"/>
+          <a:chOff x="0" y="0"/>
+          <a:chExt cx="0" cy="0"/>
+        </a:xfrm>
+      </p:grpSpPr>
+      <p:sp>
+        <p:nvSpPr>
+          <p:cNvPr id="433" name="Google Shape;433;g13fa57669d9_0_17420:notes"/>
+          <p:cNvSpPr>
+            <a:spLocks noGrp="1" noRot="1" noChangeAspect="1"/>
+          </p:cNvSpPr>
+          <p:nvPr>
+            <p:ph type="sldImg" idx="2"/>
+          </p:nvPr>
+        </p:nvSpPr>
+        <p:spPr>
+          <a:xfrm>
+            <a:off x="381000" y="685800"/>
+            <a:ext cx="6096000" cy="3429000"/>
+          </a:xfrm>
+          <a:custGeom>
+            <a:avLst/>
+            <a:gdLst/>
+            <a:ahLst/>
+            <a:cxnLst/>
+            <a:rect l="l" t="t" r="r" b="b"/>
+            <a:pathLst>
+              <a:path w="120000" h="120000" extrusionOk="0">
+                <a:moveTo>
+                  <a:pt x="0" y="0"/>
+                </a:moveTo>
+                <a:lnTo>
+                  <a:pt x="120000" y="0"/>
+                </a:lnTo>
+                <a:lnTo>
+                  <a:pt x="120000" y="120000"/>
+                </a:lnTo>
+                <a:lnTo>
+                  <a:pt x="0" y="120000"/>
+                </a:lnTo>
+                <a:close/>
+              </a:path>
+            </a:pathLst>
+          </a:custGeom>
+        </p:spPr>
+      </p:sp>
+      <p:sp>
+        <p:nvSpPr>
+          <p:cNvPr id="434" name="Google Shape;434;g13fa57669d9_0_17420:notes"/>
+          <p:cNvSpPr txBox="1">
+            <a:spLocks noGrp="1"/>
+          </p:cNvSpPr>
+          <p:nvPr>
+            <p:ph type="body" idx="1"/>
+          </p:nvPr>
+        </p:nvSpPr>
+        <p:spPr>
+          <a:xfrm>
+            <a:off x="685800" y="4343400"/>
+            <a:ext cx="5486400" cy="4114800"/>
+          </a:xfrm>
+          <a:prstGeom prst="rect">
+            <a:avLst/>
+          </a:prstGeom>
+        </p:spPr>
+        <p:txBody>
+          <a:bodyPr spcFirstLastPara="1" wrap="square" lIns="91425" tIns="91425" rIns="91425" bIns="91425" anchor="t" anchorCtr="0">
+            <a:noAutofit/>
+          </a:bodyPr>
+          <a:lstStyle/>
+          <a:p>
+            <a:pPr marL="0" lvl="0" indent="0" algn="l" rtl="0">
+              <a:spcBef>
+                <a:spcPts val="0"/>
+              </a:spcBef>
+              <a:spcAft>
+                <a:spcPts val="0"/>
+              </a:spcAft>
+              <a:buNone/>
+            </a:pPr>
+            <a:endParaRPr/>
+          </a:p>
+        </p:txBody>
+      </p:sp>
+    </p:spTree>
+    <p:extLst>
+      <p:ext uri="{BB962C8B-B14F-4D97-AF65-F5344CB8AC3E}">
+        <p14:creationId xmlns:p14="http://schemas.microsoft.com/office/powerpoint/2010/main" val="3868524144"/>
+      </p:ext>
+    </p:extLst>
+  </p:cSld>
+  <p:clrMapOvr>
+    <a:masterClrMapping/>
+  </p:clrMapOvr>
+</p:notes>
+</file>
+
+<file path=ppt/notesSlides/notesSlide18.xml><?xml version="1.0" encoding="utf-8"?>
+<p:notes xmlns:a="http://schemas.openxmlformats.org/drawingml/2006/main" xmlns:r="http://schemas.openxmlformats.org/officeDocument/2006/relationships" xmlns:p="http://schemas.openxmlformats.org/presentationml/2006/main" showMasterSp="0" showMasterPhAnim="0">
+  <p:cSld>
+    <p:spTree>
+      <p:nvGrpSpPr>
+        <p:cNvPr id="1" name="Shape 432"/>
+        <p:cNvGrpSpPr/>
+        <p:nvPr/>
+      </p:nvGrpSpPr>
+      <p:grpSpPr>
+        <a:xfrm>
+          <a:off x="0" y="0"/>
+          <a:ext cx="0" cy="0"/>
+          <a:chOff x="0" y="0"/>
+          <a:chExt cx="0" cy="0"/>
+        </a:xfrm>
+      </p:grpSpPr>
+      <p:sp>
+        <p:nvSpPr>
+          <p:cNvPr id="433" name="Google Shape;433;g13fa57669d9_0_17420:notes"/>
+          <p:cNvSpPr>
+            <a:spLocks noGrp="1" noRot="1" noChangeAspect="1"/>
+          </p:cNvSpPr>
+          <p:nvPr>
+            <p:ph type="sldImg" idx="2"/>
+          </p:nvPr>
+        </p:nvSpPr>
+        <p:spPr>
+          <a:xfrm>
+            <a:off x="381000" y="685800"/>
+            <a:ext cx="6096000" cy="3429000"/>
+          </a:xfrm>
+          <a:custGeom>
+            <a:avLst/>
+            <a:gdLst/>
+            <a:ahLst/>
+            <a:cxnLst/>
+            <a:rect l="l" t="t" r="r" b="b"/>
+            <a:pathLst>
+              <a:path w="120000" h="120000" extrusionOk="0">
+                <a:moveTo>
+                  <a:pt x="0" y="0"/>
+                </a:moveTo>
+                <a:lnTo>
+                  <a:pt x="120000" y="0"/>
+                </a:lnTo>
+                <a:lnTo>
+                  <a:pt x="120000" y="120000"/>
+                </a:lnTo>
+                <a:lnTo>
+                  <a:pt x="0" y="120000"/>
+                </a:lnTo>
+                <a:close/>
+              </a:path>
+            </a:pathLst>
+          </a:custGeom>
+        </p:spPr>
+      </p:sp>
+      <p:sp>
+        <p:nvSpPr>
+          <p:cNvPr id="434" name="Google Shape;434;g13fa57669d9_0_17420:notes"/>
+          <p:cNvSpPr txBox="1">
+            <a:spLocks noGrp="1"/>
+          </p:cNvSpPr>
+          <p:nvPr>
+            <p:ph type="body" idx="1"/>
+          </p:nvPr>
+        </p:nvSpPr>
+        <p:spPr>
+          <a:xfrm>
+            <a:off x="685800" y="4343400"/>
+            <a:ext cx="5486400" cy="4114800"/>
+          </a:xfrm>
+          <a:prstGeom prst="rect">
+            <a:avLst/>
+          </a:prstGeom>
+        </p:spPr>
+        <p:txBody>
+          <a:bodyPr spcFirstLastPara="1" wrap="square" lIns="91425" tIns="91425" rIns="91425" bIns="91425" anchor="t" anchorCtr="0">
+            <a:noAutofit/>
+          </a:bodyPr>
+          <a:lstStyle/>
+          <a:p>
+            <a:pPr marL="0" lvl="0" indent="0" algn="l" rtl="0">
+              <a:spcBef>
+                <a:spcPts val="0"/>
+              </a:spcBef>
+              <a:spcAft>
+                <a:spcPts val="0"/>
+              </a:spcAft>
+              <a:buNone/>
+            </a:pPr>
+            <a:endParaRPr/>
+          </a:p>
+        </p:txBody>
+      </p:sp>
+    </p:spTree>
+    <p:extLst>
+      <p:ext uri="{BB962C8B-B14F-4D97-AF65-F5344CB8AC3E}">
+        <p14:creationId xmlns:p14="http://schemas.microsoft.com/office/powerpoint/2010/main" val="4137709057"/>
+      </p:ext>
+    </p:extLst>
+  </p:cSld>
+  <p:clrMapOvr>
+    <a:masterClrMapping/>
+  </p:clrMapOvr>
+</p:notes>
+</file>
+
+<file path=ppt/notesSlides/notesSlide19.xml><?xml version="1.0" encoding="utf-8"?>
+<p:notes xmlns:a="http://schemas.openxmlformats.org/drawingml/2006/main" xmlns:r="http://schemas.openxmlformats.org/officeDocument/2006/relationships" xmlns:p="http://schemas.openxmlformats.org/presentationml/2006/main" showMasterSp="0" showMasterPhAnim="0">
+  <p:cSld>
+    <p:spTree>
+      <p:nvGrpSpPr>
+        <p:cNvPr id="1" name="Shape 432"/>
+        <p:cNvGrpSpPr/>
+        <p:nvPr/>
+      </p:nvGrpSpPr>
+      <p:grpSpPr>
+        <a:xfrm>
+          <a:off x="0" y="0"/>
+          <a:ext cx="0" cy="0"/>
+          <a:chOff x="0" y="0"/>
+          <a:chExt cx="0" cy="0"/>
+        </a:xfrm>
+      </p:grpSpPr>
+      <p:sp>
+        <p:nvSpPr>
+          <p:cNvPr id="433" name="Google Shape;433;g13fa57669d9_0_17420:notes"/>
+          <p:cNvSpPr>
+            <a:spLocks noGrp="1" noRot="1" noChangeAspect="1"/>
+          </p:cNvSpPr>
+          <p:nvPr>
+            <p:ph type="sldImg" idx="2"/>
+          </p:nvPr>
+        </p:nvSpPr>
+        <p:spPr>
+          <a:xfrm>
+            <a:off x="381000" y="685800"/>
+            <a:ext cx="6096000" cy="3429000"/>
+          </a:xfrm>
+          <a:custGeom>
+            <a:avLst/>
+            <a:gdLst/>
+            <a:ahLst/>
+            <a:cxnLst/>
+            <a:rect l="l" t="t" r="r" b="b"/>
+            <a:pathLst>
+              <a:path w="120000" h="120000" extrusionOk="0">
+                <a:moveTo>
+                  <a:pt x="0" y="0"/>
+                </a:moveTo>
+                <a:lnTo>
+                  <a:pt x="120000" y="0"/>
+                </a:lnTo>
+                <a:lnTo>
+                  <a:pt x="120000" y="120000"/>
+                </a:lnTo>
+                <a:lnTo>
+                  <a:pt x="0" y="120000"/>
+                </a:lnTo>
+                <a:close/>
+              </a:path>
+            </a:pathLst>
+          </a:custGeom>
+        </p:spPr>
+      </p:sp>
+      <p:sp>
+        <p:nvSpPr>
+          <p:cNvPr id="434" name="Google Shape;434;g13fa57669d9_0_17420:notes"/>
+          <p:cNvSpPr txBox="1">
+            <a:spLocks noGrp="1"/>
+          </p:cNvSpPr>
+          <p:nvPr>
+            <p:ph type="body" idx="1"/>
+          </p:nvPr>
+        </p:nvSpPr>
+        <p:spPr>
+          <a:xfrm>
+            <a:off x="685800" y="4343400"/>
+            <a:ext cx="5486400" cy="4114800"/>
+          </a:xfrm>
+          <a:prstGeom prst="rect">
+            <a:avLst/>
+          </a:prstGeom>
+        </p:spPr>
+        <p:txBody>
+          <a:bodyPr spcFirstLastPara="1" wrap="square" lIns="91425" tIns="91425" rIns="91425" bIns="91425" anchor="t" anchorCtr="0">
+            <a:noAutofit/>
+          </a:bodyPr>
+          <a:lstStyle/>
+          <a:p>
+            <a:pPr marL="0" lvl="0" indent="0" algn="l" rtl="0">
+              <a:spcBef>
+                <a:spcPts val="0"/>
+              </a:spcBef>
+              <a:spcAft>
+                <a:spcPts val="0"/>
+              </a:spcAft>
+              <a:buNone/>
+            </a:pPr>
+            <a:endParaRPr/>
+          </a:p>
+        </p:txBody>
+      </p:sp>
+    </p:spTree>
+    <p:extLst>
+      <p:ext uri="{BB962C8B-B14F-4D97-AF65-F5344CB8AC3E}">
+        <p14:creationId xmlns:p14="http://schemas.microsoft.com/office/powerpoint/2010/main" val="1157429215"/>
       </p:ext>
     </p:extLst>
   </p:cSld>
@@ -1392,6 +2056,442 @@
         </p:txBody>
       </p:sp>
     </p:spTree>
+  </p:cSld>
+  <p:clrMapOvr>
+    <a:masterClrMapping/>
+  </p:clrMapOvr>
+</p:notes>
+</file>
+
+<file path=ppt/notesSlides/notesSlide20.xml><?xml version="1.0" encoding="utf-8"?>
+<p:notes xmlns:a="http://schemas.openxmlformats.org/drawingml/2006/main" xmlns:r="http://schemas.openxmlformats.org/officeDocument/2006/relationships" xmlns:p="http://schemas.openxmlformats.org/presentationml/2006/main" showMasterSp="0" showMasterPhAnim="0">
+  <p:cSld>
+    <p:spTree>
+      <p:nvGrpSpPr>
+        <p:cNvPr id="1" name="Shape 432"/>
+        <p:cNvGrpSpPr/>
+        <p:nvPr/>
+      </p:nvGrpSpPr>
+      <p:grpSpPr>
+        <a:xfrm>
+          <a:off x="0" y="0"/>
+          <a:ext cx="0" cy="0"/>
+          <a:chOff x="0" y="0"/>
+          <a:chExt cx="0" cy="0"/>
+        </a:xfrm>
+      </p:grpSpPr>
+      <p:sp>
+        <p:nvSpPr>
+          <p:cNvPr id="433" name="Google Shape;433;g13fa57669d9_0_17420:notes"/>
+          <p:cNvSpPr>
+            <a:spLocks noGrp="1" noRot="1" noChangeAspect="1"/>
+          </p:cNvSpPr>
+          <p:nvPr>
+            <p:ph type="sldImg" idx="2"/>
+          </p:nvPr>
+        </p:nvSpPr>
+        <p:spPr>
+          <a:xfrm>
+            <a:off x="381000" y="685800"/>
+            <a:ext cx="6096000" cy="3429000"/>
+          </a:xfrm>
+          <a:custGeom>
+            <a:avLst/>
+            <a:gdLst/>
+            <a:ahLst/>
+            <a:cxnLst/>
+            <a:rect l="l" t="t" r="r" b="b"/>
+            <a:pathLst>
+              <a:path w="120000" h="120000" extrusionOk="0">
+                <a:moveTo>
+                  <a:pt x="0" y="0"/>
+                </a:moveTo>
+                <a:lnTo>
+                  <a:pt x="120000" y="0"/>
+                </a:lnTo>
+                <a:lnTo>
+                  <a:pt x="120000" y="120000"/>
+                </a:lnTo>
+                <a:lnTo>
+                  <a:pt x="0" y="120000"/>
+                </a:lnTo>
+                <a:close/>
+              </a:path>
+            </a:pathLst>
+          </a:custGeom>
+        </p:spPr>
+      </p:sp>
+      <p:sp>
+        <p:nvSpPr>
+          <p:cNvPr id="434" name="Google Shape;434;g13fa57669d9_0_17420:notes"/>
+          <p:cNvSpPr txBox="1">
+            <a:spLocks noGrp="1"/>
+          </p:cNvSpPr>
+          <p:nvPr>
+            <p:ph type="body" idx="1"/>
+          </p:nvPr>
+        </p:nvSpPr>
+        <p:spPr>
+          <a:xfrm>
+            <a:off x="685800" y="4343400"/>
+            <a:ext cx="5486400" cy="4114800"/>
+          </a:xfrm>
+          <a:prstGeom prst="rect">
+            <a:avLst/>
+          </a:prstGeom>
+        </p:spPr>
+        <p:txBody>
+          <a:bodyPr spcFirstLastPara="1" wrap="square" lIns="91425" tIns="91425" rIns="91425" bIns="91425" anchor="t" anchorCtr="0">
+            <a:noAutofit/>
+          </a:bodyPr>
+          <a:lstStyle/>
+          <a:p>
+            <a:pPr marL="0" lvl="0" indent="0" algn="l" rtl="0">
+              <a:spcBef>
+                <a:spcPts val="0"/>
+              </a:spcBef>
+              <a:spcAft>
+                <a:spcPts val="0"/>
+              </a:spcAft>
+              <a:buNone/>
+            </a:pPr>
+            <a:endParaRPr/>
+          </a:p>
+        </p:txBody>
+      </p:sp>
+    </p:spTree>
+    <p:extLst>
+      <p:ext uri="{BB962C8B-B14F-4D97-AF65-F5344CB8AC3E}">
+        <p14:creationId xmlns:p14="http://schemas.microsoft.com/office/powerpoint/2010/main" val="2736596733"/>
+      </p:ext>
+    </p:extLst>
+  </p:cSld>
+  <p:clrMapOvr>
+    <a:masterClrMapping/>
+  </p:clrMapOvr>
+</p:notes>
+</file>
+
+<file path=ppt/notesSlides/notesSlide21.xml><?xml version="1.0" encoding="utf-8"?>
+<p:notes xmlns:a="http://schemas.openxmlformats.org/drawingml/2006/main" xmlns:r="http://schemas.openxmlformats.org/officeDocument/2006/relationships" xmlns:p="http://schemas.openxmlformats.org/presentationml/2006/main" showMasterSp="0" showMasterPhAnim="0">
+  <p:cSld>
+    <p:spTree>
+      <p:nvGrpSpPr>
+        <p:cNvPr id="1" name="Shape 432"/>
+        <p:cNvGrpSpPr/>
+        <p:nvPr/>
+      </p:nvGrpSpPr>
+      <p:grpSpPr>
+        <a:xfrm>
+          <a:off x="0" y="0"/>
+          <a:ext cx="0" cy="0"/>
+          <a:chOff x="0" y="0"/>
+          <a:chExt cx="0" cy="0"/>
+        </a:xfrm>
+      </p:grpSpPr>
+      <p:sp>
+        <p:nvSpPr>
+          <p:cNvPr id="433" name="Google Shape;433;g13fa57669d9_0_17420:notes"/>
+          <p:cNvSpPr>
+            <a:spLocks noGrp="1" noRot="1" noChangeAspect="1"/>
+          </p:cNvSpPr>
+          <p:nvPr>
+            <p:ph type="sldImg" idx="2"/>
+          </p:nvPr>
+        </p:nvSpPr>
+        <p:spPr>
+          <a:xfrm>
+            <a:off x="381000" y="685800"/>
+            <a:ext cx="6096000" cy="3429000"/>
+          </a:xfrm>
+          <a:custGeom>
+            <a:avLst/>
+            <a:gdLst/>
+            <a:ahLst/>
+            <a:cxnLst/>
+            <a:rect l="l" t="t" r="r" b="b"/>
+            <a:pathLst>
+              <a:path w="120000" h="120000" extrusionOk="0">
+                <a:moveTo>
+                  <a:pt x="0" y="0"/>
+                </a:moveTo>
+                <a:lnTo>
+                  <a:pt x="120000" y="0"/>
+                </a:lnTo>
+                <a:lnTo>
+                  <a:pt x="120000" y="120000"/>
+                </a:lnTo>
+                <a:lnTo>
+                  <a:pt x="0" y="120000"/>
+                </a:lnTo>
+                <a:close/>
+              </a:path>
+            </a:pathLst>
+          </a:custGeom>
+        </p:spPr>
+      </p:sp>
+      <p:sp>
+        <p:nvSpPr>
+          <p:cNvPr id="434" name="Google Shape;434;g13fa57669d9_0_17420:notes"/>
+          <p:cNvSpPr txBox="1">
+            <a:spLocks noGrp="1"/>
+          </p:cNvSpPr>
+          <p:nvPr>
+            <p:ph type="body" idx="1"/>
+          </p:nvPr>
+        </p:nvSpPr>
+        <p:spPr>
+          <a:xfrm>
+            <a:off x="685800" y="4343400"/>
+            <a:ext cx="5486400" cy="4114800"/>
+          </a:xfrm>
+          <a:prstGeom prst="rect">
+            <a:avLst/>
+          </a:prstGeom>
+        </p:spPr>
+        <p:txBody>
+          <a:bodyPr spcFirstLastPara="1" wrap="square" lIns="91425" tIns="91425" rIns="91425" bIns="91425" anchor="t" anchorCtr="0">
+            <a:noAutofit/>
+          </a:bodyPr>
+          <a:lstStyle/>
+          <a:p>
+            <a:pPr marL="0" lvl="0" indent="0" algn="l" rtl="0">
+              <a:spcBef>
+                <a:spcPts val="0"/>
+              </a:spcBef>
+              <a:spcAft>
+                <a:spcPts val="0"/>
+              </a:spcAft>
+              <a:buNone/>
+            </a:pPr>
+            <a:endParaRPr/>
+          </a:p>
+        </p:txBody>
+      </p:sp>
+    </p:spTree>
+    <p:extLst>
+      <p:ext uri="{BB962C8B-B14F-4D97-AF65-F5344CB8AC3E}">
+        <p14:creationId xmlns:p14="http://schemas.microsoft.com/office/powerpoint/2010/main" val="3709312979"/>
+      </p:ext>
+    </p:extLst>
+  </p:cSld>
+  <p:clrMapOvr>
+    <a:masterClrMapping/>
+  </p:clrMapOvr>
+</p:notes>
+</file>
+
+<file path=ppt/notesSlides/notesSlide22.xml><?xml version="1.0" encoding="utf-8"?>
+<p:notes xmlns:a="http://schemas.openxmlformats.org/drawingml/2006/main" xmlns:r="http://schemas.openxmlformats.org/officeDocument/2006/relationships" xmlns:p="http://schemas.openxmlformats.org/presentationml/2006/main" showMasterSp="0" showMasterPhAnim="0">
+  <p:cSld>
+    <p:spTree>
+      <p:nvGrpSpPr>
+        <p:cNvPr id="1" name="Shape 432"/>
+        <p:cNvGrpSpPr/>
+        <p:nvPr/>
+      </p:nvGrpSpPr>
+      <p:grpSpPr>
+        <a:xfrm>
+          <a:off x="0" y="0"/>
+          <a:ext cx="0" cy="0"/>
+          <a:chOff x="0" y="0"/>
+          <a:chExt cx="0" cy="0"/>
+        </a:xfrm>
+      </p:grpSpPr>
+      <p:sp>
+        <p:nvSpPr>
+          <p:cNvPr id="433" name="Google Shape;433;g13fa57669d9_0_17420:notes"/>
+          <p:cNvSpPr>
+            <a:spLocks noGrp="1" noRot="1" noChangeAspect="1"/>
+          </p:cNvSpPr>
+          <p:nvPr>
+            <p:ph type="sldImg" idx="2"/>
+          </p:nvPr>
+        </p:nvSpPr>
+        <p:spPr>
+          <a:xfrm>
+            <a:off x="381000" y="685800"/>
+            <a:ext cx="6096000" cy="3429000"/>
+          </a:xfrm>
+          <a:custGeom>
+            <a:avLst/>
+            <a:gdLst/>
+            <a:ahLst/>
+            <a:cxnLst/>
+            <a:rect l="l" t="t" r="r" b="b"/>
+            <a:pathLst>
+              <a:path w="120000" h="120000" extrusionOk="0">
+                <a:moveTo>
+                  <a:pt x="0" y="0"/>
+                </a:moveTo>
+                <a:lnTo>
+                  <a:pt x="120000" y="0"/>
+                </a:lnTo>
+                <a:lnTo>
+                  <a:pt x="120000" y="120000"/>
+                </a:lnTo>
+                <a:lnTo>
+                  <a:pt x="0" y="120000"/>
+                </a:lnTo>
+                <a:close/>
+              </a:path>
+            </a:pathLst>
+          </a:custGeom>
+        </p:spPr>
+      </p:sp>
+      <p:sp>
+        <p:nvSpPr>
+          <p:cNvPr id="434" name="Google Shape;434;g13fa57669d9_0_17420:notes"/>
+          <p:cNvSpPr txBox="1">
+            <a:spLocks noGrp="1"/>
+          </p:cNvSpPr>
+          <p:nvPr>
+            <p:ph type="body" idx="1"/>
+          </p:nvPr>
+        </p:nvSpPr>
+        <p:spPr>
+          <a:xfrm>
+            <a:off x="685800" y="4343400"/>
+            <a:ext cx="5486400" cy="4114800"/>
+          </a:xfrm>
+          <a:prstGeom prst="rect">
+            <a:avLst/>
+          </a:prstGeom>
+        </p:spPr>
+        <p:txBody>
+          <a:bodyPr spcFirstLastPara="1" wrap="square" lIns="91425" tIns="91425" rIns="91425" bIns="91425" anchor="t" anchorCtr="0">
+            <a:noAutofit/>
+          </a:bodyPr>
+          <a:lstStyle/>
+          <a:p>
+            <a:pPr marL="0" lvl="0" indent="0" algn="l" rtl="0">
+              <a:spcBef>
+                <a:spcPts val="0"/>
+              </a:spcBef>
+              <a:spcAft>
+                <a:spcPts val="0"/>
+              </a:spcAft>
+              <a:buNone/>
+            </a:pPr>
+            <a:endParaRPr/>
+          </a:p>
+        </p:txBody>
+      </p:sp>
+    </p:spTree>
+    <p:extLst>
+      <p:ext uri="{BB962C8B-B14F-4D97-AF65-F5344CB8AC3E}">
+        <p14:creationId xmlns:p14="http://schemas.microsoft.com/office/powerpoint/2010/main" val="2593950274"/>
+      </p:ext>
+    </p:extLst>
+  </p:cSld>
+  <p:clrMapOvr>
+    <a:masterClrMapping/>
+  </p:clrMapOvr>
+</p:notes>
+</file>
+
+<file path=ppt/notesSlides/notesSlide23.xml><?xml version="1.0" encoding="utf-8"?>
+<p:notes xmlns:a="http://schemas.openxmlformats.org/drawingml/2006/main" xmlns:r="http://schemas.openxmlformats.org/officeDocument/2006/relationships" xmlns:p="http://schemas.openxmlformats.org/presentationml/2006/main" showMasterSp="0" showMasterPhAnim="0">
+  <p:cSld>
+    <p:spTree>
+      <p:nvGrpSpPr>
+        <p:cNvPr id="1" name="Shape 411"/>
+        <p:cNvGrpSpPr/>
+        <p:nvPr/>
+      </p:nvGrpSpPr>
+      <p:grpSpPr>
+        <a:xfrm>
+          <a:off x="0" y="0"/>
+          <a:ext cx="0" cy="0"/>
+          <a:chOff x="0" y="0"/>
+          <a:chExt cx="0" cy="0"/>
+        </a:xfrm>
+      </p:grpSpPr>
+      <p:sp>
+        <p:nvSpPr>
+          <p:cNvPr id="412" name="Google Shape;412;g13fa57669d9_0_17413:notes"/>
+          <p:cNvSpPr>
+            <a:spLocks noGrp="1" noRot="1" noChangeAspect="1"/>
+          </p:cNvSpPr>
+          <p:nvPr>
+            <p:ph type="sldImg" idx="2"/>
+          </p:nvPr>
+        </p:nvSpPr>
+        <p:spPr>
+          <a:xfrm>
+            <a:off x="381000" y="685800"/>
+            <a:ext cx="6096000" cy="3429000"/>
+          </a:xfrm>
+          <a:custGeom>
+            <a:avLst/>
+            <a:gdLst/>
+            <a:ahLst/>
+            <a:cxnLst/>
+            <a:rect l="l" t="t" r="r" b="b"/>
+            <a:pathLst>
+              <a:path w="120000" h="120000" extrusionOk="0">
+                <a:moveTo>
+                  <a:pt x="0" y="0"/>
+                </a:moveTo>
+                <a:lnTo>
+                  <a:pt x="120000" y="0"/>
+                </a:lnTo>
+                <a:lnTo>
+                  <a:pt x="120000" y="120000"/>
+                </a:lnTo>
+                <a:lnTo>
+                  <a:pt x="0" y="120000"/>
+                </a:lnTo>
+                <a:close/>
+              </a:path>
+            </a:pathLst>
+          </a:custGeom>
+        </p:spPr>
+      </p:sp>
+      <p:sp>
+        <p:nvSpPr>
+          <p:cNvPr id="413" name="Google Shape;413;g13fa57669d9_0_17413:notes"/>
+          <p:cNvSpPr txBox="1">
+            <a:spLocks noGrp="1"/>
+          </p:cNvSpPr>
+          <p:nvPr>
+            <p:ph type="body" idx="1"/>
+          </p:nvPr>
+        </p:nvSpPr>
+        <p:spPr>
+          <a:xfrm>
+            <a:off x="685800" y="4343400"/>
+            <a:ext cx="5486400" cy="4114800"/>
+          </a:xfrm>
+          <a:prstGeom prst="rect">
+            <a:avLst/>
+          </a:prstGeom>
+        </p:spPr>
+        <p:txBody>
+          <a:bodyPr spcFirstLastPara="1" wrap="square" lIns="91425" tIns="91425" rIns="91425" bIns="91425" anchor="t" anchorCtr="0">
+            <a:noAutofit/>
+          </a:bodyPr>
+          <a:lstStyle/>
+          <a:p>
+            <a:pPr marL="0" lvl="0" indent="0" algn="l" rtl="0">
+              <a:spcBef>
+                <a:spcPts val="0"/>
+              </a:spcBef>
+              <a:spcAft>
+                <a:spcPts val="0"/>
+              </a:spcAft>
+              <a:buNone/>
+            </a:pPr>
+            <a:endParaRPr/>
+          </a:p>
+        </p:txBody>
+      </p:sp>
+    </p:spTree>
+    <p:extLst>
+      <p:ext uri="{BB962C8B-B14F-4D97-AF65-F5344CB8AC3E}">
+        <p14:creationId xmlns:p14="http://schemas.microsoft.com/office/powerpoint/2010/main" val="3801249901"/>
+      </p:ext>
+    </p:extLst>
   </p:cSld>
   <p:clrMapOvr>
     <a:masterClrMapping/>
@@ -14370,6 +15470,7078 @@
   <p:cSld>
     <p:spTree>
       <p:nvGrpSpPr>
+        <p:cNvPr id="1" name="Shape 435"/>
+        <p:cNvGrpSpPr/>
+        <p:nvPr/>
+      </p:nvGrpSpPr>
+      <p:grpSpPr>
+        <a:xfrm>
+          <a:off x="0" y="0"/>
+          <a:ext cx="0" cy="0"/>
+          <a:chOff x="0" y="0"/>
+          <a:chExt cx="0" cy="0"/>
+        </a:xfrm>
+      </p:grpSpPr>
+      <p:sp>
+        <p:nvSpPr>
+          <p:cNvPr id="436" name="Google Shape;436;p46"/>
+          <p:cNvSpPr txBox="1">
+            <a:spLocks noGrp="1"/>
+          </p:cNvSpPr>
+          <p:nvPr>
+            <p:ph type="title"/>
+          </p:nvPr>
+        </p:nvSpPr>
+        <p:spPr>
+          <a:xfrm>
+            <a:off x="262333" y="598092"/>
+            <a:ext cx="3712981" cy="554461"/>
+          </a:xfrm>
+          <a:prstGeom prst="rect">
+            <a:avLst/>
+          </a:prstGeom>
+        </p:spPr>
+        <p:txBody>
+          <a:bodyPr spcFirstLastPara="1" wrap="square" lIns="91425" tIns="91425" rIns="91425" bIns="91425" anchor="t" anchorCtr="0">
+            <a:noAutofit/>
+          </a:bodyPr>
+          <a:lstStyle/>
+          <a:p>
+            <a:pPr marL="0" lvl="0" indent="0" algn="r" rtl="0">
+              <a:spcBef>
+                <a:spcPts val="0"/>
+              </a:spcBef>
+              <a:spcAft>
+                <a:spcPts val="0"/>
+              </a:spcAft>
+              <a:buNone/>
+            </a:pPr>
+            <a:r>
+              <a:rPr lang="en-US" sz="2800"/>
+              <a:t>Các câu hỏi đặt ra</a:t>
+            </a:r>
+          </a:p>
+        </p:txBody>
+      </p:sp>
+      <p:sp>
+        <p:nvSpPr>
+          <p:cNvPr id="437" name="Google Shape;437;p46"/>
+          <p:cNvSpPr txBox="1">
+            <a:spLocks noGrp="1"/>
+          </p:cNvSpPr>
+          <p:nvPr>
+            <p:ph type="subTitle" idx="1"/>
+          </p:nvPr>
+        </p:nvSpPr>
+        <p:spPr>
+          <a:xfrm>
+            <a:off x="679461" y="1152553"/>
+            <a:ext cx="8038336" cy="3268554"/>
+          </a:xfrm>
+          <a:prstGeom prst="rect">
+            <a:avLst/>
+          </a:prstGeom>
+        </p:spPr>
+        <p:txBody>
+          <a:bodyPr spcFirstLastPara="1" wrap="square" lIns="91425" tIns="91425" rIns="91425" bIns="91425" anchor="t" anchorCtr="0">
+            <a:noAutofit/>
+          </a:bodyPr>
+          <a:lstStyle/>
+          <a:p>
+            <a:pPr marL="285750" lvl="0" indent="-285750" algn="l" rtl="0">
+              <a:lnSpc>
+                <a:spcPct val="150000"/>
+              </a:lnSpc>
+              <a:spcBef>
+                <a:spcPts val="0"/>
+              </a:spcBef>
+              <a:spcAft>
+                <a:spcPts val="0"/>
+              </a:spcAft>
+              <a:buFont typeface="Arial" panose="020B0604020202020204" pitchFamily="34" charset="0"/>
+              <a:buChar char="•"/>
+            </a:pPr>
+            <a:r>
+              <a:rPr lang="en-US">
+                <a:latin typeface="Assistant" pitchFamily="2" charset="-79"/>
+                <a:cs typeface="Assistant" pitchFamily="2" charset="-79"/>
+              </a:rPr>
+              <a:t>Đọc dữ liệu, tính số dòng và số cột</a:t>
+            </a:r>
+            <a:endParaRPr lang="en-US" i="0">
+              <a:effectLst/>
+              <a:latin typeface="Assistant" pitchFamily="2" charset="-79"/>
+              <a:cs typeface="Assistant" pitchFamily="2" charset="-79"/>
+            </a:endParaRPr>
+          </a:p>
+          <a:p>
+            <a:pPr marL="285750" lvl="0" indent="-285750" algn="l" rtl="0">
+              <a:lnSpc>
+                <a:spcPct val="150000"/>
+              </a:lnSpc>
+              <a:spcBef>
+                <a:spcPts val="0"/>
+              </a:spcBef>
+              <a:spcAft>
+                <a:spcPts val="0"/>
+              </a:spcAft>
+              <a:buFont typeface="Arial" panose="020B0604020202020204" pitchFamily="34" charset="0"/>
+              <a:buChar char="•"/>
+            </a:pPr>
+            <a:r>
+              <a:rPr lang="en-US">
+                <a:solidFill>
+                  <a:schemeClr val="tx1"/>
+                </a:solidFill>
+                <a:latin typeface="Assistant" pitchFamily="2" charset="-79"/>
+                <a:cs typeface="Assistant" pitchFamily="2" charset="-79"/>
+              </a:rPr>
+              <a:t>Mỗi dòng có ý nghĩa gì? Có vấn đề các dòng có ý nghĩa khác nhau không?</a:t>
+            </a:r>
+          </a:p>
+          <a:p>
+            <a:pPr marL="285750" lvl="0" indent="-285750" algn="l" rtl="0">
+              <a:lnSpc>
+                <a:spcPct val="150000"/>
+              </a:lnSpc>
+              <a:spcBef>
+                <a:spcPts val="0"/>
+              </a:spcBef>
+              <a:spcAft>
+                <a:spcPts val="0"/>
+              </a:spcAft>
+              <a:buFont typeface="Arial" panose="020B0604020202020204" pitchFamily="34" charset="0"/>
+              <a:buChar char="•"/>
+            </a:pPr>
+            <a:r>
+              <a:rPr lang="en-US">
+                <a:latin typeface="Assistant" pitchFamily="2" charset="-79"/>
+                <a:cs typeface="Assistant" pitchFamily="2" charset="-79"/>
+              </a:rPr>
+              <a:t>Dữ liệu có các dòng bị lặp không?</a:t>
+            </a:r>
+            <a:endParaRPr lang="en-US">
+              <a:solidFill>
+                <a:schemeClr val="tx1"/>
+              </a:solidFill>
+              <a:latin typeface="Assistant" pitchFamily="2" charset="-79"/>
+              <a:cs typeface="Assistant" pitchFamily="2" charset="-79"/>
+            </a:endParaRPr>
+          </a:p>
+          <a:p>
+            <a:pPr marL="285750" lvl="0" indent="-285750" algn="l" rtl="0">
+              <a:lnSpc>
+                <a:spcPct val="150000"/>
+              </a:lnSpc>
+              <a:spcBef>
+                <a:spcPts val="0"/>
+              </a:spcBef>
+              <a:spcAft>
+                <a:spcPts val="0"/>
+              </a:spcAft>
+              <a:buFont typeface="Arial" panose="020B0604020202020204" pitchFamily="34" charset="0"/>
+              <a:buChar char="•"/>
+            </a:pPr>
+            <a:r>
+              <a:rPr lang="en-US">
+                <a:latin typeface="Assistant" pitchFamily="2" charset="-79"/>
+                <a:cs typeface="Assistant" pitchFamily="2" charset="-79"/>
+              </a:rPr>
+              <a:t>Tỉ lệ giá trị thiếu của từng cột</a:t>
+            </a:r>
+            <a:endParaRPr lang="en-US" i="0">
+              <a:effectLst/>
+              <a:latin typeface="Assistant" pitchFamily="2" charset="-79"/>
+              <a:cs typeface="Assistant" pitchFamily="2" charset="-79"/>
+            </a:endParaRPr>
+          </a:p>
+          <a:p>
+            <a:pPr marL="285750" lvl="0" indent="-285750" algn="l" rtl="0">
+              <a:lnSpc>
+                <a:spcPct val="150000"/>
+              </a:lnSpc>
+              <a:spcBef>
+                <a:spcPts val="0"/>
+              </a:spcBef>
+              <a:spcAft>
+                <a:spcPts val="0"/>
+              </a:spcAft>
+              <a:buFont typeface="Arial" panose="020B0604020202020204" pitchFamily="34" charset="0"/>
+              <a:buChar char="•"/>
+            </a:pPr>
+            <a:r>
+              <a:rPr lang="en-US" i="0">
+                <a:effectLst/>
+                <a:latin typeface="Assistant" pitchFamily="2" charset="-79"/>
+                <a:cs typeface="Assistant" pitchFamily="2" charset="-79"/>
+              </a:rPr>
+              <a:t>Mỗi cột có ý nghĩa gì?</a:t>
+            </a:r>
+          </a:p>
+          <a:p>
+            <a:pPr marL="285750" lvl="0" indent="-285750" algn="l" rtl="0">
+              <a:lnSpc>
+                <a:spcPct val="150000"/>
+              </a:lnSpc>
+              <a:spcBef>
+                <a:spcPts val="0"/>
+              </a:spcBef>
+              <a:spcAft>
+                <a:spcPts val="0"/>
+              </a:spcAft>
+              <a:buFont typeface="Arial" panose="020B0604020202020204" pitchFamily="34" charset="0"/>
+              <a:buChar char="•"/>
+            </a:pPr>
+            <a:r>
+              <a:rPr lang="vi-VN" i="0">
+                <a:effectLst/>
+                <a:latin typeface="Assistant" pitchFamily="2" charset="-79"/>
+                <a:cs typeface="Assistant" pitchFamily="2" charset="-79"/>
+              </a:rPr>
+              <a:t>Mỗi cột hiện đang có kiểu dữ liệu gì? Có cột nào có kiểu dữ liệu chưa phù hợp để có thể xử lý tiếp hay không?</a:t>
+            </a:r>
+            <a:endParaRPr lang="en-US" i="0">
+              <a:effectLst/>
+              <a:latin typeface="Assistant" pitchFamily="2" charset="-79"/>
+              <a:cs typeface="Assistant" pitchFamily="2" charset="-79"/>
+            </a:endParaRPr>
+          </a:p>
+          <a:p>
+            <a:pPr marL="285750" lvl="0" indent="-285750" algn="l" rtl="0">
+              <a:lnSpc>
+                <a:spcPct val="150000"/>
+              </a:lnSpc>
+              <a:spcBef>
+                <a:spcPts val="0"/>
+              </a:spcBef>
+              <a:spcAft>
+                <a:spcPts val="0"/>
+              </a:spcAft>
+              <a:buFont typeface="Arial" panose="020B0604020202020204" pitchFamily="34" charset="0"/>
+              <a:buChar char="•"/>
+            </a:pPr>
+            <a:r>
+              <a:rPr lang="vi-VN" i="0">
+                <a:effectLst/>
+                <a:latin typeface="Assistant" pitchFamily="2" charset="-79"/>
+                <a:cs typeface="Assistant" pitchFamily="2" charset="-79"/>
+              </a:rPr>
+              <a:t>Với mỗi cột có kiểu dữ liệu số, các giá trị phân bố như thế nào?</a:t>
+            </a:r>
+            <a:endParaRPr lang="en-US">
+              <a:latin typeface="Assistant" pitchFamily="2" charset="-79"/>
+              <a:cs typeface="Assistant" pitchFamily="2" charset="-79"/>
+            </a:endParaRPr>
+          </a:p>
+          <a:p>
+            <a:pPr marL="285750" lvl="0" indent="-285750" algn="l" rtl="0">
+              <a:lnSpc>
+                <a:spcPct val="150000"/>
+              </a:lnSpc>
+              <a:spcBef>
+                <a:spcPts val="0"/>
+              </a:spcBef>
+              <a:spcAft>
+                <a:spcPts val="0"/>
+              </a:spcAft>
+              <a:buFont typeface="Arial" panose="020B0604020202020204" pitchFamily="34" charset="0"/>
+              <a:buChar char="•"/>
+            </a:pPr>
+            <a:r>
+              <a:rPr lang="vi-VN" i="0">
+                <a:effectLst/>
+                <a:latin typeface="Assistant" pitchFamily="2" charset="-79"/>
+                <a:cs typeface="Assistant" pitchFamily="2" charset="-79"/>
+              </a:rPr>
+              <a:t>Với mỗi cột có kiểu dữ liệu không phải dạng số, các giá trị được phân bố như thế nào?</a:t>
+            </a:r>
+          </a:p>
+          <a:p>
+            <a:pPr marL="0" lvl="0" indent="0" algn="l" rtl="0">
+              <a:lnSpc>
+                <a:spcPct val="150000"/>
+              </a:lnSpc>
+              <a:spcBef>
+                <a:spcPts val="0"/>
+              </a:spcBef>
+              <a:spcAft>
+                <a:spcPts val="0"/>
+              </a:spcAft>
+            </a:pPr>
+            <a:endParaRPr lang="en-US">
+              <a:solidFill>
+                <a:schemeClr val="tx1"/>
+              </a:solidFill>
+              <a:latin typeface="Assistant" pitchFamily="2" charset="-79"/>
+              <a:cs typeface="Assistant" pitchFamily="2" charset="-79"/>
+            </a:endParaRPr>
+          </a:p>
+        </p:txBody>
+      </p:sp>
+      <p:grpSp>
+        <p:nvGrpSpPr>
+          <p:cNvPr id="438" name="Google Shape;438;p46"/>
+          <p:cNvGrpSpPr/>
+          <p:nvPr/>
+        </p:nvGrpSpPr>
+        <p:grpSpPr>
+          <a:xfrm rot="5400000">
+            <a:off x="8075255" y="981469"/>
+            <a:ext cx="566924" cy="182883"/>
+            <a:chOff x="322625" y="4867200"/>
+            <a:chExt cx="847800" cy="276300"/>
+          </a:xfrm>
+        </p:grpSpPr>
+        <p:cxnSp>
+          <p:nvCxnSpPr>
+            <p:cNvPr id="439" name="Google Shape;439;p46"/>
+            <p:cNvCxnSpPr/>
+            <p:nvPr/>
+          </p:nvCxnSpPr>
+          <p:spPr>
+            <a:xfrm flipH="1">
+              <a:off x="322625" y="4867200"/>
+              <a:ext cx="85800" cy="276300"/>
+            </a:xfrm>
+            <a:prstGeom prst="straightConnector1">
+              <a:avLst/>
+            </a:prstGeom>
+            <a:noFill/>
+            <a:ln w="28575" cap="flat" cmpd="sng">
+              <a:solidFill>
+                <a:schemeClr val="dk1"/>
+              </a:solidFill>
+              <a:prstDash val="solid"/>
+              <a:round/>
+              <a:headEnd type="none" w="med" len="med"/>
+              <a:tailEnd type="none" w="med" len="med"/>
+            </a:ln>
+          </p:spPr>
+        </p:cxnSp>
+        <p:cxnSp>
+          <p:nvCxnSpPr>
+            <p:cNvPr id="440" name="Google Shape;440;p46"/>
+            <p:cNvCxnSpPr/>
+            <p:nvPr/>
+          </p:nvCxnSpPr>
+          <p:spPr>
+            <a:xfrm flipH="1">
+              <a:off x="475025" y="4867200"/>
+              <a:ext cx="85800" cy="276300"/>
+            </a:xfrm>
+            <a:prstGeom prst="straightConnector1">
+              <a:avLst/>
+            </a:prstGeom>
+            <a:noFill/>
+            <a:ln w="28575" cap="flat" cmpd="sng">
+              <a:solidFill>
+                <a:schemeClr val="dk1"/>
+              </a:solidFill>
+              <a:prstDash val="solid"/>
+              <a:round/>
+              <a:headEnd type="none" w="med" len="med"/>
+              <a:tailEnd type="none" w="med" len="med"/>
+            </a:ln>
+          </p:spPr>
+        </p:cxnSp>
+        <p:cxnSp>
+          <p:nvCxnSpPr>
+            <p:cNvPr id="441" name="Google Shape;441;p46"/>
+            <p:cNvCxnSpPr/>
+            <p:nvPr/>
+          </p:nvCxnSpPr>
+          <p:spPr>
+            <a:xfrm flipH="1">
+              <a:off x="627425" y="4867200"/>
+              <a:ext cx="85800" cy="276300"/>
+            </a:xfrm>
+            <a:prstGeom prst="straightConnector1">
+              <a:avLst/>
+            </a:prstGeom>
+            <a:noFill/>
+            <a:ln w="28575" cap="flat" cmpd="sng">
+              <a:solidFill>
+                <a:schemeClr val="dk1"/>
+              </a:solidFill>
+              <a:prstDash val="solid"/>
+              <a:round/>
+              <a:headEnd type="none" w="med" len="med"/>
+              <a:tailEnd type="none" w="med" len="med"/>
+            </a:ln>
+          </p:spPr>
+        </p:cxnSp>
+        <p:cxnSp>
+          <p:nvCxnSpPr>
+            <p:cNvPr id="442" name="Google Shape;442;p46"/>
+            <p:cNvCxnSpPr/>
+            <p:nvPr/>
+          </p:nvCxnSpPr>
+          <p:spPr>
+            <a:xfrm flipH="1">
+              <a:off x="779825" y="4867200"/>
+              <a:ext cx="85800" cy="276300"/>
+            </a:xfrm>
+            <a:prstGeom prst="straightConnector1">
+              <a:avLst/>
+            </a:prstGeom>
+            <a:noFill/>
+            <a:ln w="28575" cap="flat" cmpd="sng">
+              <a:solidFill>
+                <a:schemeClr val="dk1"/>
+              </a:solidFill>
+              <a:prstDash val="solid"/>
+              <a:round/>
+              <a:headEnd type="none" w="med" len="med"/>
+              <a:tailEnd type="none" w="med" len="med"/>
+            </a:ln>
+          </p:spPr>
+        </p:cxnSp>
+        <p:cxnSp>
+          <p:nvCxnSpPr>
+            <p:cNvPr id="443" name="Google Shape;443;p46"/>
+            <p:cNvCxnSpPr/>
+            <p:nvPr/>
+          </p:nvCxnSpPr>
+          <p:spPr>
+            <a:xfrm flipH="1">
+              <a:off x="932225" y="4867200"/>
+              <a:ext cx="85800" cy="276300"/>
+            </a:xfrm>
+            <a:prstGeom prst="straightConnector1">
+              <a:avLst/>
+            </a:prstGeom>
+            <a:noFill/>
+            <a:ln w="28575" cap="flat" cmpd="sng">
+              <a:solidFill>
+                <a:schemeClr val="dk1"/>
+              </a:solidFill>
+              <a:prstDash val="solid"/>
+              <a:round/>
+              <a:headEnd type="none" w="med" len="med"/>
+              <a:tailEnd type="none" w="med" len="med"/>
+            </a:ln>
+          </p:spPr>
+        </p:cxnSp>
+        <p:cxnSp>
+          <p:nvCxnSpPr>
+            <p:cNvPr id="444" name="Google Shape;444;p46"/>
+            <p:cNvCxnSpPr/>
+            <p:nvPr/>
+          </p:nvCxnSpPr>
+          <p:spPr>
+            <a:xfrm flipH="1">
+              <a:off x="1084625" y="4867200"/>
+              <a:ext cx="85800" cy="276300"/>
+            </a:xfrm>
+            <a:prstGeom prst="straightConnector1">
+              <a:avLst/>
+            </a:prstGeom>
+            <a:noFill/>
+            <a:ln w="28575" cap="flat" cmpd="sng">
+              <a:solidFill>
+                <a:schemeClr val="dk1"/>
+              </a:solidFill>
+              <a:prstDash val="solid"/>
+              <a:round/>
+              <a:headEnd type="none" w="med" len="med"/>
+              <a:tailEnd type="none" w="med" len="med"/>
+            </a:ln>
+          </p:spPr>
+        </p:cxnSp>
+      </p:grpSp>
+      <p:grpSp>
+        <p:nvGrpSpPr>
+          <p:cNvPr id="446" name="Google Shape;446;p46"/>
+          <p:cNvGrpSpPr/>
+          <p:nvPr/>
+        </p:nvGrpSpPr>
+        <p:grpSpPr>
+          <a:xfrm>
+            <a:off x="4005088" y="4421107"/>
+            <a:ext cx="566924" cy="182883"/>
+            <a:chOff x="322625" y="4867200"/>
+            <a:chExt cx="847800" cy="276300"/>
+          </a:xfrm>
+        </p:grpSpPr>
+        <p:cxnSp>
+          <p:nvCxnSpPr>
+            <p:cNvPr id="447" name="Google Shape;447;p46"/>
+            <p:cNvCxnSpPr/>
+            <p:nvPr/>
+          </p:nvCxnSpPr>
+          <p:spPr>
+            <a:xfrm flipH="1">
+              <a:off x="322625" y="4867200"/>
+              <a:ext cx="85800" cy="276300"/>
+            </a:xfrm>
+            <a:prstGeom prst="straightConnector1">
+              <a:avLst/>
+            </a:prstGeom>
+            <a:noFill/>
+            <a:ln w="28575" cap="flat" cmpd="sng">
+              <a:solidFill>
+                <a:schemeClr val="dk1"/>
+              </a:solidFill>
+              <a:prstDash val="solid"/>
+              <a:round/>
+              <a:headEnd type="none" w="med" len="med"/>
+              <a:tailEnd type="none" w="med" len="med"/>
+            </a:ln>
+          </p:spPr>
+        </p:cxnSp>
+        <p:cxnSp>
+          <p:nvCxnSpPr>
+            <p:cNvPr id="448" name="Google Shape;448;p46"/>
+            <p:cNvCxnSpPr/>
+            <p:nvPr/>
+          </p:nvCxnSpPr>
+          <p:spPr>
+            <a:xfrm flipH="1">
+              <a:off x="475025" y="4867200"/>
+              <a:ext cx="85800" cy="276300"/>
+            </a:xfrm>
+            <a:prstGeom prst="straightConnector1">
+              <a:avLst/>
+            </a:prstGeom>
+            <a:noFill/>
+            <a:ln w="28575" cap="flat" cmpd="sng">
+              <a:solidFill>
+                <a:schemeClr val="dk1"/>
+              </a:solidFill>
+              <a:prstDash val="solid"/>
+              <a:round/>
+              <a:headEnd type="none" w="med" len="med"/>
+              <a:tailEnd type="none" w="med" len="med"/>
+            </a:ln>
+          </p:spPr>
+        </p:cxnSp>
+        <p:cxnSp>
+          <p:nvCxnSpPr>
+            <p:cNvPr id="449" name="Google Shape;449;p46"/>
+            <p:cNvCxnSpPr/>
+            <p:nvPr/>
+          </p:nvCxnSpPr>
+          <p:spPr>
+            <a:xfrm flipH="1">
+              <a:off x="627425" y="4867200"/>
+              <a:ext cx="85800" cy="276300"/>
+            </a:xfrm>
+            <a:prstGeom prst="straightConnector1">
+              <a:avLst/>
+            </a:prstGeom>
+            <a:noFill/>
+            <a:ln w="28575" cap="flat" cmpd="sng">
+              <a:solidFill>
+                <a:schemeClr val="dk1"/>
+              </a:solidFill>
+              <a:prstDash val="solid"/>
+              <a:round/>
+              <a:headEnd type="none" w="med" len="med"/>
+              <a:tailEnd type="none" w="med" len="med"/>
+            </a:ln>
+          </p:spPr>
+        </p:cxnSp>
+        <p:cxnSp>
+          <p:nvCxnSpPr>
+            <p:cNvPr id="450" name="Google Shape;450;p46"/>
+            <p:cNvCxnSpPr/>
+            <p:nvPr/>
+          </p:nvCxnSpPr>
+          <p:spPr>
+            <a:xfrm flipH="1">
+              <a:off x="779825" y="4867200"/>
+              <a:ext cx="85800" cy="276300"/>
+            </a:xfrm>
+            <a:prstGeom prst="straightConnector1">
+              <a:avLst/>
+            </a:prstGeom>
+            <a:noFill/>
+            <a:ln w="28575" cap="flat" cmpd="sng">
+              <a:solidFill>
+                <a:schemeClr val="dk1"/>
+              </a:solidFill>
+              <a:prstDash val="solid"/>
+              <a:round/>
+              <a:headEnd type="none" w="med" len="med"/>
+              <a:tailEnd type="none" w="med" len="med"/>
+            </a:ln>
+          </p:spPr>
+        </p:cxnSp>
+        <p:cxnSp>
+          <p:nvCxnSpPr>
+            <p:cNvPr id="451" name="Google Shape;451;p46"/>
+            <p:cNvCxnSpPr/>
+            <p:nvPr/>
+          </p:nvCxnSpPr>
+          <p:spPr>
+            <a:xfrm flipH="1">
+              <a:off x="932225" y="4867200"/>
+              <a:ext cx="85800" cy="276300"/>
+            </a:xfrm>
+            <a:prstGeom prst="straightConnector1">
+              <a:avLst/>
+            </a:prstGeom>
+            <a:noFill/>
+            <a:ln w="28575" cap="flat" cmpd="sng">
+              <a:solidFill>
+                <a:schemeClr val="dk1"/>
+              </a:solidFill>
+              <a:prstDash val="solid"/>
+              <a:round/>
+              <a:headEnd type="none" w="med" len="med"/>
+              <a:tailEnd type="none" w="med" len="med"/>
+            </a:ln>
+          </p:spPr>
+        </p:cxnSp>
+        <p:cxnSp>
+          <p:nvCxnSpPr>
+            <p:cNvPr id="452" name="Google Shape;452;p46"/>
+            <p:cNvCxnSpPr/>
+            <p:nvPr/>
+          </p:nvCxnSpPr>
+          <p:spPr>
+            <a:xfrm flipH="1">
+              <a:off x="1084625" y="4867200"/>
+              <a:ext cx="85800" cy="276300"/>
+            </a:xfrm>
+            <a:prstGeom prst="straightConnector1">
+              <a:avLst/>
+            </a:prstGeom>
+            <a:noFill/>
+            <a:ln w="28575" cap="flat" cmpd="sng">
+              <a:solidFill>
+                <a:schemeClr val="dk1"/>
+              </a:solidFill>
+              <a:prstDash val="solid"/>
+              <a:round/>
+              <a:headEnd type="none" w="med" len="med"/>
+              <a:tailEnd type="none" w="med" len="med"/>
+            </a:ln>
+          </p:spPr>
+        </p:cxnSp>
+      </p:grpSp>
+    </p:spTree>
+    <p:extLst>
+      <p:ext uri="{BB962C8B-B14F-4D97-AF65-F5344CB8AC3E}">
+        <p14:creationId xmlns:p14="http://schemas.microsoft.com/office/powerpoint/2010/main" val="3722916639"/>
+      </p:ext>
+    </p:extLst>
+  </p:cSld>
+  <p:clrMapOvr>
+    <a:masterClrMapping/>
+  </p:clrMapOvr>
+</p:sld>
+</file>
+
+<file path=ppt/slides/slide14.xml><?xml version="1.0" encoding="utf-8"?>
+<p:sld xmlns:a="http://schemas.openxmlformats.org/drawingml/2006/main" xmlns:r="http://schemas.openxmlformats.org/officeDocument/2006/relationships" xmlns:p="http://schemas.openxmlformats.org/presentationml/2006/main">
+  <p:cSld>
+    <p:spTree>
+      <p:nvGrpSpPr>
+        <p:cNvPr id="1" name="Shape 435"/>
+        <p:cNvGrpSpPr/>
+        <p:nvPr/>
+      </p:nvGrpSpPr>
+      <p:grpSpPr>
+        <a:xfrm>
+          <a:off x="0" y="0"/>
+          <a:ext cx="0" cy="0"/>
+          <a:chOff x="0" y="0"/>
+          <a:chExt cx="0" cy="0"/>
+        </a:xfrm>
+      </p:grpSpPr>
+      <p:sp>
+        <p:nvSpPr>
+          <p:cNvPr id="436" name="Google Shape;436;p46"/>
+          <p:cNvSpPr txBox="1">
+            <a:spLocks noGrp="1"/>
+          </p:cNvSpPr>
+          <p:nvPr>
+            <p:ph type="title"/>
+          </p:nvPr>
+        </p:nvSpPr>
+        <p:spPr>
+          <a:xfrm>
+            <a:off x="262333" y="598092"/>
+            <a:ext cx="3712981" cy="554461"/>
+          </a:xfrm>
+          <a:prstGeom prst="rect">
+            <a:avLst/>
+          </a:prstGeom>
+        </p:spPr>
+        <p:txBody>
+          <a:bodyPr spcFirstLastPara="1" wrap="square" lIns="91425" tIns="91425" rIns="91425" bIns="91425" anchor="t" anchorCtr="0">
+            <a:noAutofit/>
+          </a:bodyPr>
+          <a:lstStyle/>
+          <a:p>
+            <a:pPr marL="0" lvl="0" indent="0" algn="r" rtl="0">
+              <a:spcBef>
+                <a:spcPts val="0"/>
+              </a:spcBef>
+              <a:spcAft>
+                <a:spcPts val="0"/>
+              </a:spcAft>
+              <a:buNone/>
+            </a:pPr>
+            <a:r>
+              <a:rPr lang="en-US" sz="2800"/>
+              <a:t>Các câu hỏi đặt ra</a:t>
+            </a:r>
+          </a:p>
+        </p:txBody>
+      </p:sp>
+      <p:sp>
+        <p:nvSpPr>
+          <p:cNvPr id="437" name="Google Shape;437;p46"/>
+          <p:cNvSpPr txBox="1">
+            <a:spLocks noGrp="1"/>
+          </p:cNvSpPr>
+          <p:nvPr>
+            <p:ph type="subTitle" idx="1"/>
+          </p:nvPr>
+        </p:nvSpPr>
+        <p:spPr>
+          <a:xfrm>
+            <a:off x="679461" y="1152553"/>
+            <a:ext cx="8038336" cy="3268554"/>
+          </a:xfrm>
+          <a:prstGeom prst="rect">
+            <a:avLst/>
+          </a:prstGeom>
+        </p:spPr>
+        <p:txBody>
+          <a:bodyPr spcFirstLastPara="1" wrap="square" lIns="91425" tIns="91425" rIns="91425" bIns="91425" anchor="t" anchorCtr="0">
+            <a:noAutofit/>
+          </a:bodyPr>
+          <a:lstStyle/>
+          <a:p>
+            <a:pPr marL="0" lvl="0" indent="0" algn="l" rtl="0">
+              <a:lnSpc>
+                <a:spcPct val="150000"/>
+              </a:lnSpc>
+              <a:spcBef>
+                <a:spcPts val="0"/>
+              </a:spcBef>
+              <a:spcAft>
+                <a:spcPts val="0"/>
+              </a:spcAft>
+            </a:pPr>
+            <a:r>
+              <a:rPr lang="en-US" sz="1600" b="1">
+                <a:latin typeface="Assistant" pitchFamily="2" charset="-79"/>
+                <a:cs typeface="Assistant" pitchFamily="2" charset="-79"/>
+              </a:rPr>
+              <a:t>Đọc dữ liệu, tính số dòng và số cột </a:t>
+            </a:r>
+          </a:p>
+          <a:p>
+            <a:pPr marL="285750" lvl="0" indent="-285750" algn="l" rtl="0">
+              <a:lnSpc>
+                <a:spcPct val="150000"/>
+              </a:lnSpc>
+              <a:spcBef>
+                <a:spcPts val="0"/>
+              </a:spcBef>
+              <a:spcAft>
+                <a:spcPts val="0"/>
+              </a:spcAft>
+              <a:buFont typeface="Arial" panose="020B0604020202020204" pitchFamily="34" charset="0"/>
+              <a:buChar char="•"/>
+            </a:pPr>
+            <a:r>
+              <a:rPr lang="vi-VN">
+                <a:solidFill>
+                  <a:schemeClr val="tx1"/>
+                </a:solidFill>
+                <a:latin typeface="Assistant" pitchFamily="2" charset="-79"/>
+                <a:cs typeface="Assistant" pitchFamily="2" charset="-79"/>
+              </a:rPr>
+              <a:t>Import các thư viện cần thiết →   pandas, numpy, …</a:t>
+            </a:r>
+          </a:p>
+          <a:p>
+            <a:pPr marL="285750" lvl="0" indent="-285750" algn="l" rtl="0">
+              <a:lnSpc>
+                <a:spcPct val="150000"/>
+              </a:lnSpc>
+              <a:spcBef>
+                <a:spcPts val="0"/>
+              </a:spcBef>
+              <a:spcAft>
+                <a:spcPts val="0"/>
+              </a:spcAft>
+              <a:buFont typeface="Arial" panose="020B0604020202020204" pitchFamily="34" charset="0"/>
+              <a:buChar char="•"/>
+            </a:pPr>
+            <a:r>
+              <a:rPr lang="vi-VN">
+                <a:solidFill>
+                  <a:schemeClr val="tx1"/>
+                </a:solidFill>
+                <a:latin typeface="Assistant" pitchFamily="2" charset="-79"/>
+                <a:cs typeface="Assistant" pitchFamily="2" charset="-79"/>
+              </a:rPr>
+              <a:t>Đọc dữ liệu từ file sau khi cào về bằng pd.read_csv() và lưu vào biến df</a:t>
+            </a:r>
+          </a:p>
+          <a:p>
+            <a:pPr marL="285750" lvl="0" indent="-285750" algn="l" rtl="0">
+              <a:lnSpc>
+                <a:spcPct val="150000"/>
+              </a:lnSpc>
+              <a:spcBef>
+                <a:spcPts val="0"/>
+              </a:spcBef>
+              <a:spcAft>
+                <a:spcPts val="0"/>
+              </a:spcAft>
+              <a:buFont typeface="Arial" panose="020B0604020202020204" pitchFamily="34" charset="0"/>
+              <a:buChar char="•"/>
+            </a:pPr>
+            <a:r>
+              <a:rPr lang="en-US">
+                <a:solidFill>
+                  <a:schemeClr val="tx1"/>
+                </a:solidFill>
+                <a:latin typeface="Assistant" pitchFamily="2" charset="-79"/>
+                <a:cs typeface="Assistant" pitchFamily="2" charset="-79"/>
+              </a:rPr>
+              <a:t>Tính số dòng và số cột thông qua df.shape()</a:t>
+            </a:r>
+          </a:p>
+          <a:p>
+            <a:pPr marL="0" lvl="0" indent="0" algn="l" rtl="0">
+              <a:lnSpc>
+                <a:spcPct val="150000"/>
+              </a:lnSpc>
+              <a:spcBef>
+                <a:spcPts val="0"/>
+              </a:spcBef>
+              <a:spcAft>
+                <a:spcPts val="0"/>
+              </a:spcAft>
+            </a:pPr>
+            <a:r>
+              <a:rPr lang="en-US" sz="1600" b="1">
+                <a:solidFill>
+                  <a:schemeClr val="tx1"/>
+                </a:solidFill>
+                <a:latin typeface="Assistant" pitchFamily="2" charset="-79"/>
+                <a:cs typeface="Assistant" pitchFamily="2" charset="-79"/>
+              </a:rPr>
+              <a:t>Mỗi dòng có ý nghĩa gì? Có vấn đề các dòng có ý nghĩa khác nhau không?</a:t>
+            </a:r>
+          </a:p>
+          <a:p>
+            <a:pPr marL="285750" lvl="0" indent="-285750" algn="l" rtl="0">
+              <a:lnSpc>
+                <a:spcPct val="150000"/>
+              </a:lnSpc>
+              <a:spcBef>
+                <a:spcPts val="0"/>
+              </a:spcBef>
+              <a:spcAft>
+                <a:spcPts val="0"/>
+              </a:spcAft>
+              <a:buFont typeface="Arial" panose="020B0604020202020204" pitchFamily="34" charset="0"/>
+              <a:buChar char="•"/>
+            </a:pPr>
+            <a:r>
+              <a:rPr lang="en-US">
+                <a:solidFill>
+                  <a:schemeClr val="tx1"/>
+                </a:solidFill>
+                <a:latin typeface="Assistant" pitchFamily="2" charset="-79"/>
+                <a:cs typeface="Assistant" pitchFamily="2" charset="-79"/>
+              </a:rPr>
+              <a:t>Mỗi dòng trong tập dữ liệu là thông tin và các chỉ số thời tiết của quận Tân Bình (TP.HCM) tại thời điểm nhất định (cập nhật 30 phút/lần)</a:t>
+            </a:r>
+          </a:p>
+          <a:p>
+            <a:pPr marL="285750" lvl="0" indent="-285750" algn="l" rtl="0">
+              <a:lnSpc>
+                <a:spcPct val="150000"/>
+              </a:lnSpc>
+              <a:spcBef>
+                <a:spcPts val="0"/>
+              </a:spcBef>
+              <a:spcAft>
+                <a:spcPts val="0"/>
+              </a:spcAft>
+              <a:buFont typeface="Arial" panose="020B0604020202020204" pitchFamily="34" charset="0"/>
+              <a:buChar char="•"/>
+            </a:pPr>
+            <a:r>
+              <a:rPr lang="en-US">
+                <a:solidFill>
+                  <a:schemeClr val="tx1"/>
+                </a:solidFill>
+                <a:latin typeface="Assistant" pitchFamily="2" charset="-79"/>
+                <a:cs typeface="Assistant" pitchFamily="2" charset="-79"/>
+              </a:rPr>
+              <a:t>Có vẻ không có vấn đề các dòng có ý nghĩa khác nhau, tức là không có dòng nào bị “lạc loài”</a:t>
+            </a:r>
+          </a:p>
+        </p:txBody>
+      </p:sp>
+      <p:grpSp>
+        <p:nvGrpSpPr>
+          <p:cNvPr id="438" name="Google Shape;438;p46"/>
+          <p:cNvGrpSpPr/>
+          <p:nvPr/>
+        </p:nvGrpSpPr>
+        <p:grpSpPr>
+          <a:xfrm rot="5400000">
+            <a:off x="8075255" y="981469"/>
+            <a:ext cx="566924" cy="182883"/>
+            <a:chOff x="322625" y="4867200"/>
+            <a:chExt cx="847800" cy="276300"/>
+          </a:xfrm>
+        </p:grpSpPr>
+        <p:cxnSp>
+          <p:nvCxnSpPr>
+            <p:cNvPr id="439" name="Google Shape;439;p46"/>
+            <p:cNvCxnSpPr/>
+            <p:nvPr/>
+          </p:nvCxnSpPr>
+          <p:spPr>
+            <a:xfrm flipH="1">
+              <a:off x="322625" y="4867200"/>
+              <a:ext cx="85800" cy="276300"/>
+            </a:xfrm>
+            <a:prstGeom prst="straightConnector1">
+              <a:avLst/>
+            </a:prstGeom>
+            <a:noFill/>
+            <a:ln w="28575" cap="flat" cmpd="sng">
+              <a:solidFill>
+                <a:schemeClr val="dk1"/>
+              </a:solidFill>
+              <a:prstDash val="solid"/>
+              <a:round/>
+              <a:headEnd type="none" w="med" len="med"/>
+              <a:tailEnd type="none" w="med" len="med"/>
+            </a:ln>
+          </p:spPr>
+        </p:cxnSp>
+        <p:cxnSp>
+          <p:nvCxnSpPr>
+            <p:cNvPr id="440" name="Google Shape;440;p46"/>
+            <p:cNvCxnSpPr/>
+            <p:nvPr/>
+          </p:nvCxnSpPr>
+          <p:spPr>
+            <a:xfrm flipH="1">
+              <a:off x="475025" y="4867200"/>
+              <a:ext cx="85800" cy="276300"/>
+            </a:xfrm>
+            <a:prstGeom prst="straightConnector1">
+              <a:avLst/>
+            </a:prstGeom>
+            <a:noFill/>
+            <a:ln w="28575" cap="flat" cmpd="sng">
+              <a:solidFill>
+                <a:schemeClr val="dk1"/>
+              </a:solidFill>
+              <a:prstDash val="solid"/>
+              <a:round/>
+              <a:headEnd type="none" w="med" len="med"/>
+              <a:tailEnd type="none" w="med" len="med"/>
+            </a:ln>
+          </p:spPr>
+        </p:cxnSp>
+        <p:cxnSp>
+          <p:nvCxnSpPr>
+            <p:cNvPr id="441" name="Google Shape;441;p46"/>
+            <p:cNvCxnSpPr/>
+            <p:nvPr/>
+          </p:nvCxnSpPr>
+          <p:spPr>
+            <a:xfrm flipH="1">
+              <a:off x="627425" y="4867200"/>
+              <a:ext cx="85800" cy="276300"/>
+            </a:xfrm>
+            <a:prstGeom prst="straightConnector1">
+              <a:avLst/>
+            </a:prstGeom>
+            <a:noFill/>
+            <a:ln w="28575" cap="flat" cmpd="sng">
+              <a:solidFill>
+                <a:schemeClr val="dk1"/>
+              </a:solidFill>
+              <a:prstDash val="solid"/>
+              <a:round/>
+              <a:headEnd type="none" w="med" len="med"/>
+              <a:tailEnd type="none" w="med" len="med"/>
+            </a:ln>
+          </p:spPr>
+        </p:cxnSp>
+        <p:cxnSp>
+          <p:nvCxnSpPr>
+            <p:cNvPr id="442" name="Google Shape;442;p46"/>
+            <p:cNvCxnSpPr/>
+            <p:nvPr/>
+          </p:nvCxnSpPr>
+          <p:spPr>
+            <a:xfrm flipH="1">
+              <a:off x="779825" y="4867200"/>
+              <a:ext cx="85800" cy="276300"/>
+            </a:xfrm>
+            <a:prstGeom prst="straightConnector1">
+              <a:avLst/>
+            </a:prstGeom>
+            <a:noFill/>
+            <a:ln w="28575" cap="flat" cmpd="sng">
+              <a:solidFill>
+                <a:schemeClr val="dk1"/>
+              </a:solidFill>
+              <a:prstDash val="solid"/>
+              <a:round/>
+              <a:headEnd type="none" w="med" len="med"/>
+              <a:tailEnd type="none" w="med" len="med"/>
+            </a:ln>
+          </p:spPr>
+        </p:cxnSp>
+        <p:cxnSp>
+          <p:nvCxnSpPr>
+            <p:cNvPr id="443" name="Google Shape;443;p46"/>
+            <p:cNvCxnSpPr/>
+            <p:nvPr/>
+          </p:nvCxnSpPr>
+          <p:spPr>
+            <a:xfrm flipH="1">
+              <a:off x="932225" y="4867200"/>
+              <a:ext cx="85800" cy="276300"/>
+            </a:xfrm>
+            <a:prstGeom prst="straightConnector1">
+              <a:avLst/>
+            </a:prstGeom>
+            <a:noFill/>
+            <a:ln w="28575" cap="flat" cmpd="sng">
+              <a:solidFill>
+                <a:schemeClr val="dk1"/>
+              </a:solidFill>
+              <a:prstDash val="solid"/>
+              <a:round/>
+              <a:headEnd type="none" w="med" len="med"/>
+              <a:tailEnd type="none" w="med" len="med"/>
+            </a:ln>
+          </p:spPr>
+        </p:cxnSp>
+        <p:cxnSp>
+          <p:nvCxnSpPr>
+            <p:cNvPr id="444" name="Google Shape;444;p46"/>
+            <p:cNvCxnSpPr/>
+            <p:nvPr/>
+          </p:nvCxnSpPr>
+          <p:spPr>
+            <a:xfrm flipH="1">
+              <a:off x="1084625" y="4867200"/>
+              <a:ext cx="85800" cy="276300"/>
+            </a:xfrm>
+            <a:prstGeom prst="straightConnector1">
+              <a:avLst/>
+            </a:prstGeom>
+            <a:noFill/>
+            <a:ln w="28575" cap="flat" cmpd="sng">
+              <a:solidFill>
+                <a:schemeClr val="dk1"/>
+              </a:solidFill>
+              <a:prstDash val="solid"/>
+              <a:round/>
+              <a:headEnd type="none" w="med" len="med"/>
+              <a:tailEnd type="none" w="med" len="med"/>
+            </a:ln>
+          </p:spPr>
+        </p:cxnSp>
+      </p:grpSp>
+      <p:grpSp>
+        <p:nvGrpSpPr>
+          <p:cNvPr id="446" name="Google Shape;446;p46"/>
+          <p:cNvGrpSpPr/>
+          <p:nvPr/>
+        </p:nvGrpSpPr>
+        <p:grpSpPr>
+          <a:xfrm>
+            <a:off x="4005088" y="4421107"/>
+            <a:ext cx="566924" cy="182883"/>
+            <a:chOff x="322625" y="4867200"/>
+            <a:chExt cx="847800" cy="276300"/>
+          </a:xfrm>
+        </p:grpSpPr>
+        <p:cxnSp>
+          <p:nvCxnSpPr>
+            <p:cNvPr id="447" name="Google Shape;447;p46"/>
+            <p:cNvCxnSpPr/>
+            <p:nvPr/>
+          </p:nvCxnSpPr>
+          <p:spPr>
+            <a:xfrm flipH="1">
+              <a:off x="322625" y="4867200"/>
+              <a:ext cx="85800" cy="276300"/>
+            </a:xfrm>
+            <a:prstGeom prst="straightConnector1">
+              <a:avLst/>
+            </a:prstGeom>
+            <a:noFill/>
+            <a:ln w="28575" cap="flat" cmpd="sng">
+              <a:solidFill>
+                <a:schemeClr val="dk1"/>
+              </a:solidFill>
+              <a:prstDash val="solid"/>
+              <a:round/>
+              <a:headEnd type="none" w="med" len="med"/>
+              <a:tailEnd type="none" w="med" len="med"/>
+            </a:ln>
+          </p:spPr>
+        </p:cxnSp>
+        <p:cxnSp>
+          <p:nvCxnSpPr>
+            <p:cNvPr id="448" name="Google Shape;448;p46"/>
+            <p:cNvCxnSpPr/>
+            <p:nvPr/>
+          </p:nvCxnSpPr>
+          <p:spPr>
+            <a:xfrm flipH="1">
+              <a:off x="475025" y="4867200"/>
+              <a:ext cx="85800" cy="276300"/>
+            </a:xfrm>
+            <a:prstGeom prst="straightConnector1">
+              <a:avLst/>
+            </a:prstGeom>
+            <a:noFill/>
+            <a:ln w="28575" cap="flat" cmpd="sng">
+              <a:solidFill>
+                <a:schemeClr val="dk1"/>
+              </a:solidFill>
+              <a:prstDash val="solid"/>
+              <a:round/>
+              <a:headEnd type="none" w="med" len="med"/>
+              <a:tailEnd type="none" w="med" len="med"/>
+            </a:ln>
+          </p:spPr>
+        </p:cxnSp>
+        <p:cxnSp>
+          <p:nvCxnSpPr>
+            <p:cNvPr id="449" name="Google Shape;449;p46"/>
+            <p:cNvCxnSpPr/>
+            <p:nvPr/>
+          </p:nvCxnSpPr>
+          <p:spPr>
+            <a:xfrm flipH="1">
+              <a:off x="627425" y="4867200"/>
+              <a:ext cx="85800" cy="276300"/>
+            </a:xfrm>
+            <a:prstGeom prst="straightConnector1">
+              <a:avLst/>
+            </a:prstGeom>
+            <a:noFill/>
+            <a:ln w="28575" cap="flat" cmpd="sng">
+              <a:solidFill>
+                <a:schemeClr val="dk1"/>
+              </a:solidFill>
+              <a:prstDash val="solid"/>
+              <a:round/>
+              <a:headEnd type="none" w="med" len="med"/>
+              <a:tailEnd type="none" w="med" len="med"/>
+            </a:ln>
+          </p:spPr>
+        </p:cxnSp>
+        <p:cxnSp>
+          <p:nvCxnSpPr>
+            <p:cNvPr id="450" name="Google Shape;450;p46"/>
+            <p:cNvCxnSpPr/>
+            <p:nvPr/>
+          </p:nvCxnSpPr>
+          <p:spPr>
+            <a:xfrm flipH="1">
+              <a:off x="779825" y="4867200"/>
+              <a:ext cx="85800" cy="276300"/>
+            </a:xfrm>
+            <a:prstGeom prst="straightConnector1">
+              <a:avLst/>
+            </a:prstGeom>
+            <a:noFill/>
+            <a:ln w="28575" cap="flat" cmpd="sng">
+              <a:solidFill>
+                <a:schemeClr val="dk1"/>
+              </a:solidFill>
+              <a:prstDash val="solid"/>
+              <a:round/>
+              <a:headEnd type="none" w="med" len="med"/>
+              <a:tailEnd type="none" w="med" len="med"/>
+            </a:ln>
+          </p:spPr>
+        </p:cxnSp>
+        <p:cxnSp>
+          <p:nvCxnSpPr>
+            <p:cNvPr id="451" name="Google Shape;451;p46"/>
+            <p:cNvCxnSpPr/>
+            <p:nvPr/>
+          </p:nvCxnSpPr>
+          <p:spPr>
+            <a:xfrm flipH="1">
+              <a:off x="932225" y="4867200"/>
+              <a:ext cx="85800" cy="276300"/>
+            </a:xfrm>
+            <a:prstGeom prst="straightConnector1">
+              <a:avLst/>
+            </a:prstGeom>
+            <a:noFill/>
+            <a:ln w="28575" cap="flat" cmpd="sng">
+              <a:solidFill>
+                <a:schemeClr val="dk1"/>
+              </a:solidFill>
+              <a:prstDash val="solid"/>
+              <a:round/>
+              <a:headEnd type="none" w="med" len="med"/>
+              <a:tailEnd type="none" w="med" len="med"/>
+            </a:ln>
+          </p:spPr>
+        </p:cxnSp>
+        <p:cxnSp>
+          <p:nvCxnSpPr>
+            <p:cNvPr id="452" name="Google Shape;452;p46"/>
+            <p:cNvCxnSpPr/>
+            <p:nvPr/>
+          </p:nvCxnSpPr>
+          <p:spPr>
+            <a:xfrm flipH="1">
+              <a:off x="1084625" y="4867200"/>
+              <a:ext cx="85800" cy="276300"/>
+            </a:xfrm>
+            <a:prstGeom prst="straightConnector1">
+              <a:avLst/>
+            </a:prstGeom>
+            <a:noFill/>
+            <a:ln w="28575" cap="flat" cmpd="sng">
+              <a:solidFill>
+                <a:schemeClr val="dk1"/>
+              </a:solidFill>
+              <a:prstDash val="solid"/>
+              <a:round/>
+              <a:headEnd type="none" w="med" len="med"/>
+              <a:tailEnd type="none" w="med" len="med"/>
+            </a:ln>
+          </p:spPr>
+        </p:cxnSp>
+      </p:grpSp>
+    </p:spTree>
+    <p:extLst>
+      <p:ext uri="{BB962C8B-B14F-4D97-AF65-F5344CB8AC3E}">
+        <p14:creationId xmlns:p14="http://schemas.microsoft.com/office/powerpoint/2010/main" val="4103533565"/>
+      </p:ext>
+    </p:extLst>
+  </p:cSld>
+  <p:clrMapOvr>
+    <a:masterClrMapping/>
+  </p:clrMapOvr>
+</p:sld>
+</file>
+
+<file path=ppt/slides/slide15.xml><?xml version="1.0" encoding="utf-8"?>
+<p:sld xmlns:a="http://schemas.openxmlformats.org/drawingml/2006/main" xmlns:r="http://schemas.openxmlformats.org/officeDocument/2006/relationships" xmlns:p="http://schemas.openxmlformats.org/presentationml/2006/main">
+  <p:cSld>
+    <p:spTree>
+      <p:nvGrpSpPr>
+        <p:cNvPr id="1" name="Shape 435"/>
+        <p:cNvGrpSpPr/>
+        <p:nvPr/>
+      </p:nvGrpSpPr>
+      <p:grpSpPr>
+        <a:xfrm>
+          <a:off x="0" y="0"/>
+          <a:ext cx="0" cy="0"/>
+          <a:chOff x="0" y="0"/>
+          <a:chExt cx="0" cy="0"/>
+        </a:xfrm>
+      </p:grpSpPr>
+      <p:sp>
+        <p:nvSpPr>
+          <p:cNvPr id="436" name="Google Shape;436;p46"/>
+          <p:cNvSpPr txBox="1">
+            <a:spLocks noGrp="1"/>
+          </p:cNvSpPr>
+          <p:nvPr>
+            <p:ph type="title"/>
+          </p:nvPr>
+        </p:nvSpPr>
+        <p:spPr>
+          <a:xfrm>
+            <a:off x="262333" y="598092"/>
+            <a:ext cx="3712981" cy="554461"/>
+          </a:xfrm>
+          <a:prstGeom prst="rect">
+            <a:avLst/>
+          </a:prstGeom>
+        </p:spPr>
+        <p:txBody>
+          <a:bodyPr spcFirstLastPara="1" wrap="square" lIns="91425" tIns="91425" rIns="91425" bIns="91425" anchor="t" anchorCtr="0">
+            <a:noAutofit/>
+          </a:bodyPr>
+          <a:lstStyle/>
+          <a:p>
+            <a:pPr marL="0" lvl="0" indent="0" algn="r" rtl="0">
+              <a:spcBef>
+                <a:spcPts val="0"/>
+              </a:spcBef>
+              <a:spcAft>
+                <a:spcPts val="0"/>
+              </a:spcAft>
+              <a:buNone/>
+            </a:pPr>
+            <a:r>
+              <a:rPr lang="en-US" sz="2800"/>
+              <a:t>Các câu hỏi đặt ra</a:t>
+            </a:r>
+          </a:p>
+        </p:txBody>
+      </p:sp>
+      <p:sp>
+        <p:nvSpPr>
+          <p:cNvPr id="437" name="Google Shape;437;p46"/>
+          <p:cNvSpPr txBox="1">
+            <a:spLocks noGrp="1"/>
+          </p:cNvSpPr>
+          <p:nvPr>
+            <p:ph type="subTitle" idx="1"/>
+          </p:nvPr>
+        </p:nvSpPr>
+        <p:spPr>
+          <a:xfrm>
+            <a:off x="679460" y="1152552"/>
+            <a:ext cx="8092581" cy="3392856"/>
+          </a:xfrm>
+          <a:prstGeom prst="rect">
+            <a:avLst/>
+          </a:prstGeom>
+        </p:spPr>
+        <p:txBody>
+          <a:bodyPr spcFirstLastPara="1" wrap="square" lIns="91425" tIns="91425" rIns="91425" bIns="91425" anchor="t" anchorCtr="0">
+            <a:noAutofit/>
+          </a:bodyPr>
+          <a:lstStyle/>
+          <a:p>
+            <a:pPr marL="0" lvl="0" indent="0" algn="l" rtl="0">
+              <a:lnSpc>
+                <a:spcPct val="150000"/>
+              </a:lnSpc>
+              <a:spcBef>
+                <a:spcPts val="0"/>
+              </a:spcBef>
+              <a:spcAft>
+                <a:spcPts val="0"/>
+              </a:spcAft>
+            </a:pPr>
+            <a:r>
+              <a:rPr lang="en-US" sz="1600" b="1">
+                <a:latin typeface="Assistant" pitchFamily="2" charset="-79"/>
+                <a:cs typeface="Assistant" pitchFamily="2" charset="-79"/>
+              </a:rPr>
+              <a:t>Dữ liệu có các dòng bị lặp không?</a:t>
+            </a:r>
+          </a:p>
+          <a:p>
+            <a:pPr marL="285750" lvl="0" indent="-285750" algn="l" rtl="0">
+              <a:lnSpc>
+                <a:spcPct val="150000"/>
+              </a:lnSpc>
+              <a:spcBef>
+                <a:spcPts val="0"/>
+              </a:spcBef>
+              <a:spcAft>
+                <a:spcPts val="0"/>
+              </a:spcAft>
+              <a:buFont typeface="Arial" panose="020B0604020202020204" pitchFamily="34" charset="0"/>
+              <a:buChar char="•"/>
+            </a:pPr>
+            <a:r>
+              <a:rPr lang="vi-VN">
+                <a:solidFill>
+                  <a:schemeClr val="tx1"/>
+                </a:solidFill>
+                <a:latin typeface="Assistant" pitchFamily="2" charset="-79"/>
+                <a:cs typeface="Assistant" pitchFamily="2" charset="-79"/>
+              </a:rPr>
+              <a:t>Sử dụng duplicated() và any() để kiểm tra xem có dòng nào bị lặp không. Kết quả sẽ trả về giá trị True nếu dữ liệu có dòng bị lặp, ngược lại trả về False →   df.duplicated().any()</a:t>
+            </a:r>
+            <a:endParaRPr lang="en-US">
+              <a:solidFill>
+                <a:schemeClr val="tx1"/>
+              </a:solidFill>
+              <a:latin typeface="Assistant" pitchFamily="2" charset="-79"/>
+              <a:cs typeface="Assistant" pitchFamily="2" charset="-79"/>
+            </a:endParaRPr>
+          </a:p>
+          <a:p>
+            <a:pPr marL="0" lvl="0" indent="0" algn="l" rtl="0">
+              <a:lnSpc>
+                <a:spcPct val="150000"/>
+              </a:lnSpc>
+              <a:spcBef>
+                <a:spcPts val="0"/>
+              </a:spcBef>
+              <a:spcAft>
+                <a:spcPts val="0"/>
+              </a:spcAft>
+            </a:pPr>
+            <a:r>
+              <a:rPr lang="en-US" sz="1600" b="1">
+                <a:solidFill>
+                  <a:schemeClr val="tx1"/>
+                </a:solidFill>
+                <a:latin typeface="Assistant" pitchFamily="2" charset="-79"/>
+                <a:cs typeface="Assistant" pitchFamily="2" charset="-79"/>
+              </a:rPr>
+              <a:t>Tỉ lệ giá trị thiếu của từng cột</a:t>
+            </a:r>
+          </a:p>
+          <a:p>
+            <a:pPr marL="285750" lvl="0" indent="-285750" algn="l" rtl="0">
+              <a:lnSpc>
+                <a:spcPct val="150000"/>
+              </a:lnSpc>
+              <a:spcBef>
+                <a:spcPts val="0"/>
+              </a:spcBef>
+              <a:spcAft>
+                <a:spcPts val="0"/>
+              </a:spcAft>
+              <a:buFont typeface="Arial" panose="020B0604020202020204" pitchFamily="34" charset="0"/>
+              <a:buChar char="•"/>
+            </a:pPr>
+            <a:r>
+              <a:rPr lang="vi-VN">
+                <a:solidFill>
+                  <a:schemeClr val="tx1"/>
+                </a:solidFill>
+                <a:latin typeface="Assistant" pitchFamily="2" charset="-79"/>
+                <a:cs typeface="Assistant" pitchFamily="2" charset="-79"/>
+              </a:rPr>
+              <a:t>Sử dụng isnull() để biết được giá trị thiếu, sau đó dùng sum() để tính tổng số giá trị thiếu theo từng cột. Cuối cùng chia cho tổng số dòng của dữ liệu để tính tỉ lệ giá trị thiếu của từng cột và lưu vào biến missing_ratio</a:t>
+            </a:r>
+            <a:endParaRPr lang="en-US">
+              <a:solidFill>
+                <a:schemeClr val="tx1"/>
+              </a:solidFill>
+              <a:latin typeface="Assistant" pitchFamily="2" charset="-79"/>
+              <a:cs typeface="Assistant" pitchFamily="2" charset="-79"/>
+            </a:endParaRPr>
+          </a:p>
+          <a:p>
+            <a:pPr marL="285750" lvl="0" indent="-285750" algn="l" rtl="0">
+              <a:lnSpc>
+                <a:spcPct val="150000"/>
+              </a:lnSpc>
+              <a:spcBef>
+                <a:spcPts val="0"/>
+              </a:spcBef>
+              <a:spcAft>
+                <a:spcPts val="0"/>
+              </a:spcAft>
+              <a:buFont typeface="Arial" panose="020B0604020202020204" pitchFamily="34" charset="0"/>
+              <a:buChar char="•"/>
+            </a:pPr>
+            <a:r>
+              <a:rPr lang="en-US">
+                <a:solidFill>
+                  <a:schemeClr val="tx1"/>
+                </a:solidFill>
+                <a:latin typeface="Assistant" pitchFamily="2" charset="-79"/>
+                <a:cs typeface="Assistant" pitchFamily="2" charset="-79"/>
+              </a:rPr>
+              <a:t>Loại bỏ một số cột không cần thiết. </a:t>
+            </a:r>
+            <a:r>
+              <a:rPr lang="vi-VN">
+                <a:solidFill>
+                  <a:schemeClr val="tx1"/>
+                </a:solidFill>
+                <a:latin typeface="Assistant" pitchFamily="2" charset="-79"/>
+                <a:cs typeface="Assistant" pitchFamily="2" charset="-79"/>
+              </a:rPr>
+              <a:t>Có rất nhiều cột không có giá trị (tỉ lệ dữ liệu thiếu là 100%) → làm gọn → bỏ những cột không có ý nghĩa đó →   lưu tên những cột vào list del_cols, sau đó dùng df.drop(del_cols, axis=1) để bỏ những cột đó đi</a:t>
+            </a:r>
+            <a:endParaRPr lang="en-US">
+              <a:solidFill>
+                <a:schemeClr val="tx1"/>
+              </a:solidFill>
+              <a:latin typeface="Assistant" pitchFamily="2" charset="-79"/>
+              <a:cs typeface="Assistant" pitchFamily="2" charset="-79"/>
+            </a:endParaRPr>
+          </a:p>
+        </p:txBody>
+      </p:sp>
+      <p:grpSp>
+        <p:nvGrpSpPr>
+          <p:cNvPr id="438" name="Google Shape;438;p46"/>
+          <p:cNvGrpSpPr/>
+          <p:nvPr/>
+        </p:nvGrpSpPr>
+        <p:grpSpPr>
+          <a:xfrm rot="5400000">
+            <a:off x="8075255" y="981469"/>
+            <a:ext cx="566924" cy="182883"/>
+            <a:chOff x="322625" y="4867200"/>
+            <a:chExt cx="847800" cy="276300"/>
+          </a:xfrm>
+        </p:grpSpPr>
+        <p:cxnSp>
+          <p:nvCxnSpPr>
+            <p:cNvPr id="439" name="Google Shape;439;p46"/>
+            <p:cNvCxnSpPr/>
+            <p:nvPr/>
+          </p:nvCxnSpPr>
+          <p:spPr>
+            <a:xfrm flipH="1">
+              <a:off x="322625" y="4867200"/>
+              <a:ext cx="85800" cy="276300"/>
+            </a:xfrm>
+            <a:prstGeom prst="straightConnector1">
+              <a:avLst/>
+            </a:prstGeom>
+            <a:noFill/>
+            <a:ln w="28575" cap="flat" cmpd="sng">
+              <a:solidFill>
+                <a:schemeClr val="dk1"/>
+              </a:solidFill>
+              <a:prstDash val="solid"/>
+              <a:round/>
+              <a:headEnd type="none" w="med" len="med"/>
+              <a:tailEnd type="none" w="med" len="med"/>
+            </a:ln>
+          </p:spPr>
+        </p:cxnSp>
+        <p:cxnSp>
+          <p:nvCxnSpPr>
+            <p:cNvPr id="440" name="Google Shape;440;p46"/>
+            <p:cNvCxnSpPr/>
+            <p:nvPr/>
+          </p:nvCxnSpPr>
+          <p:spPr>
+            <a:xfrm flipH="1">
+              <a:off x="475025" y="4867200"/>
+              <a:ext cx="85800" cy="276300"/>
+            </a:xfrm>
+            <a:prstGeom prst="straightConnector1">
+              <a:avLst/>
+            </a:prstGeom>
+            <a:noFill/>
+            <a:ln w="28575" cap="flat" cmpd="sng">
+              <a:solidFill>
+                <a:schemeClr val="dk1"/>
+              </a:solidFill>
+              <a:prstDash val="solid"/>
+              <a:round/>
+              <a:headEnd type="none" w="med" len="med"/>
+              <a:tailEnd type="none" w="med" len="med"/>
+            </a:ln>
+          </p:spPr>
+        </p:cxnSp>
+        <p:cxnSp>
+          <p:nvCxnSpPr>
+            <p:cNvPr id="441" name="Google Shape;441;p46"/>
+            <p:cNvCxnSpPr/>
+            <p:nvPr/>
+          </p:nvCxnSpPr>
+          <p:spPr>
+            <a:xfrm flipH="1">
+              <a:off x="627425" y="4867200"/>
+              <a:ext cx="85800" cy="276300"/>
+            </a:xfrm>
+            <a:prstGeom prst="straightConnector1">
+              <a:avLst/>
+            </a:prstGeom>
+            <a:noFill/>
+            <a:ln w="28575" cap="flat" cmpd="sng">
+              <a:solidFill>
+                <a:schemeClr val="dk1"/>
+              </a:solidFill>
+              <a:prstDash val="solid"/>
+              <a:round/>
+              <a:headEnd type="none" w="med" len="med"/>
+              <a:tailEnd type="none" w="med" len="med"/>
+            </a:ln>
+          </p:spPr>
+        </p:cxnSp>
+        <p:cxnSp>
+          <p:nvCxnSpPr>
+            <p:cNvPr id="442" name="Google Shape;442;p46"/>
+            <p:cNvCxnSpPr/>
+            <p:nvPr/>
+          </p:nvCxnSpPr>
+          <p:spPr>
+            <a:xfrm flipH="1">
+              <a:off x="779825" y="4867200"/>
+              <a:ext cx="85800" cy="276300"/>
+            </a:xfrm>
+            <a:prstGeom prst="straightConnector1">
+              <a:avLst/>
+            </a:prstGeom>
+            <a:noFill/>
+            <a:ln w="28575" cap="flat" cmpd="sng">
+              <a:solidFill>
+                <a:schemeClr val="dk1"/>
+              </a:solidFill>
+              <a:prstDash val="solid"/>
+              <a:round/>
+              <a:headEnd type="none" w="med" len="med"/>
+              <a:tailEnd type="none" w="med" len="med"/>
+            </a:ln>
+          </p:spPr>
+        </p:cxnSp>
+        <p:cxnSp>
+          <p:nvCxnSpPr>
+            <p:cNvPr id="443" name="Google Shape;443;p46"/>
+            <p:cNvCxnSpPr/>
+            <p:nvPr/>
+          </p:nvCxnSpPr>
+          <p:spPr>
+            <a:xfrm flipH="1">
+              <a:off x="932225" y="4867200"/>
+              <a:ext cx="85800" cy="276300"/>
+            </a:xfrm>
+            <a:prstGeom prst="straightConnector1">
+              <a:avLst/>
+            </a:prstGeom>
+            <a:noFill/>
+            <a:ln w="28575" cap="flat" cmpd="sng">
+              <a:solidFill>
+                <a:schemeClr val="dk1"/>
+              </a:solidFill>
+              <a:prstDash val="solid"/>
+              <a:round/>
+              <a:headEnd type="none" w="med" len="med"/>
+              <a:tailEnd type="none" w="med" len="med"/>
+            </a:ln>
+          </p:spPr>
+        </p:cxnSp>
+        <p:cxnSp>
+          <p:nvCxnSpPr>
+            <p:cNvPr id="444" name="Google Shape;444;p46"/>
+            <p:cNvCxnSpPr/>
+            <p:nvPr/>
+          </p:nvCxnSpPr>
+          <p:spPr>
+            <a:xfrm flipH="1">
+              <a:off x="1084625" y="4867200"/>
+              <a:ext cx="85800" cy="276300"/>
+            </a:xfrm>
+            <a:prstGeom prst="straightConnector1">
+              <a:avLst/>
+            </a:prstGeom>
+            <a:noFill/>
+            <a:ln w="28575" cap="flat" cmpd="sng">
+              <a:solidFill>
+                <a:schemeClr val="dk1"/>
+              </a:solidFill>
+              <a:prstDash val="solid"/>
+              <a:round/>
+              <a:headEnd type="none" w="med" len="med"/>
+              <a:tailEnd type="none" w="med" len="med"/>
+            </a:ln>
+          </p:spPr>
+        </p:cxnSp>
+      </p:grpSp>
+      <p:grpSp>
+        <p:nvGrpSpPr>
+          <p:cNvPr id="446" name="Google Shape;446;p46"/>
+          <p:cNvGrpSpPr/>
+          <p:nvPr/>
+        </p:nvGrpSpPr>
+        <p:grpSpPr>
+          <a:xfrm>
+            <a:off x="4005076" y="4726837"/>
+            <a:ext cx="566924" cy="182883"/>
+            <a:chOff x="322625" y="4867200"/>
+            <a:chExt cx="847800" cy="276300"/>
+          </a:xfrm>
+        </p:grpSpPr>
+        <p:cxnSp>
+          <p:nvCxnSpPr>
+            <p:cNvPr id="447" name="Google Shape;447;p46"/>
+            <p:cNvCxnSpPr/>
+            <p:nvPr/>
+          </p:nvCxnSpPr>
+          <p:spPr>
+            <a:xfrm flipH="1">
+              <a:off x="322625" y="4867200"/>
+              <a:ext cx="85800" cy="276300"/>
+            </a:xfrm>
+            <a:prstGeom prst="straightConnector1">
+              <a:avLst/>
+            </a:prstGeom>
+            <a:noFill/>
+            <a:ln w="28575" cap="flat" cmpd="sng">
+              <a:solidFill>
+                <a:schemeClr val="dk1"/>
+              </a:solidFill>
+              <a:prstDash val="solid"/>
+              <a:round/>
+              <a:headEnd type="none" w="med" len="med"/>
+              <a:tailEnd type="none" w="med" len="med"/>
+            </a:ln>
+          </p:spPr>
+        </p:cxnSp>
+        <p:cxnSp>
+          <p:nvCxnSpPr>
+            <p:cNvPr id="448" name="Google Shape;448;p46"/>
+            <p:cNvCxnSpPr/>
+            <p:nvPr/>
+          </p:nvCxnSpPr>
+          <p:spPr>
+            <a:xfrm flipH="1">
+              <a:off x="475025" y="4867200"/>
+              <a:ext cx="85800" cy="276300"/>
+            </a:xfrm>
+            <a:prstGeom prst="straightConnector1">
+              <a:avLst/>
+            </a:prstGeom>
+            <a:noFill/>
+            <a:ln w="28575" cap="flat" cmpd="sng">
+              <a:solidFill>
+                <a:schemeClr val="dk1"/>
+              </a:solidFill>
+              <a:prstDash val="solid"/>
+              <a:round/>
+              <a:headEnd type="none" w="med" len="med"/>
+              <a:tailEnd type="none" w="med" len="med"/>
+            </a:ln>
+          </p:spPr>
+        </p:cxnSp>
+        <p:cxnSp>
+          <p:nvCxnSpPr>
+            <p:cNvPr id="449" name="Google Shape;449;p46"/>
+            <p:cNvCxnSpPr/>
+            <p:nvPr/>
+          </p:nvCxnSpPr>
+          <p:spPr>
+            <a:xfrm flipH="1">
+              <a:off x="627425" y="4867200"/>
+              <a:ext cx="85800" cy="276300"/>
+            </a:xfrm>
+            <a:prstGeom prst="straightConnector1">
+              <a:avLst/>
+            </a:prstGeom>
+            <a:noFill/>
+            <a:ln w="28575" cap="flat" cmpd="sng">
+              <a:solidFill>
+                <a:schemeClr val="dk1"/>
+              </a:solidFill>
+              <a:prstDash val="solid"/>
+              <a:round/>
+              <a:headEnd type="none" w="med" len="med"/>
+              <a:tailEnd type="none" w="med" len="med"/>
+            </a:ln>
+          </p:spPr>
+        </p:cxnSp>
+        <p:cxnSp>
+          <p:nvCxnSpPr>
+            <p:cNvPr id="450" name="Google Shape;450;p46"/>
+            <p:cNvCxnSpPr/>
+            <p:nvPr/>
+          </p:nvCxnSpPr>
+          <p:spPr>
+            <a:xfrm flipH="1">
+              <a:off x="779825" y="4867200"/>
+              <a:ext cx="85800" cy="276300"/>
+            </a:xfrm>
+            <a:prstGeom prst="straightConnector1">
+              <a:avLst/>
+            </a:prstGeom>
+            <a:noFill/>
+            <a:ln w="28575" cap="flat" cmpd="sng">
+              <a:solidFill>
+                <a:schemeClr val="dk1"/>
+              </a:solidFill>
+              <a:prstDash val="solid"/>
+              <a:round/>
+              <a:headEnd type="none" w="med" len="med"/>
+              <a:tailEnd type="none" w="med" len="med"/>
+            </a:ln>
+          </p:spPr>
+        </p:cxnSp>
+        <p:cxnSp>
+          <p:nvCxnSpPr>
+            <p:cNvPr id="451" name="Google Shape;451;p46"/>
+            <p:cNvCxnSpPr/>
+            <p:nvPr/>
+          </p:nvCxnSpPr>
+          <p:spPr>
+            <a:xfrm flipH="1">
+              <a:off x="932225" y="4867200"/>
+              <a:ext cx="85800" cy="276300"/>
+            </a:xfrm>
+            <a:prstGeom prst="straightConnector1">
+              <a:avLst/>
+            </a:prstGeom>
+            <a:noFill/>
+            <a:ln w="28575" cap="flat" cmpd="sng">
+              <a:solidFill>
+                <a:schemeClr val="dk1"/>
+              </a:solidFill>
+              <a:prstDash val="solid"/>
+              <a:round/>
+              <a:headEnd type="none" w="med" len="med"/>
+              <a:tailEnd type="none" w="med" len="med"/>
+            </a:ln>
+          </p:spPr>
+        </p:cxnSp>
+        <p:cxnSp>
+          <p:nvCxnSpPr>
+            <p:cNvPr id="452" name="Google Shape;452;p46"/>
+            <p:cNvCxnSpPr/>
+            <p:nvPr/>
+          </p:nvCxnSpPr>
+          <p:spPr>
+            <a:xfrm flipH="1">
+              <a:off x="1084625" y="4867200"/>
+              <a:ext cx="85800" cy="276300"/>
+            </a:xfrm>
+            <a:prstGeom prst="straightConnector1">
+              <a:avLst/>
+            </a:prstGeom>
+            <a:noFill/>
+            <a:ln w="28575" cap="flat" cmpd="sng">
+              <a:solidFill>
+                <a:schemeClr val="dk1"/>
+              </a:solidFill>
+              <a:prstDash val="solid"/>
+              <a:round/>
+              <a:headEnd type="none" w="med" len="med"/>
+              <a:tailEnd type="none" w="med" len="med"/>
+            </a:ln>
+          </p:spPr>
+        </p:cxnSp>
+      </p:grpSp>
+    </p:spTree>
+    <p:extLst>
+      <p:ext uri="{BB962C8B-B14F-4D97-AF65-F5344CB8AC3E}">
+        <p14:creationId xmlns:p14="http://schemas.microsoft.com/office/powerpoint/2010/main" val="2902707620"/>
+      </p:ext>
+    </p:extLst>
+  </p:cSld>
+  <p:clrMapOvr>
+    <a:masterClrMapping/>
+  </p:clrMapOvr>
+</p:sld>
+</file>
+
+<file path=ppt/slides/slide16.xml><?xml version="1.0" encoding="utf-8"?>
+<p:sld xmlns:a="http://schemas.openxmlformats.org/drawingml/2006/main" xmlns:r="http://schemas.openxmlformats.org/officeDocument/2006/relationships" xmlns:p="http://schemas.openxmlformats.org/presentationml/2006/main">
+  <p:cSld>
+    <p:spTree>
+      <p:nvGrpSpPr>
+        <p:cNvPr id="1" name="Shape 435"/>
+        <p:cNvGrpSpPr/>
+        <p:nvPr/>
+      </p:nvGrpSpPr>
+      <p:grpSpPr>
+        <a:xfrm>
+          <a:off x="0" y="0"/>
+          <a:ext cx="0" cy="0"/>
+          <a:chOff x="0" y="0"/>
+          <a:chExt cx="0" cy="0"/>
+        </a:xfrm>
+      </p:grpSpPr>
+      <p:sp>
+        <p:nvSpPr>
+          <p:cNvPr id="436" name="Google Shape;436;p46"/>
+          <p:cNvSpPr txBox="1">
+            <a:spLocks noGrp="1"/>
+          </p:cNvSpPr>
+          <p:nvPr>
+            <p:ph type="title"/>
+          </p:nvPr>
+        </p:nvSpPr>
+        <p:spPr>
+          <a:xfrm>
+            <a:off x="262333" y="598092"/>
+            <a:ext cx="3712981" cy="554461"/>
+          </a:xfrm>
+          <a:prstGeom prst="rect">
+            <a:avLst/>
+          </a:prstGeom>
+        </p:spPr>
+        <p:txBody>
+          <a:bodyPr spcFirstLastPara="1" wrap="square" lIns="91425" tIns="91425" rIns="91425" bIns="91425" anchor="t" anchorCtr="0">
+            <a:noAutofit/>
+          </a:bodyPr>
+          <a:lstStyle/>
+          <a:p>
+            <a:pPr marL="0" lvl="0" indent="0" algn="r" rtl="0">
+              <a:spcBef>
+                <a:spcPts val="0"/>
+              </a:spcBef>
+              <a:spcAft>
+                <a:spcPts val="0"/>
+              </a:spcAft>
+              <a:buNone/>
+            </a:pPr>
+            <a:r>
+              <a:rPr lang="en-US" sz="2800"/>
+              <a:t>Các câu hỏi đặt ra</a:t>
+            </a:r>
+          </a:p>
+        </p:txBody>
+      </p:sp>
+      <p:sp>
+        <p:nvSpPr>
+          <p:cNvPr id="437" name="Google Shape;437;p46"/>
+          <p:cNvSpPr txBox="1">
+            <a:spLocks noGrp="1"/>
+          </p:cNvSpPr>
+          <p:nvPr>
+            <p:ph type="subTitle" idx="1"/>
+          </p:nvPr>
+        </p:nvSpPr>
+        <p:spPr>
+          <a:xfrm>
+            <a:off x="679460" y="1152552"/>
+            <a:ext cx="8092581" cy="3392856"/>
+          </a:xfrm>
+          <a:prstGeom prst="rect">
+            <a:avLst/>
+          </a:prstGeom>
+        </p:spPr>
+        <p:txBody>
+          <a:bodyPr spcFirstLastPara="1" wrap="square" lIns="91425" tIns="91425" rIns="91425" bIns="91425" anchor="t" anchorCtr="0">
+            <a:noAutofit/>
+          </a:bodyPr>
+          <a:lstStyle/>
+          <a:p>
+            <a:pPr marL="0" lvl="0" indent="0" algn="l" rtl="0">
+              <a:lnSpc>
+                <a:spcPct val="150000"/>
+              </a:lnSpc>
+              <a:spcBef>
+                <a:spcPts val="0"/>
+              </a:spcBef>
+              <a:spcAft>
+                <a:spcPts val="0"/>
+              </a:spcAft>
+            </a:pPr>
+            <a:r>
+              <a:rPr lang="en-US" sz="1600" b="1">
+                <a:latin typeface="Assistant" pitchFamily="2" charset="-79"/>
+                <a:cs typeface="Assistant" pitchFamily="2" charset="-79"/>
+              </a:rPr>
+              <a:t>Mỗi cột có ý nghĩa gì?</a:t>
+            </a:r>
+          </a:p>
+          <a:p>
+            <a:pPr marL="285750" lvl="0" indent="-285750" algn="l" rtl="0">
+              <a:lnSpc>
+                <a:spcPct val="150000"/>
+              </a:lnSpc>
+              <a:spcBef>
+                <a:spcPts val="0"/>
+              </a:spcBef>
+              <a:spcAft>
+                <a:spcPts val="0"/>
+              </a:spcAft>
+              <a:buFont typeface="Arial" panose="020B0604020202020204" pitchFamily="34" charset="0"/>
+              <a:buChar char="•"/>
+            </a:pPr>
+            <a:r>
+              <a:rPr lang="vi-VN">
+                <a:solidFill>
+                  <a:schemeClr val="tx1"/>
+                </a:solidFill>
+                <a:latin typeface="Assistant" pitchFamily="2" charset="-79"/>
+                <a:cs typeface="Assistant" pitchFamily="2" charset="-79"/>
+              </a:rPr>
+              <a:t>Dựa vào thông tin mô tả ở Thu thập dữ liệu, ta chọn ra những cột liên quan và cần thiết</a:t>
+            </a:r>
+            <a:endParaRPr lang="en-US">
+              <a:solidFill>
+                <a:schemeClr val="tx1"/>
+              </a:solidFill>
+              <a:latin typeface="Assistant" pitchFamily="2" charset="-79"/>
+              <a:cs typeface="Assistant" pitchFamily="2" charset="-79"/>
+            </a:endParaRPr>
+          </a:p>
+          <a:p>
+            <a:pPr marL="742950" lvl="1" indent="-285750">
+              <a:lnSpc>
+                <a:spcPct val="150000"/>
+              </a:lnSpc>
+              <a:buFont typeface="Arial" panose="020B0604020202020204" pitchFamily="34" charset="0"/>
+              <a:buChar char="•"/>
+            </a:pPr>
+            <a:r>
+              <a:rPr lang="en-US">
+                <a:solidFill>
+                  <a:schemeClr val="tx1"/>
+                </a:solidFill>
+                <a:latin typeface="Assistant" pitchFamily="2" charset="-79"/>
+                <a:cs typeface="Assistant" pitchFamily="2" charset="-79"/>
+              </a:rPr>
+              <a:t>Thời điểm biểu diễn các chỉ số thời tiết →   ‘valid_time_gmt’</a:t>
+            </a:r>
+          </a:p>
+          <a:p>
+            <a:pPr marL="742950" lvl="1" indent="-285750">
+              <a:lnSpc>
+                <a:spcPct val="150000"/>
+              </a:lnSpc>
+              <a:buFont typeface="Arial" panose="020B0604020202020204" pitchFamily="34" charset="0"/>
+              <a:buChar char="•"/>
+            </a:pPr>
+            <a:r>
+              <a:rPr lang="en-US">
+                <a:solidFill>
+                  <a:schemeClr val="tx1"/>
+                </a:solidFill>
+                <a:latin typeface="Assistant" pitchFamily="2" charset="-79"/>
+                <a:cs typeface="Assistant" pitchFamily="2" charset="-79"/>
+              </a:rPr>
+              <a:t>Thông tin về chỉ số thời tiết →   'temp', 'wx_phrase', 'dewPt', 'heat_index', 'rh', 'pressure', 'vis', 'wspd', 'uv_desc', 'feels_like', 'uv_index'</a:t>
+            </a:r>
+          </a:p>
+          <a:p>
+            <a:pPr marL="742950" lvl="1" indent="-285750">
+              <a:lnSpc>
+                <a:spcPct val="150000"/>
+              </a:lnSpc>
+              <a:buFont typeface="Arial" panose="020B0604020202020204" pitchFamily="34" charset="0"/>
+              <a:buChar char="•"/>
+            </a:pPr>
+            <a:r>
+              <a:rPr lang="vi-VN">
+                <a:solidFill>
+                  <a:schemeClr val="tx1"/>
+                </a:solidFill>
+                <a:latin typeface="Assistant" pitchFamily="2" charset="-79"/>
+                <a:cs typeface="Assistant" pitchFamily="2" charset="-79"/>
+              </a:rPr>
+              <a:t>Như vậy các cột bị loại bỏ bao gồm →   'key', 'class', 'expire_time_gmt', 'obs_id', 'obs_name', 'day_ind', 'wx_icon', 'icon_extd', 'wc', 'wdir', 'wdir_cardinal', 'clds'</a:t>
+            </a:r>
+          </a:p>
+          <a:p>
+            <a:pPr marL="285750" lvl="0" indent="-285750" algn="l" rtl="0">
+              <a:lnSpc>
+                <a:spcPct val="150000"/>
+              </a:lnSpc>
+              <a:spcBef>
+                <a:spcPts val="0"/>
+              </a:spcBef>
+              <a:spcAft>
+                <a:spcPts val="0"/>
+              </a:spcAft>
+              <a:buFont typeface="Arial" panose="020B0604020202020204" pitchFamily="34" charset="0"/>
+              <a:buChar char="•"/>
+            </a:pPr>
+            <a:r>
+              <a:rPr lang="en-US">
+                <a:solidFill>
+                  <a:schemeClr val="tx1"/>
+                </a:solidFill>
+                <a:latin typeface="Assistant" pitchFamily="2" charset="-79"/>
+                <a:cs typeface="Assistant" pitchFamily="2" charset="-79"/>
+              </a:rPr>
+              <a:t>Loại bỏ những cột không cần thiết . </a:t>
+            </a:r>
+            <a:r>
+              <a:rPr lang="vi-VN">
+                <a:solidFill>
+                  <a:schemeClr val="tx1"/>
+                </a:solidFill>
+                <a:latin typeface="Assistant" pitchFamily="2" charset="-79"/>
+                <a:cs typeface="Assistant" pitchFamily="2" charset="-79"/>
+              </a:rPr>
+              <a:t>Lưu tên các cột cần bỏ vào list del_cols, sau đó df.drop(del_cols, axis=1)</a:t>
+            </a:r>
+          </a:p>
+        </p:txBody>
+      </p:sp>
+      <p:grpSp>
+        <p:nvGrpSpPr>
+          <p:cNvPr id="438" name="Google Shape;438;p46"/>
+          <p:cNvGrpSpPr/>
+          <p:nvPr/>
+        </p:nvGrpSpPr>
+        <p:grpSpPr>
+          <a:xfrm rot="5400000">
+            <a:off x="8075255" y="981469"/>
+            <a:ext cx="566924" cy="182883"/>
+            <a:chOff x="322625" y="4867200"/>
+            <a:chExt cx="847800" cy="276300"/>
+          </a:xfrm>
+        </p:grpSpPr>
+        <p:cxnSp>
+          <p:nvCxnSpPr>
+            <p:cNvPr id="439" name="Google Shape;439;p46"/>
+            <p:cNvCxnSpPr/>
+            <p:nvPr/>
+          </p:nvCxnSpPr>
+          <p:spPr>
+            <a:xfrm flipH="1">
+              <a:off x="322625" y="4867200"/>
+              <a:ext cx="85800" cy="276300"/>
+            </a:xfrm>
+            <a:prstGeom prst="straightConnector1">
+              <a:avLst/>
+            </a:prstGeom>
+            <a:noFill/>
+            <a:ln w="28575" cap="flat" cmpd="sng">
+              <a:solidFill>
+                <a:schemeClr val="dk1"/>
+              </a:solidFill>
+              <a:prstDash val="solid"/>
+              <a:round/>
+              <a:headEnd type="none" w="med" len="med"/>
+              <a:tailEnd type="none" w="med" len="med"/>
+            </a:ln>
+          </p:spPr>
+        </p:cxnSp>
+        <p:cxnSp>
+          <p:nvCxnSpPr>
+            <p:cNvPr id="440" name="Google Shape;440;p46"/>
+            <p:cNvCxnSpPr/>
+            <p:nvPr/>
+          </p:nvCxnSpPr>
+          <p:spPr>
+            <a:xfrm flipH="1">
+              <a:off x="475025" y="4867200"/>
+              <a:ext cx="85800" cy="276300"/>
+            </a:xfrm>
+            <a:prstGeom prst="straightConnector1">
+              <a:avLst/>
+            </a:prstGeom>
+            <a:noFill/>
+            <a:ln w="28575" cap="flat" cmpd="sng">
+              <a:solidFill>
+                <a:schemeClr val="dk1"/>
+              </a:solidFill>
+              <a:prstDash val="solid"/>
+              <a:round/>
+              <a:headEnd type="none" w="med" len="med"/>
+              <a:tailEnd type="none" w="med" len="med"/>
+            </a:ln>
+          </p:spPr>
+        </p:cxnSp>
+        <p:cxnSp>
+          <p:nvCxnSpPr>
+            <p:cNvPr id="441" name="Google Shape;441;p46"/>
+            <p:cNvCxnSpPr/>
+            <p:nvPr/>
+          </p:nvCxnSpPr>
+          <p:spPr>
+            <a:xfrm flipH="1">
+              <a:off x="627425" y="4867200"/>
+              <a:ext cx="85800" cy="276300"/>
+            </a:xfrm>
+            <a:prstGeom prst="straightConnector1">
+              <a:avLst/>
+            </a:prstGeom>
+            <a:noFill/>
+            <a:ln w="28575" cap="flat" cmpd="sng">
+              <a:solidFill>
+                <a:schemeClr val="dk1"/>
+              </a:solidFill>
+              <a:prstDash val="solid"/>
+              <a:round/>
+              <a:headEnd type="none" w="med" len="med"/>
+              <a:tailEnd type="none" w="med" len="med"/>
+            </a:ln>
+          </p:spPr>
+        </p:cxnSp>
+        <p:cxnSp>
+          <p:nvCxnSpPr>
+            <p:cNvPr id="442" name="Google Shape;442;p46"/>
+            <p:cNvCxnSpPr/>
+            <p:nvPr/>
+          </p:nvCxnSpPr>
+          <p:spPr>
+            <a:xfrm flipH="1">
+              <a:off x="779825" y="4867200"/>
+              <a:ext cx="85800" cy="276300"/>
+            </a:xfrm>
+            <a:prstGeom prst="straightConnector1">
+              <a:avLst/>
+            </a:prstGeom>
+            <a:noFill/>
+            <a:ln w="28575" cap="flat" cmpd="sng">
+              <a:solidFill>
+                <a:schemeClr val="dk1"/>
+              </a:solidFill>
+              <a:prstDash val="solid"/>
+              <a:round/>
+              <a:headEnd type="none" w="med" len="med"/>
+              <a:tailEnd type="none" w="med" len="med"/>
+            </a:ln>
+          </p:spPr>
+        </p:cxnSp>
+        <p:cxnSp>
+          <p:nvCxnSpPr>
+            <p:cNvPr id="443" name="Google Shape;443;p46"/>
+            <p:cNvCxnSpPr/>
+            <p:nvPr/>
+          </p:nvCxnSpPr>
+          <p:spPr>
+            <a:xfrm flipH="1">
+              <a:off x="932225" y="4867200"/>
+              <a:ext cx="85800" cy="276300"/>
+            </a:xfrm>
+            <a:prstGeom prst="straightConnector1">
+              <a:avLst/>
+            </a:prstGeom>
+            <a:noFill/>
+            <a:ln w="28575" cap="flat" cmpd="sng">
+              <a:solidFill>
+                <a:schemeClr val="dk1"/>
+              </a:solidFill>
+              <a:prstDash val="solid"/>
+              <a:round/>
+              <a:headEnd type="none" w="med" len="med"/>
+              <a:tailEnd type="none" w="med" len="med"/>
+            </a:ln>
+          </p:spPr>
+        </p:cxnSp>
+        <p:cxnSp>
+          <p:nvCxnSpPr>
+            <p:cNvPr id="444" name="Google Shape;444;p46"/>
+            <p:cNvCxnSpPr/>
+            <p:nvPr/>
+          </p:nvCxnSpPr>
+          <p:spPr>
+            <a:xfrm flipH="1">
+              <a:off x="1084625" y="4867200"/>
+              <a:ext cx="85800" cy="276300"/>
+            </a:xfrm>
+            <a:prstGeom prst="straightConnector1">
+              <a:avLst/>
+            </a:prstGeom>
+            <a:noFill/>
+            <a:ln w="28575" cap="flat" cmpd="sng">
+              <a:solidFill>
+                <a:schemeClr val="dk1"/>
+              </a:solidFill>
+              <a:prstDash val="solid"/>
+              <a:round/>
+              <a:headEnd type="none" w="med" len="med"/>
+              <a:tailEnd type="none" w="med" len="med"/>
+            </a:ln>
+          </p:spPr>
+        </p:cxnSp>
+      </p:grpSp>
+      <p:grpSp>
+        <p:nvGrpSpPr>
+          <p:cNvPr id="446" name="Google Shape;446;p46"/>
+          <p:cNvGrpSpPr/>
+          <p:nvPr/>
+        </p:nvGrpSpPr>
+        <p:grpSpPr>
+          <a:xfrm>
+            <a:off x="4005076" y="4726837"/>
+            <a:ext cx="566924" cy="182883"/>
+            <a:chOff x="322625" y="4867200"/>
+            <a:chExt cx="847800" cy="276300"/>
+          </a:xfrm>
+        </p:grpSpPr>
+        <p:cxnSp>
+          <p:nvCxnSpPr>
+            <p:cNvPr id="447" name="Google Shape;447;p46"/>
+            <p:cNvCxnSpPr/>
+            <p:nvPr/>
+          </p:nvCxnSpPr>
+          <p:spPr>
+            <a:xfrm flipH="1">
+              <a:off x="322625" y="4867200"/>
+              <a:ext cx="85800" cy="276300"/>
+            </a:xfrm>
+            <a:prstGeom prst="straightConnector1">
+              <a:avLst/>
+            </a:prstGeom>
+            <a:noFill/>
+            <a:ln w="28575" cap="flat" cmpd="sng">
+              <a:solidFill>
+                <a:schemeClr val="dk1"/>
+              </a:solidFill>
+              <a:prstDash val="solid"/>
+              <a:round/>
+              <a:headEnd type="none" w="med" len="med"/>
+              <a:tailEnd type="none" w="med" len="med"/>
+            </a:ln>
+          </p:spPr>
+        </p:cxnSp>
+        <p:cxnSp>
+          <p:nvCxnSpPr>
+            <p:cNvPr id="448" name="Google Shape;448;p46"/>
+            <p:cNvCxnSpPr/>
+            <p:nvPr/>
+          </p:nvCxnSpPr>
+          <p:spPr>
+            <a:xfrm flipH="1">
+              <a:off x="475025" y="4867200"/>
+              <a:ext cx="85800" cy="276300"/>
+            </a:xfrm>
+            <a:prstGeom prst="straightConnector1">
+              <a:avLst/>
+            </a:prstGeom>
+            <a:noFill/>
+            <a:ln w="28575" cap="flat" cmpd="sng">
+              <a:solidFill>
+                <a:schemeClr val="dk1"/>
+              </a:solidFill>
+              <a:prstDash val="solid"/>
+              <a:round/>
+              <a:headEnd type="none" w="med" len="med"/>
+              <a:tailEnd type="none" w="med" len="med"/>
+            </a:ln>
+          </p:spPr>
+        </p:cxnSp>
+        <p:cxnSp>
+          <p:nvCxnSpPr>
+            <p:cNvPr id="449" name="Google Shape;449;p46"/>
+            <p:cNvCxnSpPr/>
+            <p:nvPr/>
+          </p:nvCxnSpPr>
+          <p:spPr>
+            <a:xfrm flipH="1">
+              <a:off x="627425" y="4867200"/>
+              <a:ext cx="85800" cy="276300"/>
+            </a:xfrm>
+            <a:prstGeom prst="straightConnector1">
+              <a:avLst/>
+            </a:prstGeom>
+            <a:noFill/>
+            <a:ln w="28575" cap="flat" cmpd="sng">
+              <a:solidFill>
+                <a:schemeClr val="dk1"/>
+              </a:solidFill>
+              <a:prstDash val="solid"/>
+              <a:round/>
+              <a:headEnd type="none" w="med" len="med"/>
+              <a:tailEnd type="none" w="med" len="med"/>
+            </a:ln>
+          </p:spPr>
+        </p:cxnSp>
+        <p:cxnSp>
+          <p:nvCxnSpPr>
+            <p:cNvPr id="450" name="Google Shape;450;p46"/>
+            <p:cNvCxnSpPr/>
+            <p:nvPr/>
+          </p:nvCxnSpPr>
+          <p:spPr>
+            <a:xfrm flipH="1">
+              <a:off x="779825" y="4867200"/>
+              <a:ext cx="85800" cy="276300"/>
+            </a:xfrm>
+            <a:prstGeom prst="straightConnector1">
+              <a:avLst/>
+            </a:prstGeom>
+            <a:noFill/>
+            <a:ln w="28575" cap="flat" cmpd="sng">
+              <a:solidFill>
+                <a:schemeClr val="dk1"/>
+              </a:solidFill>
+              <a:prstDash val="solid"/>
+              <a:round/>
+              <a:headEnd type="none" w="med" len="med"/>
+              <a:tailEnd type="none" w="med" len="med"/>
+            </a:ln>
+          </p:spPr>
+        </p:cxnSp>
+        <p:cxnSp>
+          <p:nvCxnSpPr>
+            <p:cNvPr id="451" name="Google Shape;451;p46"/>
+            <p:cNvCxnSpPr/>
+            <p:nvPr/>
+          </p:nvCxnSpPr>
+          <p:spPr>
+            <a:xfrm flipH="1">
+              <a:off x="932225" y="4867200"/>
+              <a:ext cx="85800" cy="276300"/>
+            </a:xfrm>
+            <a:prstGeom prst="straightConnector1">
+              <a:avLst/>
+            </a:prstGeom>
+            <a:noFill/>
+            <a:ln w="28575" cap="flat" cmpd="sng">
+              <a:solidFill>
+                <a:schemeClr val="dk1"/>
+              </a:solidFill>
+              <a:prstDash val="solid"/>
+              <a:round/>
+              <a:headEnd type="none" w="med" len="med"/>
+              <a:tailEnd type="none" w="med" len="med"/>
+            </a:ln>
+          </p:spPr>
+        </p:cxnSp>
+        <p:cxnSp>
+          <p:nvCxnSpPr>
+            <p:cNvPr id="452" name="Google Shape;452;p46"/>
+            <p:cNvCxnSpPr/>
+            <p:nvPr/>
+          </p:nvCxnSpPr>
+          <p:spPr>
+            <a:xfrm flipH="1">
+              <a:off x="1084625" y="4867200"/>
+              <a:ext cx="85800" cy="276300"/>
+            </a:xfrm>
+            <a:prstGeom prst="straightConnector1">
+              <a:avLst/>
+            </a:prstGeom>
+            <a:noFill/>
+            <a:ln w="28575" cap="flat" cmpd="sng">
+              <a:solidFill>
+                <a:schemeClr val="dk1"/>
+              </a:solidFill>
+              <a:prstDash val="solid"/>
+              <a:round/>
+              <a:headEnd type="none" w="med" len="med"/>
+              <a:tailEnd type="none" w="med" len="med"/>
+            </a:ln>
+          </p:spPr>
+        </p:cxnSp>
+      </p:grpSp>
+    </p:spTree>
+    <p:extLst>
+      <p:ext uri="{BB962C8B-B14F-4D97-AF65-F5344CB8AC3E}">
+        <p14:creationId xmlns:p14="http://schemas.microsoft.com/office/powerpoint/2010/main" val="1023373192"/>
+      </p:ext>
+    </p:extLst>
+  </p:cSld>
+  <p:clrMapOvr>
+    <a:masterClrMapping/>
+  </p:clrMapOvr>
+</p:sld>
+</file>
+
+<file path=ppt/slides/slide17.xml><?xml version="1.0" encoding="utf-8"?>
+<p:sld xmlns:a="http://schemas.openxmlformats.org/drawingml/2006/main" xmlns:r="http://schemas.openxmlformats.org/officeDocument/2006/relationships" xmlns:p="http://schemas.openxmlformats.org/presentationml/2006/main">
+  <p:cSld>
+    <p:spTree>
+      <p:nvGrpSpPr>
+        <p:cNvPr id="1" name="Shape 435"/>
+        <p:cNvGrpSpPr/>
+        <p:nvPr/>
+      </p:nvGrpSpPr>
+      <p:grpSpPr>
+        <a:xfrm>
+          <a:off x="0" y="0"/>
+          <a:ext cx="0" cy="0"/>
+          <a:chOff x="0" y="0"/>
+          <a:chExt cx="0" cy="0"/>
+        </a:xfrm>
+      </p:grpSpPr>
+      <p:sp>
+        <p:nvSpPr>
+          <p:cNvPr id="436" name="Google Shape;436;p46"/>
+          <p:cNvSpPr txBox="1">
+            <a:spLocks noGrp="1"/>
+          </p:cNvSpPr>
+          <p:nvPr>
+            <p:ph type="title"/>
+          </p:nvPr>
+        </p:nvSpPr>
+        <p:spPr>
+          <a:xfrm>
+            <a:off x="262333" y="598092"/>
+            <a:ext cx="3712981" cy="554461"/>
+          </a:xfrm>
+          <a:prstGeom prst="rect">
+            <a:avLst/>
+          </a:prstGeom>
+        </p:spPr>
+        <p:txBody>
+          <a:bodyPr spcFirstLastPara="1" wrap="square" lIns="91425" tIns="91425" rIns="91425" bIns="91425" anchor="t" anchorCtr="0">
+            <a:noAutofit/>
+          </a:bodyPr>
+          <a:lstStyle/>
+          <a:p>
+            <a:pPr marL="0" lvl="0" indent="0" algn="r" rtl="0">
+              <a:spcBef>
+                <a:spcPts val="0"/>
+              </a:spcBef>
+              <a:spcAft>
+                <a:spcPts val="0"/>
+              </a:spcAft>
+              <a:buNone/>
+            </a:pPr>
+            <a:r>
+              <a:rPr lang="en-US" sz="2800"/>
+              <a:t>Các câu hỏi đặt ra</a:t>
+            </a:r>
+          </a:p>
+        </p:txBody>
+      </p:sp>
+      <p:sp>
+        <p:nvSpPr>
+          <p:cNvPr id="437" name="Google Shape;437;p46"/>
+          <p:cNvSpPr txBox="1">
+            <a:spLocks noGrp="1"/>
+          </p:cNvSpPr>
+          <p:nvPr>
+            <p:ph type="subTitle" idx="1"/>
+          </p:nvPr>
+        </p:nvSpPr>
+        <p:spPr>
+          <a:xfrm>
+            <a:off x="679460" y="1152552"/>
+            <a:ext cx="8092581" cy="2895770"/>
+          </a:xfrm>
+          <a:prstGeom prst="rect">
+            <a:avLst/>
+          </a:prstGeom>
+        </p:spPr>
+        <p:txBody>
+          <a:bodyPr spcFirstLastPara="1" wrap="square" lIns="91425" tIns="91425" rIns="91425" bIns="91425" anchor="t" anchorCtr="0">
+            <a:noAutofit/>
+          </a:bodyPr>
+          <a:lstStyle/>
+          <a:p>
+            <a:pPr marL="0" lvl="0" indent="0" algn="l" rtl="0">
+              <a:lnSpc>
+                <a:spcPct val="150000"/>
+              </a:lnSpc>
+              <a:spcBef>
+                <a:spcPts val="0"/>
+              </a:spcBef>
+              <a:spcAft>
+                <a:spcPts val="0"/>
+              </a:spcAft>
+            </a:pPr>
+            <a:r>
+              <a:rPr lang="en-US" sz="1600" b="1">
+                <a:latin typeface="Assistant" pitchFamily="2" charset="-79"/>
+                <a:cs typeface="Assistant" pitchFamily="2" charset="-79"/>
+              </a:rPr>
+              <a:t>Mỗi cột có ý nghĩa gì?</a:t>
+            </a:r>
+          </a:p>
+          <a:p>
+            <a:pPr marL="285750" indent="-285750" algn="l">
+              <a:lnSpc>
+                <a:spcPct val="150000"/>
+              </a:lnSpc>
+              <a:buFont typeface="Arial" panose="020B0604020202020204" pitchFamily="34" charset="0"/>
+              <a:buChar char="•"/>
+            </a:pPr>
+            <a:r>
+              <a:rPr lang="en-US" sz="1600">
+                <a:solidFill>
+                  <a:schemeClr val="tx1"/>
+                </a:solidFill>
+                <a:latin typeface="Assistant" pitchFamily="2" charset="-79"/>
+                <a:cs typeface="Assistant" pitchFamily="2" charset="-79"/>
+              </a:rPr>
+              <a:t>Để dễ dàng ghi nhớ ý nghĩa của từng cột, tiến hành đổi tên cột bằng rename()</a:t>
+            </a:r>
+            <a:endParaRPr lang="en-US" sz="1600" b="1">
+              <a:latin typeface="Assistant" pitchFamily="2" charset="-79"/>
+              <a:cs typeface="Assistant" pitchFamily="2" charset="-79"/>
+            </a:endParaRPr>
+          </a:p>
+          <a:p>
+            <a:pPr marL="742950" lvl="1" indent="-285750">
+              <a:lnSpc>
+                <a:spcPct val="150000"/>
+              </a:lnSpc>
+              <a:buFont typeface="Arial" panose="020B0604020202020204" pitchFamily="34" charset="0"/>
+              <a:buChar char="•"/>
+            </a:pPr>
+            <a:r>
+              <a:rPr lang="vi-VN">
+                <a:solidFill>
+                  <a:schemeClr val="tx1"/>
+                </a:solidFill>
+                <a:latin typeface="Assistant" pitchFamily="2" charset="-79"/>
+                <a:cs typeface="Assistant" pitchFamily="2" charset="-79"/>
+              </a:rPr>
+              <a:t>'valid_time_gmt' → 'Time', temp' → 'Temperature', 'wx_phrase' → 'Condition', 'dewPt' → 'Dew Point', 'heat_index' → 'Heat Index', 'rh' → 'Humidity', 'pressure' → 'Pressure', 'vis' →  'Wind Force', 'wspd' →  'Wind Speed', 'uv_desc' →  'UV Description', 'feels_like' →  'Temperature Feels Like', 'uv_index' →  'UV Index'</a:t>
+            </a:r>
+          </a:p>
+          <a:p>
+            <a:pPr marL="285750" lvl="0" indent="-285750" algn="l" rtl="0">
+              <a:lnSpc>
+                <a:spcPct val="150000"/>
+              </a:lnSpc>
+              <a:spcBef>
+                <a:spcPts val="0"/>
+              </a:spcBef>
+              <a:spcAft>
+                <a:spcPts val="0"/>
+              </a:spcAft>
+              <a:buFont typeface="Arial" panose="020B0604020202020204" pitchFamily="34" charset="0"/>
+              <a:buChar char="•"/>
+            </a:pPr>
+            <a:r>
+              <a:rPr lang="en-US">
+                <a:solidFill>
+                  <a:schemeClr val="tx1"/>
+                </a:solidFill>
+                <a:latin typeface="Assistant" pitchFamily="2" charset="-79"/>
+                <a:cs typeface="Assistant" pitchFamily="2" charset="-79"/>
+              </a:rPr>
+              <a:t>Thống kê mô tả của từng cột: dùng describe() để tính thống kê mô tả của các cột numeric</a:t>
+            </a:r>
+          </a:p>
+        </p:txBody>
+      </p:sp>
+      <p:grpSp>
+        <p:nvGrpSpPr>
+          <p:cNvPr id="438" name="Google Shape;438;p46"/>
+          <p:cNvGrpSpPr/>
+          <p:nvPr/>
+        </p:nvGrpSpPr>
+        <p:grpSpPr>
+          <a:xfrm rot="5400000">
+            <a:off x="8075255" y="981469"/>
+            <a:ext cx="566924" cy="182883"/>
+            <a:chOff x="322625" y="4867200"/>
+            <a:chExt cx="847800" cy="276300"/>
+          </a:xfrm>
+        </p:grpSpPr>
+        <p:cxnSp>
+          <p:nvCxnSpPr>
+            <p:cNvPr id="439" name="Google Shape;439;p46"/>
+            <p:cNvCxnSpPr/>
+            <p:nvPr/>
+          </p:nvCxnSpPr>
+          <p:spPr>
+            <a:xfrm flipH="1">
+              <a:off x="322625" y="4867200"/>
+              <a:ext cx="85800" cy="276300"/>
+            </a:xfrm>
+            <a:prstGeom prst="straightConnector1">
+              <a:avLst/>
+            </a:prstGeom>
+            <a:noFill/>
+            <a:ln w="28575" cap="flat" cmpd="sng">
+              <a:solidFill>
+                <a:schemeClr val="dk1"/>
+              </a:solidFill>
+              <a:prstDash val="solid"/>
+              <a:round/>
+              <a:headEnd type="none" w="med" len="med"/>
+              <a:tailEnd type="none" w="med" len="med"/>
+            </a:ln>
+          </p:spPr>
+        </p:cxnSp>
+        <p:cxnSp>
+          <p:nvCxnSpPr>
+            <p:cNvPr id="440" name="Google Shape;440;p46"/>
+            <p:cNvCxnSpPr/>
+            <p:nvPr/>
+          </p:nvCxnSpPr>
+          <p:spPr>
+            <a:xfrm flipH="1">
+              <a:off x="475025" y="4867200"/>
+              <a:ext cx="85800" cy="276300"/>
+            </a:xfrm>
+            <a:prstGeom prst="straightConnector1">
+              <a:avLst/>
+            </a:prstGeom>
+            <a:noFill/>
+            <a:ln w="28575" cap="flat" cmpd="sng">
+              <a:solidFill>
+                <a:schemeClr val="dk1"/>
+              </a:solidFill>
+              <a:prstDash val="solid"/>
+              <a:round/>
+              <a:headEnd type="none" w="med" len="med"/>
+              <a:tailEnd type="none" w="med" len="med"/>
+            </a:ln>
+          </p:spPr>
+        </p:cxnSp>
+        <p:cxnSp>
+          <p:nvCxnSpPr>
+            <p:cNvPr id="441" name="Google Shape;441;p46"/>
+            <p:cNvCxnSpPr/>
+            <p:nvPr/>
+          </p:nvCxnSpPr>
+          <p:spPr>
+            <a:xfrm flipH="1">
+              <a:off x="627425" y="4867200"/>
+              <a:ext cx="85800" cy="276300"/>
+            </a:xfrm>
+            <a:prstGeom prst="straightConnector1">
+              <a:avLst/>
+            </a:prstGeom>
+            <a:noFill/>
+            <a:ln w="28575" cap="flat" cmpd="sng">
+              <a:solidFill>
+                <a:schemeClr val="dk1"/>
+              </a:solidFill>
+              <a:prstDash val="solid"/>
+              <a:round/>
+              <a:headEnd type="none" w="med" len="med"/>
+              <a:tailEnd type="none" w="med" len="med"/>
+            </a:ln>
+          </p:spPr>
+        </p:cxnSp>
+        <p:cxnSp>
+          <p:nvCxnSpPr>
+            <p:cNvPr id="442" name="Google Shape;442;p46"/>
+            <p:cNvCxnSpPr/>
+            <p:nvPr/>
+          </p:nvCxnSpPr>
+          <p:spPr>
+            <a:xfrm flipH="1">
+              <a:off x="779825" y="4867200"/>
+              <a:ext cx="85800" cy="276300"/>
+            </a:xfrm>
+            <a:prstGeom prst="straightConnector1">
+              <a:avLst/>
+            </a:prstGeom>
+            <a:noFill/>
+            <a:ln w="28575" cap="flat" cmpd="sng">
+              <a:solidFill>
+                <a:schemeClr val="dk1"/>
+              </a:solidFill>
+              <a:prstDash val="solid"/>
+              <a:round/>
+              <a:headEnd type="none" w="med" len="med"/>
+              <a:tailEnd type="none" w="med" len="med"/>
+            </a:ln>
+          </p:spPr>
+        </p:cxnSp>
+        <p:cxnSp>
+          <p:nvCxnSpPr>
+            <p:cNvPr id="443" name="Google Shape;443;p46"/>
+            <p:cNvCxnSpPr/>
+            <p:nvPr/>
+          </p:nvCxnSpPr>
+          <p:spPr>
+            <a:xfrm flipH="1">
+              <a:off x="932225" y="4867200"/>
+              <a:ext cx="85800" cy="276300"/>
+            </a:xfrm>
+            <a:prstGeom prst="straightConnector1">
+              <a:avLst/>
+            </a:prstGeom>
+            <a:noFill/>
+            <a:ln w="28575" cap="flat" cmpd="sng">
+              <a:solidFill>
+                <a:schemeClr val="dk1"/>
+              </a:solidFill>
+              <a:prstDash val="solid"/>
+              <a:round/>
+              <a:headEnd type="none" w="med" len="med"/>
+              <a:tailEnd type="none" w="med" len="med"/>
+            </a:ln>
+          </p:spPr>
+        </p:cxnSp>
+        <p:cxnSp>
+          <p:nvCxnSpPr>
+            <p:cNvPr id="444" name="Google Shape;444;p46"/>
+            <p:cNvCxnSpPr/>
+            <p:nvPr/>
+          </p:nvCxnSpPr>
+          <p:spPr>
+            <a:xfrm flipH="1">
+              <a:off x="1084625" y="4867200"/>
+              <a:ext cx="85800" cy="276300"/>
+            </a:xfrm>
+            <a:prstGeom prst="straightConnector1">
+              <a:avLst/>
+            </a:prstGeom>
+            <a:noFill/>
+            <a:ln w="28575" cap="flat" cmpd="sng">
+              <a:solidFill>
+                <a:schemeClr val="dk1"/>
+              </a:solidFill>
+              <a:prstDash val="solid"/>
+              <a:round/>
+              <a:headEnd type="none" w="med" len="med"/>
+              <a:tailEnd type="none" w="med" len="med"/>
+            </a:ln>
+          </p:spPr>
+        </p:cxnSp>
+      </p:grpSp>
+      <p:grpSp>
+        <p:nvGrpSpPr>
+          <p:cNvPr id="446" name="Google Shape;446;p46"/>
+          <p:cNvGrpSpPr/>
+          <p:nvPr/>
+        </p:nvGrpSpPr>
+        <p:grpSpPr>
+          <a:xfrm>
+            <a:off x="3408390" y="4453966"/>
+            <a:ext cx="566924" cy="182883"/>
+            <a:chOff x="322625" y="4867200"/>
+            <a:chExt cx="847800" cy="276300"/>
+          </a:xfrm>
+        </p:grpSpPr>
+        <p:cxnSp>
+          <p:nvCxnSpPr>
+            <p:cNvPr id="447" name="Google Shape;447;p46"/>
+            <p:cNvCxnSpPr/>
+            <p:nvPr/>
+          </p:nvCxnSpPr>
+          <p:spPr>
+            <a:xfrm flipH="1">
+              <a:off x="322625" y="4867200"/>
+              <a:ext cx="85800" cy="276300"/>
+            </a:xfrm>
+            <a:prstGeom prst="straightConnector1">
+              <a:avLst/>
+            </a:prstGeom>
+            <a:noFill/>
+            <a:ln w="28575" cap="flat" cmpd="sng">
+              <a:solidFill>
+                <a:schemeClr val="dk1"/>
+              </a:solidFill>
+              <a:prstDash val="solid"/>
+              <a:round/>
+              <a:headEnd type="none" w="med" len="med"/>
+              <a:tailEnd type="none" w="med" len="med"/>
+            </a:ln>
+          </p:spPr>
+        </p:cxnSp>
+        <p:cxnSp>
+          <p:nvCxnSpPr>
+            <p:cNvPr id="448" name="Google Shape;448;p46"/>
+            <p:cNvCxnSpPr/>
+            <p:nvPr/>
+          </p:nvCxnSpPr>
+          <p:spPr>
+            <a:xfrm flipH="1">
+              <a:off x="475025" y="4867200"/>
+              <a:ext cx="85800" cy="276300"/>
+            </a:xfrm>
+            <a:prstGeom prst="straightConnector1">
+              <a:avLst/>
+            </a:prstGeom>
+            <a:noFill/>
+            <a:ln w="28575" cap="flat" cmpd="sng">
+              <a:solidFill>
+                <a:schemeClr val="dk1"/>
+              </a:solidFill>
+              <a:prstDash val="solid"/>
+              <a:round/>
+              <a:headEnd type="none" w="med" len="med"/>
+              <a:tailEnd type="none" w="med" len="med"/>
+            </a:ln>
+          </p:spPr>
+        </p:cxnSp>
+        <p:cxnSp>
+          <p:nvCxnSpPr>
+            <p:cNvPr id="449" name="Google Shape;449;p46"/>
+            <p:cNvCxnSpPr/>
+            <p:nvPr/>
+          </p:nvCxnSpPr>
+          <p:spPr>
+            <a:xfrm flipH="1">
+              <a:off x="627425" y="4867200"/>
+              <a:ext cx="85800" cy="276300"/>
+            </a:xfrm>
+            <a:prstGeom prst="straightConnector1">
+              <a:avLst/>
+            </a:prstGeom>
+            <a:noFill/>
+            <a:ln w="28575" cap="flat" cmpd="sng">
+              <a:solidFill>
+                <a:schemeClr val="dk1"/>
+              </a:solidFill>
+              <a:prstDash val="solid"/>
+              <a:round/>
+              <a:headEnd type="none" w="med" len="med"/>
+              <a:tailEnd type="none" w="med" len="med"/>
+            </a:ln>
+          </p:spPr>
+        </p:cxnSp>
+        <p:cxnSp>
+          <p:nvCxnSpPr>
+            <p:cNvPr id="450" name="Google Shape;450;p46"/>
+            <p:cNvCxnSpPr/>
+            <p:nvPr/>
+          </p:nvCxnSpPr>
+          <p:spPr>
+            <a:xfrm flipH="1">
+              <a:off x="779825" y="4867200"/>
+              <a:ext cx="85800" cy="276300"/>
+            </a:xfrm>
+            <a:prstGeom prst="straightConnector1">
+              <a:avLst/>
+            </a:prstGeom>
+            <a:noFill/>
+            <a:ln w="28575" cap="flat" cmpd="sng">
+              <a:solidFill>
+                <a:schemeClr val="dk1"/>
+              </a:solidFill>
+              <a:prstDash val="solid"/>
+              <a:round/>
+              <a:headEnd type="none" w="med" len="med"/>
+              <a:tailEnd type="none" w="med" len="med"/>
+            </a:ln>
+          </p:spPr>
+        </p:cxnSp>
+        <p:cxnSp>
+          <p:nvCxnSpPr>
+            <p:cNvPr id="451" name="Google Shape;451;p46"/>
+            <p:cNvCxnSpPr/>
+            <p:nvPr/>
+          </p:nvCxnSpPr>
+          <p:spPr>
+            <a:xfrm flipH="1">
+              <a:off x="932225" y="4867200"/>
+              <a:ext cx="85800" cy="276300"/>
+            </a:xfrm>
+            <a:prstGeom prst="straightConnector1">
+              <a:avLst/>
+            </a:prstGeom>
+            <a:noFill/>
+            <a:ln w="28575" cap="flat" cmpd="sng">
+              <a:solidFill>
+                <a:schemeClr val="dk1"/>
+              </a:solidFill>
+              <a:prstDash val="solid"/>
+              <a:round/>
+              <a:headEnd type="none" w="med" len="med"/>
+              <a:tailEnd type="none" w="med" len="med"/>
+            </a:ln>
+          </p:spPr>
+        </p:cxnSp>
+        <p:cxnSp>
+          <p:nvCxnSpPr>
+            <p:cNvPr id="452" name="Google Shape;452;p46"/>
+            <p:cNvCxnSpPr/>
+            <p:nvPr/>
+          </p:nvCxnSpPr>
+          <p:spPr>
+            <a:xfrm flipH="1">
+              <a:off x="1084625" y="4867200"/>
+              <a:ext cx="85800" cy="276300"/>
+            </a:xfrm>
+            <a:prstGeom prst="straightConnector1">
+              <a:avLst/>
+            </a:prstGeom>
+            <a:noFill/>
+            <a:ln w="28575" cap="flat" cmpd="sng">
+              <a:solidFill>
+                <a:schemeClr val="dk1"/>
+              </a:solidFill>
+              <a:prstDash val="solid"/>
+              <a:round/>
+              <a:headEnd type="none" w="med" len="med"/>
+              <a:tailEnd type="none" w="med" len="med"/>
+            </a:ln>
+          </p:spPr>
+        </p:cxnSp>
+      </p:grpSp>
+    </p:spTree>
+    <p:extLst>
+      <p:ext uri="{BB962C8B-B14F-4D97-AF65-F5344CB8AC3E}">
+        <p14:creationId xmlns:p14="http://schemas.microsoft.com/office/powerpoint/2010/main" val="3247030748"/>
+      </p:ext>
+    </p:extLst>
+  </p:cSld>
+  <p:clrMapOvr>
+    <a:masterClrMapping/>
+  </p:clrMapOvr>
+</p:sld>
+</file>
+
+<file path=ppt/slides/slide18.xml><?xml version="1.0" encoding="utf-8"?>
+<p:sld xmlns:a="http://schemas.openxmlformats.org/drawingml/2006/main" xmlns:r="http://schemas.openxmlformats.org/officeDocument/2006/relationships" xmlns:p="http://schemas.openxmlformats.org/presentationml/2006/main">
+  <p:cSld>
+    <p:spTree>
+      <p:nvGrpSpPr>
+        <p:cNvPr id="1" name="Shape 435"/>
+        <p:cNvGrpSpPr/>
+        <p:nvPr/>
+      </p:nvGrpSpPr>
+      <p:grpSpPr>
+        <a:xfrm>
+          <a:off x="0" y="0"/>
+          <a:ext cx="0" cy="0"/>
+          <a:chOff x="0" y="0"/>
+          <a:chExt cx="0" cy="0"/>
+        </a:xfrm>
+      </p:grpSpPr>
+      <p:sp>
+        <p:nvSpPr>
+          <p:cNvPr id="436" name="Google Shape;436;p46"/>
+          <p:cNvSpPr txBox="1">
+            <a:spLocks noGrp="1"/>
+          </p:cNvSpPr>
+          <p:nvPr>
+            <p:ph type="title"/>
+          </p:nvPr>
+        </p:nvSpPr>
+        <p:spPr>
+          <a:xfrm>
+            <a:off x="262333" y="598092"/>
+            <a:ext cx="3712981" cy="554461"/>
+          </a:xfrm>
+          <a:prstGeom prst="rect">
+            <a:avLst/>
+          </a:prstGeom>
+        </p:spPr>
+        <p:txBody>
+          <a:bodyPr spcFirstLastPara="1" wrap="square" lIns="91425" tIns="91425" rIns="91425" bIns="91425" anchor="t" anchorCtr="0">
+            <a:noAutofit/>
+          </a:bodyPr>
+          <a:lstStyle/>
+          <a:p>
+            <a:pPr marL="0" lvl="0" indent="0" algn="r" rtl="0">
+              <a:spcBef>
+                <a:spcPts val="0"/>
+              </a:spcBef>
+              <a:spcAft>
+                <a:spcPts val="0"/>
+              </a:spcAft>
+              <a:buNone/>
+            </a:pPr>
+            <a:r>
+              <a:rPr lang="en-US" sz="2800"/>
+              <a:t>Các câu hỏi đặt ra</a:t>
+            </a:r>
+          </a:p>
+        </p:txBody>
+      </p:sp>
+      <p:sp>
+        <p:nvSpPr>
+          <p:cNvPr id="437" name="Google Shape;437;p46"/>
+          <p:cNvSpPr txBox="1">
+            <a:spLocks noGrp="1"/>
+          </p:cNvSpPr>
+          <p:nvPr>
+            <p:ph type="subTitle" idx="1"/>
+          </p:nvPr>
+        </p:nvSpPr>
+        <p:spPr>
+          <a:xfrm>
+            <a:off x="679460" y="1152552"/>
+            <a:ext cx="8092581" cy="3392856"/>
+          </a:xfrm>
+          <a:prstGeom prst="rect">
+            <a:avLst/>
+          </a:prstGeom>
+        </p:spPr>
+        <p:txBody>
+          <a:bodyPr spcFirstLastPara="1" wrap="square" lIns="91425" tIns="91425" rIns="91425" bIns="91425" anchor="t" anchorCtr="0">
+            <a:noAutofit/>
+          </a:bodyPr>
+          <a:lstStyle/>
+          <a:p>
+            <a:pPr marL="0" lvl="0" indent="0" algn="l" rtl="0">
+              <a:lnSpc>
+                <a:spcPct val="150000"/>
+              </a:lnSpc>
+              <a:spcBef>
+                <a:spcPts val="0"/>
+              </a:spcBef>
+              <a:spcAft>
+                <a:spcPts val="0"/>
+              </a:spcAft>
+            </a:pPr>
+            <a:r>
+              <a:rPr lang="vi-VN" sz="1600" b="1">
+                <a:latin typeface="Assistant" pitchFamily="2" charset="-79"/>
+                <a:cs typeface="Assistant" pitchFamily="2" charset="-79"/>
+              </a:rPr>
+              <a:t>Mỗi cột có kiểu dữ liệu gì? Có cột nào có kiểu dữ liệu chưa phù hợp để có thể xử lý tiếp hay không?</a:t>
+            </a:r>
+            <a:endParaRPr lang="en-US" sz="1600" b="1">
+              <a:latin typeface="Assistant" pitchFamily="2" charset="-79"/>
+              <a:cs typeface="Assistant" pitchFamily="2" charset="-79"/>
+            </a:endParaRPr>
+          </a:p>
+          <a:p>
+            <a:pPr marL="285750" lvl="0" indent="-285750" algn="l" rtl="0">
+              <a:lnSpc>
+                <a:spcPct val="150000"/>
+              </a:lnSpc>
+              <a:spcBef>
+                <a:spcPts val="0"/>
+              </a:spcBef>
+              <a:spcAft>
+                <a:spcPts val="0"/>
+              </a:spcAft>
+              <a:buFont typeface="Arial" panose="020B0604020202020204" pitchFamily="34" charset="0"/>
+              <a:buChar char="•"/>
+            </a:pPr>
+            <a:r>
+              <a:rPr lang="vi-VN">
+                <a:solidFill>
+                  <a:schemeClr val="tx1"/>
+                </a:solidFill>
+                <a:latin typeface="Assistant" pitchFamily="2" charset="-79"/>
+                <a:cs typeface="Assistant" pitchFamily="2" charset="-79"/>
+              </a:rPr>
+              <a:t>Sử dụng info() để kiểm tra thông tin của các cột</a:t>
+            </a:r>
+          </a:p>
+          <a:p>
+            <a:pPr marL="285750" lvl="0" indent="-285750" algn="l" rtl="0">
+              <a:lnSpc>
+                <a:spcPct val="150000"/>
+              </a:lnSpc>
+              <a:spcBef>
+                <a:spcPts val="0"/>
+              </a:spcBef>
+              <a:spcAft>
+                <a:spcPts val="0"/>
+              </a:spcAft>
+              <a:buFont typeface="Arial" panose="020B0604020202020204" pitchFamily="34" charset="0"/>
+              <a:buChar char="•"/>
+            </a:pPr>
+            <a:r>
+              <a:rPr lang="vi-VN">
+                <a:solidFill>
+                  <a:schemeClr val="tx1"/>
+                </a:solidFill>
+                <a:latin typeface="Assistant" pitchFamily="2" charset="-79"/>
+                <a:cs typeface="Assistant" pitchFamily="2" charset="-79"/>
+              </a:rPr>
+              <a:t>Nhận xét: Cột ‘Time’ nên là dữ liệu datetime, nhưng hiện tại có kiểu numeric → Đưa giá trị cột ‘Time’ về dạng datetime</a:t>
+            </a:r>
+          </a:p>
+          <a:p>
+            <a:pPr marL="742950" lvl="1" indent="-285750">
+              <a:lnSpc>
+                <a:spcPct val="150000"/>
+              </a:lnSpc>
+              <a:buFont typeface="Arial" panose="020B0604020202020204" pitchFamily="34" charset="0"/>
+              <a:buChar char="•"/>
+            </a:pPr>
+            <a:r>
+              <a:rPr lang="vi-VN">
+                <a:solidFill>
+                  <a:schemeClr val="tx1"/>
+                </a:solidFill>
+                <a:latin typeface="Assistant" pitchFamily="2" charset="-79"/>
+                <a:cs typeface="Assistant" pitchFamily="2" charset="-79"/>
+              </a:rPr>
+              <a:t>Sử dụng datetime.fromtimestamp để đưa dữ liệu số về dạng datetime</a:t>
+            </a:r>
+          </a:p>
+          <a:p>
+            <a:pPr marL="742950" lvl="1" indent="-285750">
+              <a:lnSpc>
+                <a:spcPct val="150000"/>
+              </a:lnSpc>
+              <a:buFont typeface="Arial" panose="020B0604020202020204" pitchFamily="34" charset="0"/>
+              <a:buChar char="•"/>
+            </a:pPr>
+            <a:r>
+              <a:rPr lang="en-US">
+                <a:solidFill>
+                  <a:schemeClr val="tx1"/>
+                </a:solidFill>
+                <a:latin typeface="Assistant" pitchFamily="2" charset="-79"/>
+                <a:cs typeface="Assistant" pitchFamily="2" charset="-79"/>
+              </a:rPr>
+              <a:t>Sử dụng apply() để áp dụng cho toàn bộ dữ liệu trong cột ‘Time’</a:t>
+            </a:r>
+          </a:p>
+          <a:p>
+            <a:pPr marL="285750" lvl="0" indent="-285750" algn="l" rtl="0">
+              <a:lnSpc>
+                <a:spcPct val="150000"/>
+              </a:lnSpc>
+              <a:spcBef>
+                <a:spcPts val="0"/>
+              </a:spcBef>
+              <a:spcAft>
+                <a:spcPts val="0"/>
+              </a:spcAft>
+              <a:buFont typeface="Arial" panose="020B0604020202020204" pitchFamily="34" charset="0"/>
+              <a:buChar char="•"/>
+            </a:pPr>
+            <a:r>
+              <a:rPr lang="en-US">
+                <a:solidFill>
+                  <a:schemeClr val="tx1"/>
+                </a:solidFill>
+                <a:latin typeface="Assistant" pitchFamily="2" charset="-79"/>
+                <a:cs typeface="Assistant" pitchFamily="2" charset="-79"/>
+              </a:rPr>
+              <a:t>Xem xét tập giá trị của các thuộc tính phân loại</a:t>
+            </a:r>
+          </a:p>
+          <a:p>
+            <a:pPr marL="742950" lvl="1" indent="-285750">
+              <a:lnSpc>
+                <a:spcPct val="150000"/>
+              </a:lnSpc>
+              <a:buFont typeface="Arial" panose="020B0604020202020204" pitchFamily="34" charset="0"/>
+              <a:buChar char="•"/>
+            </a:pPr>
+            <a:r>
+              <a:rPr lang="en-US">
+                <a:solidFill>
+                  <a:schemeClr val="tx1"/>
+                </a:solidFill>
+                <a:latin typeface="Assistant" pitchFamily="2" charset="-79"/>
+                <a:cs typeface="Assistant" pitchFamily="2" charset="-79"/>
+              </a:rPr>
+              <a:t>Xem xét mỗi thuộc tính phân loại có bao nhiêu giá trị phân biệt bằng set()</a:t>
+            </a:r>
+          </a:p>
+          <a:p>
+            <a:pPr marL="742950" lvl="1" indent="-285750">
+              <a:lnSpc>
+                <a:spcPct val="150000"/>
+              </a:lnSpc>
+              <a:buFont typeface="Arial" panose="020B0604020202020204" pitchFamily="34" charset="0"/>
+              <a:buChar char="•"/>
+            </a:pPr>
+            <a:r>
+              <a:rPr lang="en-US">
+                <a:solidFill>
+                  <a:schemeClr val="tx1"/>
+                </a:solidFill>
+                <a:latin typeface="Assistant" pitchFamily="2" charset="-79"/>
+                <a:cs typeface="Assistant" pitchFamily="2" charset="-79"/>
+              </a:rPr>
+              <a:t>Sau khi áp dụng cho 2 cột ‘UV Description’ và ‘Condition’, nhận thấy rằng: </a:t>
+            </a:r>
+          </a:p>
+          <a:p>
+            <a:pPr marL="285750" lvl="0" indent="-285750" algn="l" rtl="0">
+              <a:lnSpc>
+                <a:spcPct val="150000"/>
+              </a:lnSpc>
+              <a:spcBef>
+                <a:spcPts val="0"/>
+              </a:spcBef>
+              <a:spcAft>
+                <a:spcPts val="0"/>
+              </a:spcAft>
+              <a:buFont typeface="Arial" panose="020B0604020202020204" pitchFamily="34" charset="0"/>
+              <a:buChar char="•"/>
+            </a:pPr>
+            <a:endParaRPr lang="en-US">
+              <a:solidFill>
+                <a:schemeClr val="tx1"/>
+              </a:solidFill>
+              <a:latin typeface="Assistant" pitchFamily="2" charset="-79"/>
+              <a:cs typeface="Assistant" pitchFamily="2" charset="-79"/>
+            </a:endParaRPr>
+          </a:p>
+        </p:txBody>
+      </p:sp>
+      <p:grpSp>
+        <p:nvGrpSpPr>
+          <p:cNvPr id="438" name="Google Shape;438;p46"/>
+          <p:cNvGrpSpPr/>
+          <p:nvPr/>
+        </p:nvGrpSpPr>
+        <p:grpSpPr>
+          <a:xfrm rot="5400000">
+            <a:off x="8075255" y="981469"/>
+            <a:ext cx="566924" cy="182883"/>
+            <a:chOff x="322625" y="4867200"/>
+            <a:chExt cx="847800" cy="276300"/>
+          </a:xfrm>
+        </p:grpSpPr>
+        <p:cxnSp>
+          <p:nvCxnSpPr>
+            <p:cNvPr id="439" name="Google Shape;439;p46"/>
+            <p:cNvCxnSpPr/>
+            <p:nvPr/>
+          </p:nvCxnSpPr>
+          <p:spPr>
+            <a:xfrm flipH="1">
+              <a:off x="322625" y="4867200"/>
+              <a:ext cx="85800" cy="276300"/>
+            </a:xfrm>
+            <a:prstGeom prst="straightConnector1">
+              <a:avLst/>
+            </a:prstGeom>
+            <a:noFill/>
+            <a:ln w="28575" cap="flat" cmpd="sng">
+              <a:solidFill>
+                <a:schemeClr val="dk1"/>
+              </a:solidFill>
+              <a:prstDash val="solid"/>
+              <a:round/>
+              <a:headEnd type="none" w="med" len="med"/>
+              <a:tailEnd type="none" w="med" len="med"/>
+            </a:ln>
+          </p:spPr>
+        </p:cxnSp>
+        <p:cxnSp>
+          <p:nvCxnSpPr>
+            <p:cNvPr id="440" name="Google Shape;440;p46"/>
+            <p:cNvCxnSpPr/>
+            <p:nvPr/>
+          </p:nvCxnSpPr>
+          <p:spPr>
+            <a:xfrm flipH="1">
+              <a:off x="475025" y="4867200"/>
+              <a:ext cx="85800" cy="276300"/>
+            </a:xfrm>
+            <a:prstGeom prst="straightConnector1">
+              <a:avLst/>
+            </a:prstGeom>
+            <a:noFill/>
+            <a:ln w="28575" cap="flat" cmpd="sng">
+              <a:solidFill>
+                <a:schemeClr val="dk1"/>
+              </a:solidFill>
+              <a:prstDash val="solid"/>
+              <a:round/>
+              <a:headEnd type="none" w="med" len="med"/>
+              <a:tailEnd type="none" w="med" len="med"/>
+            </a:ln>
+          </p:spPr>
+        </p:cxnSp>
+        <p:cxnSp>
+          <p:nvCxnSpPr>
+            <p:cNvPr id="441" name="Google Shape;441;p46"/>
+            <p:cNvCxnSpPr/>
+            <p:nvPr/>
+          </p:nvCxnSpPr>
+          <p:spPr>
+            <a:xfrm flipH="1">
+              <a:off x="627425" y="4867200"/>
+              <a:ext cx="85800" cy="276300"/>
+            </a:xfrm>
+            <a:prstGeom prst="straightConnector1">
+              <a:avLst/>
+            </a:prstGeom>
+            <a:noFill/>
+            <a:ln w="28575" cap="flat" cmpd="sng">
+              <a:solidFill>
+                <a:schemeClr val="dk1"/>
+              </a:solidFill>
+              <a:prstDash val="solid"/>
+              <a:round/>
+              <a:headEnd type="none" w="med" len="med"/>
+              <a:tailEnd type="none" w="med" len="med"/>
+            </a:ln>
+          </p:spPr>
+        </p:cxnSp>
+        <p:cxnSp>
+          <p:nvCxnSpPr>
+            <p:cNvPr id="442" name="Google Shape;442;p46"/>
+            <p:cNvCxnSpPr/>
+            <p:nvPr/>
+          </p:nvCxnSpPr>
+          <p:spPr>
+            <a:xfrm flipH="1">
+              <a:off x="779825" y="4867200"/>
+              <a:ext cx="85800" cy="276300"/>
+            </a:xfrm>
+            <a:prstGeom prst="straightConnector1">
+              <a:avLst/>
+            </a:prstGeom>
+            <a:noFill/>
+            <a:ln w="28575" cap="flat" cmpd="sng">
+              <a:solidFill>
+                <a:schemeClr val="dk1"/>
+              </a:solidFill>
+              <a:prstDash val="solid"/>
+              <a:round/>
+              <a:headEnd type="none" w="med" len="med"/>
+              <a:tailEnd type="none" w="med" len="med"/>
+            </a:ln>
+          </p:spPr>
+        </p:cxnSp>
+        <p:cxnSp>
+          <p:nvCxnSpPr>
+            <p:cNvPr id="443" name="Google Shape;443;p46"/>
+            <p:cNvCxnSpPr/>
+            <p:nvPr/>
+          </p:nvCxnSpPr>
+          <p:spPr>
+            <a:xfrm flipH="1">
+              <a:off x="932225" y="4867200"/>
+              <a:ext cx="85800" cy="276300"/>
+            </a:xfrm>
+            <a:prstGeom prst="straightConnector1">
+              <a:avLst/>
+            </a:prstGeom>
+            <a:noFill/>
+            <a:ln w="28575" cap="flat" cmpd="sng">
+              <a:solidFill>
+                <a:schemeClr val="dk1"/>
+              </a:solidFill>
+              <a:prstDash val="solid"/>
+              <a:round/>
+              <a:headEnd type="none" w="med" len="med"/>
+              <a:tailEnd type="none" w="med" len="med"/>
+            </a:ln>
+          </p:spPr>
+        </p:cxnSp>
+        <p:cxnSp>
+          <p:nvCxnSpPr>
+            <p:cNvPr id="444" name="Google Shape;444;p46"/>
+            <p:cNvCxnSpPr/>
+            <p:nvPr/>
+          </p:nvCxnSpPr>
+          <p:spPr>
+            <a:xfrm flipH="1">
+              <a:off x="1084625" y="4867200"/>
+              <a:ext cx="85800" cy="276300"/>
+            </a:xfrm>
+            <a:prstGeom prst="straightConnector1">
+              <a:avLst/>
+            </a:prstGeom>
+            <a:noFill/>
+            <a:ln w="28575" cap="flat" cmpd="sng">
+              <a:solidFill>
+                <a:schemeClr val="dk1"/>
+              </a:solidFill>
+              <a:prstDash val="solid"/>
+              <a:round/>
+              <a:headEnd type="none" w="med" len="med"/>
+              <a:tailEnd type="none" w="med" len="med"/>
+            </a:ln>
+          </p:spPr>
+        </p:cxnSp>
+      </p:grpSp>
+      <p:grpSp>
+        <p:nvGrpSpPr>
+          <p:cNvPr id="446" name="Google Shape;446;p46"/>
+          <p:cNvGrpSpPr/>
+          <p:nvPr/>
+        </p:nvGrpSpPr>
+        <p:grpSpPr>
+          <a:xfrm>
+            <a:off x="4005076" y="4726837"/>
+            <a:ext cx="566924" cy="182883"/>
+            <a:chOff x="322625" y="4867200"/>
+            <a:chExt cx="847800" cy="276300"/>
+          </a:xfrm>
+        </p:grpSpPr>
+        <p:cxnSp>
+          <p:nvCxnSpPr>
+            <p:cNvPr id="447" name="Google Shape;447;p46"/>
+            <p:cNvCxnSpPr/>
+            <p:nvPr/>
+          </p:nvCxnSpPr>
+          <p:spPr>
+            <a:xfrm flipH="1">
+              <a:off x="322625" y="4867200"/>
+              <a:ext cx="85800" cy="276300"/>
+            </a:xfrm>
+            <a:prstGeom prst="straightConnector1">
+              <a:avLst/>
+            </a:prstGeom>
+            <a:noFill/>
+            <a:ln w="28575" cap="flat" cmpd="sng">
+              <a:solidFill>
+                <a:schemeClr val="dk1"/>
+              </a:solidFill>
+              <a:prstDash val="solid"/>
+              <a:round/>
+              <a:headEnd type="none" w="med" len="med"/>
+              <a:tailEnd type="none" w="med" len="med"/>
+            </a:ln>
+          </p:spPr>
+        </p:cxnSp>
+        <p:cxnSp>
+          <p:nvCxnSpPr>
+            <p:cNvPr id="448" name="Google Shape;448;p46"/>
+            <p:cNvCxnSpPr/>
+            <p:nvPr/>
+          </p:nvCxnSpPr>
+          <p:spPr>
+            <a:xfrm flipH="1">
+              <a:off x="475025" y="4867200"/>
+              <a:ext cx="85800" cy="276300"/>
+            </a:xfrm>
+            <a:prstGeom prst="straightConnector1">
+              <a:avLst/>
+            </a:prstGeom>
+            <a:noFill/>
+            <a:ln w="28575" cap="flat" cmpd="sng">
+              <a:solidFill>
+                <a:schemeClr val="dk1"/>
+              </a:solidFill>
+              <a:prstDash val="solid"/>
+              <a:round/>
+              <a:headEnd type="none" w="med" len="med"/>
+              <a:tailEnd type="none" w="med" len="med"/>
+            </a:ln>
+          </p:spPr>
+        </p:cxnSp>
+        <p:cxnSp>
+          <p:nvCxnSpPr>
+            <p:cNvPr id="449" name="Google Shape;449;p46"/>
+            <p:cNvCxnSpPr/>
+            <p:nvPr/>
+          </p:nvCxnSpPr>
+          <p:spPr>
+            <a:xfrm flipH="1">
+              <a:off x="627425" y="4867200"/>
+              <a:ext cx="85800" cy="276300"/>
+            </a:xfrm>
+            <a:prstGeom prst="straightConnector1">
+              <a:avLst/>
+            </a:prstGeom>
+            <a:noFill/>
+            <a:ln w="28575" cap="flat" cmpd="sng">
+              <a:solidFill>
+                <a:schemeClr val="dk1"/>
+              </a:solidFill>
+              <a:prstDash val="solid"/>
+              <a:round/>
+              <a:headEnd type="none" w="med" len="med"/>
+              <a:tailEnd type="none" w="med" len="med"/>
+            </a:ln>
+          </p:spPr>
+        </p:cxnSp>
+        <p:cxnSp>
+          <p:nvCxnSpPr>
+            <p:cNvPr id="450" name="Google Shape;450;p46"/>
+            <p:cNvCxnSpPr/>
+            <p:nvPr/>
+          </p:nvCxnSpPr>
+          <p:spPr>
+            <a:xfrm flipH="1">
+              <a:off x="779825" y="4867200"/>
+              <a:ext cx="85800" cy="276300"/>
+            </a:xfrm>
+            <a:prstGeom prst="straightConnector1">
+              <a:avLst/>
+            </a:prstGeom>
+            <a:noFill/>
+            <a:ln w="28575" cap="flat" cmpd="sng">
+              <a:solidFill>
+                <a:schemeClr val="dk1"/>
+              </a:solidFill>
+              <a:prstDash val="solid"/>
+              <a:round/>
+              <a:headEnd type="none" w="med" len="med"/>
+              <a:tailEnd type="none" w="med" len="med"/>
+            </a:ln>
+          </p:spPr>
+        </p:cxnSp>
+        <p:cxnSp>
+          <p:nvCxnSpPr>
+            <p:cNvPr id="451" name="Google Shape;451;p46"/>
+            <p:cNvCxnSpPr/>
+            <p:nvPr/>
+          </p:nvCxnSpPr>
+          <p:spPr>
+            <a:xfrm flipH="1">
+              <a:off x="932225" y="4867200"/>
+              <a:ext cx="85800" cy="276300"/>
+            </a:xfrm>
+            <a:prstGeom prst="straightConnector1">
+              <a:avLst/>
+            </a:prstGeom>
+            <a:noFill/>
+            <a:ln w="28575" cap="flat" cmpd="sng">
+              <a:solidFill>
+                <a:schemeClr val="dk1"/>
+              </a:solidFill>
+              <a:prstDash val="solid"/>
+              <a:round/>
+              <a:headEnd type="none" w="med" len="med"/>
+              <a:tailEnd type="none" w="med" len="med"/>
+            </a:ln>
+          </p:spPr>
+        </p:cxnSp>
+        <p:cxnSp>
+          <p:nvCxnSpPr>
+            <p:cNvPr id="452" name="Google Shape;452;p46"/>
+            <p:cNvCxnSpPr/>
+            <p:nvPr/>
+          </p:nvCxnSpPr>
+          <p:spPr>
+            <a:xfrm flipH="1">
+              <a:off x="1084625" y="4867200"/>
+              <a:ext cx="85800" cy="276300"/>
+            </a:xfrm>
+            <a:prstGeom prst="straightConnector1">
+              <a:avLst/>
+            </a:prstGeom>
+            <a:noFill/>
+            <a:ln w="28575" cap="flat" cmpd="sng">
+              <a:solidFill>
+                <a:schemeClr val="dk1"/>
+              </a:solidFill>
+              <a:prstDash val="solid"/>
+              <a:round/>
+              <a:headEnd type="none" w="med" len="med"/>
+              <a:tailEnd type="none" w="med" len="med"/>
+            </a:ln>
+          </p:spPr>
+        </p:cxnSp>
+      </p:grpSp>
+    </p:spTree>
+    <p:extLst>
+      <p:ext uri="{BB962C8B-B14F-4D97-AF65-F5344CB8AC3E}">
+        <p14:creationId xmlns:p14="http://schemas.microsoft.com/office/powerpoint/2010/main" val="741613507"/>
+      </p:ext>
+    </p:extLst>
+  </p:cSld>
+  <p:clrMapOvr>
+    <a:masterClrMapping/>
+  </p:clrMapOvr>
+</p:sld>
+</file>
+
+<file path=ppt/slides/slide19.xml><?xml version="1.0" encoding="utf-8"?>
+<p:sld xmlns:a="http://schemas.openxmlformats.org/drawingml/2006/main" xmlns:r="http://schemas.openxmlformats.org/officeDocument/2006/relationships" xmlns:p="http://schemas.openxmlformats.org/presentationml/2006/main">
+  <p:cSld>
+    <p:spTree>
+      <p:nvGrpSpPr>
+        <p:cNvPr id="1" name="Shape 435"/>
+        <p:cNvGrpSpPr/>
+        <p:nvPr/>
+      </p:nvGrpSpPr>
+      <p:grpSpPr>
+        <a:xfrm>
+          <a:off x="0" y="0"/>
+          <a:ext cx="0" cy="0"/>
+          <a:chOff x="0" y="0"/>
+          <a:chExt cx="0" cy="0"/>
+        </a:xfrm>
+      </p:grpSpPr>
+      <p:sp>
+        <p:nvSpPr>
+          <p:cNvPr id="436" name="Google Shape;436;p46"/>
+          <p:cNvSpPr txBox="1">
+            <a:spLocks noGrp="1"/>
+          </p:cNvSpPr>
+          <p:nvPr>
+            <p:ph type="title"/>
+          </p:nvPr>
+        </p:nvSpPr>
+        <p:spPr>
+          <a:xfrm>
+            <a:off x="262333" y="598092"/>
+            <a:ext cx="3712981" cy="554461"/>
+          </a:xfrm>
+          <a:prstGeom prst="rect">
+            <a:avLst/>
+          </a:prstGeom>
+        </p:spPr>
+        <p:txBody>
+          <a:bodyPr spcFirstLastPara="1" wrap="square" lIns="91425" tIns="91425" rIns="91425" bIns="91425" anchor="t" anchorCtr="0">
+            <a:noAutofit/>
+          </a:bodyPr>
+          <a:lstStyle/>
+          <a:p>
+            <a:pPr marL="0" lvl="0" indent="0" algn="r" rtl="0">
+              <a:spcBef>
+                <a:spcPts val="0"/>
+              </a:spcBef>
+              <a:spcAft>
+                <a:spcPts val="0"/>
+              </a:spcAft>
+              <a:buNone/>
+            </a:pPr>
+            <a:r>
+              <a:rPr lang="en-US" sz="2800"/>
+              <a:t>Các câu hỏi đặt ra</a:t>
+            </a:r>
+          </a:p>
+        </p:txBody>
+      </p:sp>
+      <p:sp>
+        <p:nvSpPr>
+          <p:cNvPr id="437" name="Google Shape;437;p46"/>
+          <p:cNvSpPr txBox="1">
+            <a:spLocks noGrp="1"/>
+          </p:cNvSpPr>
+          <p:nvPr>
+            <p:ph type="subTitle" idx="1"/>
+          </p:nvPr>
+        </p:nvSpPr>
+        <p:spPr>
+          <a:xfrm>
+            <a:off x="679460" y="1152551"/>
+            <a:ext cx="8092581" cy="3481441"/>
+          </a:xfrm>
+          <a:prstGeom prst="rect">
+            <a:avLst/>
+          </a:prstGeom>
+        </p:spPr>
+        <p:txBody>
+          <a:bodyPr spcFirstLastPara="1" wrap="square" lIns="91425" tIns="91425" rIns="91425" bIns="91425" anchor="t" anchorCtr="0">
+            <a:noAutofit/>
+          </a:bodyPr>
+          <a:lstStyle/>
+          <a:p>
+            <a:pPr marL="0" lvl="0" indent="0" algn="l" rtl="0">
+              <a:lnSpc>
+                <a:spcPct val="150000"/>
+              </a:lnSpc>
+              <a:spcBef>
+                <a:spcPts val="0"/>
+              </a:spcBef>
+              <a:spcAft>
+                <a:spcPts val="0"/>
+              </a:spcAft>
+            </a:pPr>
+            <a:r>
+              <a:rPr lang="vi-VN" sz="1600" b="1">
+                <a:latin typeface="Assistant" pitchFamily="2" charset="-79"/>
+                <a:cs typeface="Assistant" pitchFamily="2" charset="-79"/>
+              </a:rPr>
+              <a:t>Mỗi cột có kiểu dữ liệu gì? Có cột nào có kiểu dữ liệu chưa phù hợp để có thể xử lý tiếp hay không?</a:t>
+            </a:r>
+            <a:endParaRPr lang="en-US" sz="1600" b="1">
+              <a:latin typeface="Assistant" pitchFamily="2" charset="-79"/>
+              <a:cs typeface="Assistant" pitchFamily="2" charset="-79"/>
+            </a:endParaRPr>
+          </a:p>
+          <a:p>
+            <a:pPr marL="742950" lvl="1" indent="-285750">
+              <a:lnSpc>
+                <a:spcPct val="150000"/>
+              </a:lnSpc>
+              <a:buFont typeface="Arial" panose="020B0604020202020204" pitchFamily="34" charset="0"/>
+              <a:buChar char="•"/>
+            </a:pPr>
+            <a:r>
+              <a:rPr lang="vi-VN">
+                <a:solidFill>
+                  <a:schemeClr val="tx1"/>
+                </a:solidFill>
+                <a:latin typeface="Assistant" pitchFamily="2" charset="-79"/>
+                <a:cs typeface="Assistant" pitchFamily="2" charset="-79"/>
+              </a:rPr>
+              <a:t>‘UV Description’: bình thường</a:t>
+            </a:r>
+          </a:p>
+          <a:p>
+            <a:pPr marL="742950" lvl="1" indent="-285750">
+              <a:lnSpc>
+                <a:spcPct val="150000"/>
+              </a:lnSpc>
+              <a:buFont typeface="Arial" panose="020B0604020202020204" pitchFamily="34" charset="0"/>
+              <a:buChar char="•"/>
+            </a:pPr>
+            <a:r>
+              <a:rPr lang="vi-VN">
+                <a:solidFill>
+                  <a:schemeClr val="tx1"/>
+                </a:solidFill>
+                <a:latin typeface="Assistant" pitchFamily="2" charset="-79"/>
+                <a:cs typeface="Assistant" pitchFamily="2" charset="-79"/>
+              </a:rPr>
+              <a:t>Condition’: có nhiều loại điều kiện thời tiết (24 loại), nhưng xuất hiện nhiều loại có thể xếp chung vào 1 nhóm</a:t>
+            </a:r>
+          </a:p>
+          <a:p>
+            <a:pPr marL="285750" lvl="0" indent="-285750" algn="l" rtl="0">
+              <a:lnSpc>
+                <a:spcPct val="150000"/>
+              </a:lnSpc>
+              <a:spcBef>
+                <a:spcPts val="0"/>
+              </a:spcBef>
+              <a:spcAft>
+                <a:spcPts val="0"/>
+              </a:spcAft>
+              <a:buFont typeface="Arial" panose="020B0604020202020204" pitchFamily="34" charset="0"/>
+              <a:buChar char="•"/>
+            </a:pPr>
+            <a:r>
+              <a:rPr lang="en-US">
+                <a:solidFill>
+                  <a:schemeClr val="tx1"/>
+                </a:solidFill>
+                <a:latin typeface="Assistant" pitchFamily="2" charset="-79"/>
+                <a:cs typeface="Assistant" pitchFamily="2" charset="-79"/>
+              </a:rPr>
+              <a:t>Xem xét tập giá trị của các thuộc tính phân loại</a:t>
+            </a:r>
+          </a:p>
+          <a:p>
+            <a:pPr marL="742950" lvl="1" indent="-285750">
+              <a:lnSpc>
+                <a:spcPct val="150000"/>
+              </a:lnSpc>
+              <a:buFont typeface="Arial" panose="020B0604020202020204" pitchFamily="34" charset="0"/>
+              <a:buChar char="•"/>
+            </a:pPr>
+            <a:r>
+              <a:rPr lang="en-US">
+                <a:solidFill>
+                  <a:schemeClr val="tx1"/>
+                </a:solidFill>
+                <a:latin typeface="Assistant" pitchFamily="2" charset="-79"/>
+                <a:cs typeface="Assistant" pitchFamily="2" charset="-79"/>
+              </a:rPr>
+              <a:t>Phân nhóm ‘Conditon’: phân chia các loại vào 6 nhóm: 'Cloudy', 'Fair', 'Fog / Haze', 'Rain', 'T-Storm', 'Thunder'</a:t>
+            </a:r>
+          </a:p>
+        </p:txBody>
+      </p:sp>
+      <p:grpSp>
+        <p:nvGrpSpPr>
+          <p:cNvPr id="438" name="Google Shape;438;p46"/>
+          <p:cNvGrpSpPr/>
+          <p:nvPr/>
+        </p:nvGrpSpPr>
+        <p:grpSpPr>
+          <a:xfrm rot="5400000">
+            <a:off x="8075255" y="981469"/>
+            <a:ext cx="566924" cy="182883"/>
+            <a:chOff x="322625" y="4867200"/>
+            <a:chExt cx="847800" cy="276300"/>
+          </a:xfrm>
+        </p:grpSpPr>
+        <p:cxnSp>
+          <p:nvCxnSpPr>
+            <p:cNvPr id="439" name="Google Shape;439;p46"/>
+            <p:cNvCxnSpPr/>
+            <p:nvPr/>
+          </p:nvCxnSpPr>
+          <p:spPr>
+            <a:xfrm flipH="1">
+              <a:off x="322625" y="4867200"/>
+              <a:ext cx="85800" cy="276300"/>
+            </a:xfrm>
+            <a:prstGeom prst="straightConnector1">
+              <a:avLst/>
+            </a:prstGeom>
+            <a:noFill/>
+            <a:ln w="28575" cap="flat" cmpd="sng">
+              <a:solidFill>
+                <a:schemeClr val="dk1"/>
+              </a:solidFill>
+              <a:prstDash val="solid"/>
+              <a:round/>
+              <a:headEnd type="none" w="med" len="med"/>
+              <a:tailEnd type="none" w="med" len="med"/>
+            </a:ln>
+          </p:spPr>
+        </p:cxnSp>
+        <p:cxnSp>
+          <p:nvCxnSpPr>
+            <p:cNvPr id="440" name="Google Shape;440;p46"/>
+            <p:cNvCxnSpPr/>
+            <p:nvPr/>
+          </p:nvCxnSpPr>
+          <p:spPr>
+            <a:xfrm flipH="1">
+              <a:off x="475025" y="4867200"/>
+              <a:ext cx="85800" cy="276300"/>
+            </a:xfrm>
+            <a:prstGeom prst="straightConnector1">
+              <a:avLst/>
+            </a:prstGeom>
+            <a:noFill/>
+            <a:ln w="28575" cap="flat" cmpd="sng">
+              <a:solidFill>
+                <a:schemeClr val="dk1"/>
+              </a:solidFill>
+              <a:prstDash val="solid"/>
+              <a:round/>
+              <a:headEnd type="none" w="med" len="med"/>
+              <a:tailEnd type="none" w="med" len="med"/>
+            </a:ln>
+          </p:spPr>
+        </p:cxnSp>
+        <p:cxnSp>
+          <p:nvCxnSpPr>
+            <p:cNvPr id="441" name="Google Shape;441;p46"/>
+            <p:cNvCxnSpPr/>
+            <p:nvPr/>
+          </p:nvCxnSpPr>
+          <p:spPr>
+            <a:xfrm flipH="1">
+              <a:off x="627425" y="4867200"/>
+              <a:ext cx="85800" cy="276300"/>
+            </a:xfrm>
+            <a:prstGeom prst="straightConnector1">
+              <a:avLst/>
+            </a:prstGeom>
+            <a:noFill/>
+            <a:ln w="28575" cap="flat" cmpd="sng">
+              <a:solidFill>
+                <a:schemeClr val="dk1"/>
+              </a:solidFill>
+              <a:prstDash val="solid"/>
+              <a:round/>
+              <a:headEnd type="none" w="med" len="med"/>
+              <a:tailEnd type="none" w="med" len="med"/>
+            </a:ln>
+          </p:spPr>
+        </p:cxnSp>
+        <p:cxnSp>
+          <p:nvCxnSpPr>
+            <p:cNvPr id="442" name="Google Shape;442;p46"/>
+            <p:cNvCxnSpPr/>
+            <p:nvPr/>
+          </p:nvCxnSpPr>
+          <p:spPr>
+            <a:xfrm flipH="1">
+              <a:off x="779825" y="4867200"/>
+              <a:ext cx="85800" cy="276300"/>
+            </a:xfrm>
+            <a:prstGeom prst="straightConnector1">
+              <a:avLst/>
+            </a:prstGeom>
+            <a:noFill/>
+            <a:ln w="28575" cap="flat" cmpd="sng">
+              <a:solidFill>
+                <a:schemeClr val="dk1"/>
+              </a:solidFill>
+              <a:prstDash val="solid"/>
+              <a:round/>
+              <a:headEnd type="none" w="med" len="med"/>
+              <a:tailEnd type="none" w="med" len="med"/>
+            </a:ln>
+          </p:spPr>
+        </p:cxnSp>
+        <p:cxnSp>
+          <p:nvCxnSpPr>
+            <p:cNvPr id="443" name="Google Shape;443;p46"/>
+            <p:cNvCxnSpPr/>
+            <p:nvPr/>
+          </p:nvCxnSpPr>
+          <p:spPr>
+            <a:xfrm flipH="1">
+              <a:off x="932225" y="4867200"/>
+              <a:ext cx="85800" cy="276300"/>
+            </a:xfrm>
+            <a:prstGeom prst="straightConnector1">
+              <a:avLst/>
+            </a:prstGeom>
+            <a:noFill/>
+            <a:ln w="28575" cap="flat" cmpd="sng">
+              <a:solidFill>
+                <a:schemeClr val="dk1"/>
+              </a:solidFill>
+              <a:prstDash val="solid"/>
+              <a:round/>
+              <a:headEnd type="none" w="med" len="med"/>
+              <a:tailEnd type="none" w="med" len="med"/>
+            </a:ln>
+          </p:spPr>
+        </p:cxnSp>
+        <p:cxnSp>
+          <p:nvCxnSpPr>
+            <p:cNvPr id="444" name="Google Shape;444;p46"/>
+            <p:cNvCxnSpPr/>
+            <p:nvPr/>
+          </p:nvCxnSpPr>
+          <p:spPr>
+            <a:xfrm flipH="1">
+              <a:off x="1084625" y="4867200"/>
+              <a:ext cx="85800" cy="276300"/>
+            </a:xfrm>
+            <a:prstGeom prst="straightConnector1">
+              <a:avLst/>
+            </a:prstGeom>
+            <a:noFill/>
+            <a:ln w="28575" cap="flat" cmpd="sng">
+              <a:solidFill>
+                <a:schemeClr val="dk1"/>
+              </a:solidFill>
+              <a:prstDash val="solid"/>
+              <a:round/>
+              <a:headEnd type="none" w="med" len="med"/>
+              <a:tailEnd type="none" w="med" len="med"/>
+            </a:ln>
+          </p:spPr>
+        </p:cxnSp>
+      </p:grpSp>
+      <p:grpSp>
+        <p:nvGrpSpPr>
+          <p:cNvPr id="446" name="Google Shape;446;p46"/>
+          <p:cNvGrpSpPr/>
+          <p:nvPr/>
+        </p:nvGrpSpPr>
+        <p:grpSpPr>
+          <a:xfrm>
+            <a:off x="4005076" y="4726837"/>
+            <a:ext cx="566924" cy="182883"/>
+            <a:chOff x="322625" y="4867200"/>
+            <a:chExt cx="847800" cy="276300"/>
+          </a:xfrm>
+        </p:grpSpPr>
+        <p:cxnSp>
+          <p:nvCxnSpPr>
+            <p:cNvPr id="447" name="Google Shape;447;p46"/>
+            <p:cNvCxnSpPr/>
+            <p:nvPr/>
+          </p:nvCxnSpPr>
+          <p:spPr>
+            <a:xfrm flipH="1">
+              <a:off x="322625" y="4867200"/>
+              <a:ext cx="85800" cy="276300"/>
+            </a:xfrm>
+            <a:prstGeom prst="straightConnector1">
+              <a:avLst/>
+            </a:prstGeom>
+            <a:noFill/>
+            <a:ln w="28575" cap="flat" cmpd="sng">
+              <a:solidFill>
+                <a:schemeClr val="dk1"/>
+              </a:solidFill>
+              <a:prstDash val="solid"/>
+              <a:round/>
+              <a:headEnd type="none" w="med" len="med"/>
+              <a:tailEnd type="none" w="med" len="med"/>
+            </a:ln>
+          </p:spPr>
+        </p:cxnSp>
+        <p:cxnSp>
+          <p:nvCxnSpPr>
+            <p:cNvPr id="448" name="Google Shape;448;p46"/>
+            <p:cNvCxnSpPr/>
+            <p:nvPr/>
+          </p:nvCxnSpPr>
+          <p:spPr>
+            <a:xfrm flipH="1">
+              <a:off x="475025" y="4867200"/>
+              <a:ext cx="85800" cy="276300"/>
+            </a:xfrm>
+            <a:prstGeom prst="straightConnector1">
+              <a:avLst/>
+            </a:prstGeom>
+            <a:noFill/>
+            <a:ln w="28575" cap="flat" cmpd="sng">
+              <a:solidFill>
+                <a:schemeClr val="dk1"/>
+              </a:solidFill>
+              <a:prstDash val="solid"/>
+              <a:round/>
+              <a:headEnd type="none" w="med" len="med"/>
+              <a:tailEnd type="none" w="med" len="med"/>
+            </a:ln>
+          </p:spPr>
+        </p:cxnSp>
+        <p:cxnSp>
+          <p:nvCxnSpPr>
+            <p:cNvPr id="449" name="Google Shape;449;p46"/>
+            <p:cNvCxnSpPr/>
+            <p:nvPr/>
+          </p:nvCxnSpPr>
+          <p:spPr>
+            <a:xfrm flipH="1">
+              <a:off x="627425" y="4867200"/>
+              <a:ext cx="85800" cy="276300"/>
+            </a:xfrm>
+            <a:prstGeom prst="straightConnector1">
+              <a:avLst/>
+            </a:prstGeom>
+            <a:noFill/>
+            <a:ln w="28575" cap="flat" cmpd="sng">
+              <a:solidFill>
+                <a:schemeClr val="dk1"/>
+              </a:solidFill>
+              <a:prstDash val="solid"/>
+              <a:round/>
+              <a:headEnd type="none" w="med" len="med"/>
+              <a:tailEnd type="none" w="med" len="med"/>
+            </a:ln>
+          </p:spPr>
+        </p:cxnSp>
+        <p:cxnSp>
+          <p:nvCxnSpPr>
+            <p:cNvPr id="450" name="Google Shape;450;p46"/>
+            <p:cNvCxnSpPr/>
+            <p:nvPr/>
+          </p:nvCxnSpPr>
+          <p:spPr>
+            <a:xfrm flipH="1">
+              <a:off x="779825" y="4867200"/>
+              <a:ext cx="85800" cy="276300"/>
+            </a:xfrm>
+            <a:prstGeom prst="straightConnector1">
+              <a:avLst/>
+            </a:prstGeom>
+            <a:noFill/>
+            <a:ln w="28575" cap="flat" cmpd="sng">
+              <a:solidFill>
+                <a:schemeClr val="dk1"/>
+              </a:solidFill>
+              <a:prstDash val="solid"/>
+              <a:round/>
+              <a:headEnd type="none" w="med" len="med"/>
+              <a:tailEnd type="none" w="med" len="med"/>
+            </a:ln>
+          </p:spPr>
+        </p:cxnSp>
+        <p:cxnSp>
+          <p:nvCxnSpPr>
+            <p:cNvPr id="451" name="Google Shape;451;p46"/>
+            <p:cNvCxnSpPr/>
+            <p:nvPr/>
+          </p:nvCxnSpPr>
+          <p:spPr>
+            <a:xfrm flipH="1">
+              <a:off x="932225" y="4867200"/>
+              <a:ext cx="85800" cy="276300"/>
+            </a:xfrm>
+            <a:prstGeom prst="straightConnector1">
+              <a:avLst/>
+            </a:prstGeom>
+            <a:noFill/>
+            <a:ln w="28575" cap="flat" cmpd="sng">
+              <a:solidFill>
+                <a:schemeClr val="dk1"/>
+              </a:solidFill>
+              <a:prstDash val="solid"/>
+              <a:round/>
+              <a:headEnd type="none" w="med" len="med"/>
+              <a:tailEnd type="none" w="med" len="med"/>
+            </a:ln>
+          </p:spPr>
+        </p:cxnSp>
+        <p:cxnSp>
+          <p:nvCxnSpPr>
+            <p:cNvPr id="452" name="Google Shape;452;p46"/>
+            <p:cNvCxnSpPr/>
+            <p:nvPr/>
+          </p:nvCxnSpPr>
+          <p:spPr>
+            <a:xfrm flipH="1">
+              <a:off x="1084625" y="4867200"/>
+              <a:ext cx="85800" cy="276300"/>
+            </a:xfrm>
+            <a:prstGeom prst="straightConnector1">
+              <a:avLst/>
+            </a:prstGeom>
+            <a:noFill/>
+            <a:ln w="28575" cap="flat" cmpd="sng">
+              <a:solidFill>
+                <a:schemeClr val="dk1"/>
+              </a:solidFill>
+              <a:prstDash val="solid"/>
+              <a:round/>
+              <a:headEnd type="none" w="med" len="med"/>
+              <a:tailEnd type="none" w="med" len="med"/>
+            </a:ln>
+          </p:spPr>
+        </p:cxnSp>
+      </p:grpSp>
+    </p:spTree>
+    <p:extLst>
+      <p:ext uri="{BB962C8B-B14F-4D97-AF65-F5344CB8AC3E}">
+        <p14:creationId xmlns:p14="http://schemas.microsoft.com/office/powerpoint/2010/main" val="1922551786"/>
+      </p:ext>
+    </p:extLst>
+  </p:cSld>
+  <p:clrMapOvr>
+    <a:masterClrMapping/>
+  </p:clrMapOvr>
+</p:sld>
+</file>
+
+<file path=ppt/slides/slide2.xml><?xml version="1.0" encoding="utf-8"?>
+<p:sld xmlns:a="http://schemas.openxmlformats.org/drawingml/2006/main" xmlns:r="http://schemas.openxmlformats.org/officeDocument/2006/relationships" xmlns:p="http://schemas.openxmlformats.org/presentationml/2006/main">
+  <p:cSld>
+    <p:spTree>
+      <p:nvGrpSpPr>
+        <p:cNvPr id="1" name="Shape 236"/>
+        <p:cNvGrpSpPr/>
+        <p:nvPr/>
+      </p:nvGrpSpPr>
+      <p:grpSpPr>
+        <a:xfrm>
+          <a:off x="0" y="0"/>
+          <a:ext cx="0" cy="0"/>
+          <a:chOff x="0" y="0"/>
+          <a:chExt cx="0" cy="0"/>
+        </a:xfrm>
+      </p:grpSpPr>
+      <p:grpSp>
+        <p:nvGrpSpPr>
+          <p:cNvPr id="237" name="Google Shape;237;p38"/>
+          <p:cNvGrpSpPr/>
+          <p:nvPr/>
+        </p:nvGrpSpPr>
+        <p:grpSpPr>
+          <a:xfrm>
+            <a:off x="789497" y="1460198"/>
+            <a:ext cx="586800" cy="491625"/>
+            <a:chOff x="753533" y="1498298"/>
+            <a:chExt cx="586800" cy="491625"/>
+          </a:xfrm>
+        </p:grpSpPr>
+        <p:cxnSp>
+          <p:nvCxnSpPr>
+            <p:cNvPr id="238" name="Google Shape;238;p38"/>
+            <p:cNvCxnSpPr/>
+            <p:nvPr/>
+          </p:nvCxnSpPr>
+          <p:spPr>
+            <a:xfrm>
+              <a:off x="753533" y="1989923"/>
+              <a:ext cx="586800" cy="0"/>
+            </a:xfrm>
+            <a:prstGeom prst="straightConnector1">
+              <a:avLst/>
+            </a:prstGeom>
+            <a:noFill/>
+            <a:ln w="28575" cap="flat" cmpd="sng">
+              <a:solidFill>
+                <a:schemeClr val="dk1"/>
+              </a:solidFill>
+              <a:prstDash val="solid"/>
+              <a:round/>
+              <a:headEnd type="none" w="med" len="med"/>
+              <a:tailEnd type="none" w="med" len="med"/>
+            </a:ln>
+          </p:spPr>
+        </p:cxnSp>
+        <p:cxnSp>
+          <p:nvCxnSpPr>
+            <p:cNvPr id="239" name="Google Shape;239;p38"/>
+            <p:cNvCxnSpPr/>
+            <p:nvPr/>
+          </p:nvCxnSpPr>
+          <p:spPr>
+            <a:xfrm>
+              <a:off x="753533" y="1498298"/>
+              <a:ext cx="586800" cy="0"/>
+            </a:xfrm>
+            <a:prstGeom prst="straightConnector1">
+              <a:avLst/>
+            </a:prstGeom>
+            <a:noFill/>
+            <a:ln w="28575" cap="flat" cmpd="sng">
+              <a:solidFill>
+                <a:schemeClr val="dk1"/>
+              </a:solidFill>
+              <a:prstDash val="solid"/>
+              <a:round/>
+              <a:headEnd type="none" w="med" len="med"/>
+              <a:tailEnd type="none" w="med" len="med"/>
+            </a:ln>
+          </p:spPr>
+        </p:cxnSp>
+      </p:grpSp>
+      <p:grpSp>
+        <p:nvGrpSpPr>
+          <p:cNvPr id="240" name="Google Shape;240;p38"/>
+          <p:cNvGrpSpPr/>
+          <p:nvPr/>
+        </p:nvGrpSpPr>
+        <p:grpSpPr>
+          <a:xfrm>
+            <a:off x="789497" y="2517473"/>
+            <a:ext cx="586800" cy="491625"/>
+            <a:chOff x="753533" y="2565098"/>
+            <a:chExt cx="586800" cy="491625"/>
+          </a:xfrm>
+        </p:grpSpPr>
+        <p:cxnSp>
+          <p:nvCxnSpPr>
+            <p:cNvPr id="241" name="Google Shape;241;p38"/>
+            <p:cNvCxnSpPr/>
+            <p:nvPr/>
+          </p:nvCxnSpPr>
+          <p:spPr>
+            <a:xfrm>
+              <a:off x="753533" y="3056723"/>
+              <a:ext cx="586800" cy="0"/>
+            </a:xfrm>
+            <a:prstGeom prst="straightConnector1">
+              <a:avLst/>
+            </a:prstGeom>
+            <a:noFill/>
+            <a:ln w="28575" cap="flat" cmpd="sng">
+              <a:solidFill>
+                <a:schemeClr val="dk1"/>
+              </a:solidFill>
+              <a:prstDash val="solid"/>
+              <a:round/>
+              <a:headEnd type="none" w="med" len="med"/>
+              <a:tailEnd type="none" w="med" len="med"/>
+            </a:ln>
+          </p:spPr>
+        </p:cxnSp>
+        <p:cxnSp>
+          <p:nvCxnSpPr>
+            <p:cNvPr id="242" name="Google Shape;242;p38"/>
+            <p:cNvCxnSpPr/>
+            <p:nvPr/>
+          </p:nvCxnSpPr>
+          <p:spPr>
+            <a:xfrm>
+              <a:off x="753533" y="2565098"/>
+              <a:ext cx="586800" cy="0"/>
+            </a:xfrm>
+            <a:prstGeom prst="straightConnector1">
+              <a:avLst/>
+            </a:prstGeom>
+            <a:noFill/>
+            <a:ln w="28575" cap="flat" cmpd="sng">
+              <a:solidFill>
+                <a:schemeClr val="dk1"/>
+              </a:solidFill>
+              <a:prstDash val="solid"/>
+              <a:round/>
+              <a:headEnd type="none" w="med" len="med"/>
+              <a:tailEnd type="none" w="med" len="med"/>
+            </a:ln>
+          </p:spPr>
+        </p:cxnSp>
+      </p:grpSp>
+      <p:grpSp>
+        <p:nvGrpSpPr>
+          <p:cNvPr id="243" name="Google Shape;243;p38"/>
+          <p:cNvGrpSpPr/>
+          <p:nvPr/>
+        </p:nvGrpSpPr>
+        <p:grpSpPr>
+          <a:xfrm>
+            <a:off x="789497" y="3584273"/>
+            <a:ext cx="586800" cy="491625"/>
+            <a:chOff x="753533" y="3631898"/>
+            <a:chExt cx="586800" cy="491625"/>
+          </a:xfrm>
+        </p:grpSpPr>
+        <p:cxnSp>
+          <p:nvCxnSpPr>
+            <p:cNvPr id="244" name="Google Shape;244;p38"/>
+            <p:cNvCxnSpPr/>
+            <p:nvPr/>
+          </p:nvCxnSpPr>
+          <p:spPr>
+            <a:xfrm>
+              <a:off x="753533" y="4123523"/>
+              <a:ext cx="586800" cy="0"/>
+            </a:xfrm>
+            <a:prstGeom prst="straightConnector1">
+              <a:avLst/>
+            </a:prstGeom>
+            <a:noFill/>
+            <a:ln w="28575" cap="flat" cmpd="sng">
+              <a:solidFill>
+                <a:schemeClr val="dk1"/>
+              </a:solidFill>
+              <a:prstDash val="solid"/>
+              <a:round/>
+              <a:headEnd type="none" w="med" len="med"/>
+              <a:tailEnd type="none" w="med" len="med"/>
+            </a:ln>
+          </p:spPr>
+        </p:cxnSp>
+        <p:cxnSp>
+          <p:nvCxnSpPr>
+            <p:cNvPr id="245" name="Google Shape;245;p38"/>
+            <p:cNvCxnSpPr/>
+            <p:nvPr/>
+          </p:nvCxnSpPr>
+          <p:spPr>
+            <a:xfrm>
+              <a:off x="753533" y="3631898"/>
+              <a:ext cx="586800" cy="0"/>
+            </a:xfrm>
+            <a:prstGeom prst="straightConnector1">
+              <a:avLst/>
+            </a:prstGeom>
+            <a:noFill/>
+            <a:ln w="28575" cap="flat" cmpd="sng">
+              <a:solidFill>
+                <a:schemeClr val="dk1"/>
+              </a:solidFill>
+              <a:prstDash val="solid"/>
+              <a:round/>
+              <a:headEnd type="none" w="med" len="med"/>
+              <a:tailEnd type="none" w="med" len="med"/>
+            </a:ln>
+          </p:spPr>
+        </p:cxnSp>
+      </p:grpSp>
+      <p:grpSp>
+        <p:nvGrpSpPr>
+          <p:cNvPr id="246" name="Google Shape;246;p38"/>
+          <p:cNvGrpSpPr/>
+          <p:nvPr/>
+        </p:nvGrpSpPr>
+        <p:grpSpPr>
+          <a:xfrm>
+            <a:off x="4778222" y="1450673"/>
+            <a:ext cx="586800" cy="491625"/>
+            <a:chOff x="4792133" y="1498298"/>
+            <a:chExt cx="586800" cy="491625"/>
+          </a:xfrm>
+        </p:grpSpPr>
+        <p:cxnSp>
+          <p:nvCxnSpPr>
+            <p:cNvPr id="247" name="Google Shape;247;p38"/>
+            <p:cNvCxnSpPr/>
+            <p:nvPr/>
+          </p:nvCxnSpPr>
+          <p:spPr>
+            <a:xfrm>
+              <a:off x="4792133" y="1989923"/>
+              <a:ext cx="586800" cy="0"/>
+            </a:xfrm>
+            <a:prstGeom prst="straightConnector1">
+              <a:avLst/>
+            </a:prstGeom>
+            <a:noFill/>
+            <a:ln w="28575" cap="flat" cmpd="sng">
+              <a:solidFill>
+                <a:schemeClr val="dk1"/>
+              </a:solidFill>
+              <a:prstDash val="solid"/>
+              <a:round/>
+              <a:headEnd type="none" w="med" len="med"/>
+              <a:tailEnd type="none" w="med" len="med"/>
+            </a:ln>
+          </p:spPr>
+        </p:cxnSp>
+        <p:cxnSp>
+          <p:nvCxnSpPr>
+            <p:cNvPr id="248" name="Google Shape;248;p38"/>
+            <p:cNvCxnSpPr/>
+            <p:nvPr/>
+          </p:nvCxnSpPr>
+          <p:spPr>
+            <a:xfrm>
+              <a:off x="4792133" y="1498298"/>
+              <a:ext cx="586800" cy="0"/>
+            </a:xfrm>
+            <a:prstGeom prst="straightConnector1">
+              <a:avLst/>
+            </a:prstGeom>
+            <a:noFill/>
+            <a:ln w="28575" cap="flat" cmpd="sng">
+              <a:solidFill>
+                <a:schemeClr val="dk1"/>
+              </a:solidFill>
+              <a:prstDash val="solid"/>
+              <a:round/>
+              <a:headEnd type="none" w="med" len="med"/>
+              <a:tailEnd type="none" w="med" len="med"/>
+            </a:ln>
+          </p:spPr>
+        </p:cxnSp>
+      </p:grpSp>
+      <p:grpSp>
+        <p:nvGrpSpPr>
+          <p:cNvPr id="249" name="Google Shape;249;p38"/>
+          <p:cNvGrpSpPr/>
+          <p:nvPr/>
+        </p:nvGrpSpPr>
+        <p:grpSpPr>
+          <a:xfrm>
+            <a:off x="4778222" y="2517473"/>
+            <a:ext cx="586800" cy="491625"/>
+            <a:chOff x="4792133" y="2565098"/>
+            <a:chExt cx="586800" cy="491625"/>
+          </a:xfrm>
+        </p:grpSpPr>
+        <p:cxnSp>
+          <p:nvCxnSpPr>
+            <p:cNvPr id="250" name="Google Shape;250;p38"/>
+            <p:cNvCxnSpPr/>
+            <p:nvPr/>
+          </p:nvCxnSpPr>
+          <p:spPr>
+            <a:xfrm>
+              <a:off x="4792133" y="3056723"/>
+              <a:ext cx="586800" cy="0"/>
+            </a:xfrm>
+            <a:prstGeom prst="straightConnector1">
+              <a:avLst/>
+            </a:prstGeom>
+            <a:noFill/>
+            <a:ln w="28575" cap="flat" cmpd="sng">
+              <a:solidFill>
+                <a:schemeClr val="dk1"/>
+              </a:solidFill>
+              <a:prstDash val="solid"/>
+              <a:round/>
+              <a:headEnd type="none" w="med" len="med"/>
+              <a:tailEnd type="none" w="med" len="med"/>
+            </a:ln>
+          </p:spPr>
+        </p:cxnSp>
+        <p:cxnSp>
+          <p:nvCxnSpPr>
+            <p:cNvPr id="251" name="Google Shape;251;p38"/>
+            <p:cNvCxnSpPr/>
+            <p:nvPr/>
+          </p:nvCxnSpPr>
+          <p:spPr>
+            <a:xfrm>
+              <a:off x="4792133" y="2565098"/>
+              <a:ext cx="586800" cy="0"/>
+            </a:xfrm>
+            <a:prstGeom prst="straightConnector1">
+              <a:avLst/>
+            </a:prstGeom>
+            <a:noFill/>
+            <a:ln w="28575" cap="flat" cmpd="sng">
+              <a:solidFill>
+                <a:schemeClr val="dk1"/>
+              </a:solidFill>
+              <a:prstDash val="solid"/>
+              <a:round/>
+              <a:headEnd type="none" w="med" len="med"/>
+              <a:tailEnd type="none" w="med" len="med"/>
+            </a:ln>
+          </p:spPr>
+        </p:cxnSp>
+      </p:grpSp>
+      <p:grpSp>
+        <p:nvGrpSpPr>
+          <p:cNvPr id="252" name="Google Shape;252;p38"/>
+          <p:cNvGrpSpPr/>
+          <p:nvPr/>
+        </p:nvGrpSpPr>
+        <p:grpSpPr>
+          <a:xfrm>
+            <a:off x="4778222" y="3584273"/>
+            <a:ext cx="586800" cy="491625"/>
+            <a:chOff x="4792133" y="3631898"/>
+            <a:chExt cx="586800" cy="491625"/>
+          </a:xfrm>
+        </p:grpSpPr>
+        <p:cxnSp>
+          <p:nvCxnSpPr>
+            <p:cNvPr id="253" name="Google Shape;253;p38"/>
+            <p:cNvCxnSpPr/>
+            <p:nvPr/>
+          </p:nvCxnSpPr>
+          <p:spPr>
+            <a:xfrm>
+              <a:off x="4792133" y="4123523"/>
+              <a:ext cx="586800" cy="0"/>
+            </a:xfrm>
+            <a:prstGeom prst="straightConnector1">
+              <a:avLst/>
+            </a:prstGeom>
+            <a:noFill/>
+            <a:ln w="28575" cap="flat" cmpd="sng">
+              <a:solidFill>
+                <a:schemeClr val="dk1"/>
+              </a:solidFill>
+              <a:prstDash val="solid"/>
+              <a:round/>
+              <a:headEnd type="none" w="med" len="med"/>
+              <a:tailEnd type="none" w="med" len="med"/>
+            </a:ln>
+          </p:spPr>
+        </p:cxnSp>
+        <p:cxnSp>
+          <p:nvCxnSpPr>
+            <p:cNvPr id="254" name="Google Shape;254;p38"/>
+            <p:cNvCxnSpPr/>
+            <p:nvPr/>
+          </p:nvCxnSpPr>
+          <p:spPr>
+            <a:xfrm>
+              <a:off x="4792133" y="3631898"/>
+              <a:ext cx="586800" cy="0"/>
+            </a:xfrm>
+            <a:prstGeom prst="straightConnector1">
+              <a:avLst/>
+            </a:prstGeom>
+            <a:noFill/>
+            <a:ln w="28575" cap="flat" cmpd="sng">
+              <a:solidFill>
+                <a:schemeClr val="dk1"/>
+              </a:solidFill>
+              <a:prstDash val="solid"/>
+              <a:round/>
+              <a:headEnd type="none" w="med" len="med"/>
+              <a:tailEnd type="none" w="med" len="med"/>
+            </a:ln>
+          </p:spPr>
+        </p:cxnSp>
+      </p:grpSp>
+      <p:sp>
+        <p:nvSpPr>
+          <p:cNvPr id="255" name="Google Shape;255;p38"/>
+          <p:cNvSpPr txBox="1">
+            <a:spLocks noGrp="1"/>
+          </p:cNvSpPr>
+          <p:nvPr>
+            <p:ph type="title" idx="2"/>
+          </p:nvPr>
+        </p:nvSpPr>
+        <p:spPr>
+          <a:xfrm>
+            <a:off x="719447" y="2548450"/>
+            <a:ext cx="726900" cy="394200"/>
+          </a:xfrm>
+          <a:prstGeom prst="rect">
+            <a:avLst/>
+          </a:prstGeom>
+        </p:spPr>
+        <p:txBody>
+          <a:bodyPr spcFirstLastPara="1" wrap="square" lIns="91425" tIns="91425" rIns="91425" bIns="91425" anchor="ctr" anchorCtr="0">
+            <a:noAutofit/>
+          </a:bodyPr>
+          <a:lstStyle/>
+          <a:p>
+            <a:pPr marL="0" lvl="0" indent="0" algn="ctr" rtl="0">
+              <a:spcBef>
+                <a:spcPts val="0"/>
+              </a:spcBef>
+              <a:spcAft>
+                <a:spcPts val="0"/>
+              </a:spcAft>
+              <a:buNone/>
+            </a:pPr>
+            <a:r>
+              <a:rPr lang="en"/>
+              <a:t>02</a:t>
+            </a:r>
+            <a:endParaRPr/>
+          </a:p>
+        </p:txBody>
+      </p:sp>
+      <p:sp>
+        <p:nvSpPr>
+          <p:cNvPr id="256" name="Google Shape;256;p38"/>
+          <p:cNvSpPr txBox="1">
+            <a:spLocks noGrp="1"/>
+          </p:cNvSpPr>
+          <p:nvPr>
+            <p:ph type="title" idx="4"/>
+          </p:nvPr>
+        </p:nvSpPr>
+        <p:spPr>
+          <a:xfrm>
+            <a:off x="4708172" y="1476050"/>
+            <a:ext cx="726900" cy="394200"/>
+          </a:xfrm>
+          <a:prstGeom prst="rect">
+            <a:avLst/>
+          </a:prstGeom>
+        </p:spPr>
+        <p:txBody>
+          <a:bodyPr spcFirstLastPara="1" wrap="square" lIns="91425" tIns="91425" rIns="91425" bIns="91425" anchor="ctr" anchorCtr="0">
+            <a:noAutofit/>
+          </a:bodyPr>
+          <a:lstStyle/>
+          <a:p>
+            <a:pPr marL="0" lvl="0" indent="0" algn="ctr" rtl="0">
+              <a:spcBef>
+                <a:spcPts val="0"/>
+              </a:spcBef>
+              <a:spcAft>
+                <a:spcPts val="0"/>
+              </a:spcAft>
+              <a:buNone/>
+            </a:pPr>
+            <a:r>
+              <a:rPr lang="en"/>
+              <a:t>04</a:t>
+            </a:r>
+            <a:endParaRPr/>
+          </a:p>
+        </p:txBody>
+      </p:sp>
+      <p:sp>
+        <p:nvSpPr>
+          <p:cNvPr id="257" name="Google Shape;257;p38"/>
+          <p:cNvSpPr txBox="1">
+            <a:spLocks noGrp="1"/>
+          </p:cNvSpPr>
+          <p:nvPr>
+            <p:ph type="title" idx="6"/>
+          </p:nvPr>
+        </p:nvSpPr>
+        <p:spPr>
+          <a:xfrm>
+            <a:off x="4708172" y="2548450"/>
+            <a:ext cx="726900" cy="394200"/>
+          </a:xfrm>
+          <a:prstGeom prst="rect">
+            <a:avLst/>
+          </a:prstGeom>
+        </p:spPr>
+        <p:txBody>
+          <a:bodyPr spcFirstLastPara="1" wrap="square" lIns="91425" tIns="91425" rIns="91425" bIns="91425" anchor="ctr" anchorCtr="0">
+            <a:noAutofit/>
+          </a:bodyPr>
+          <a:lstStyle/>
+          <a:p>
+            <a:pPr marL="0" lvl="0" indent="0" algn="ctr" rtl="0">
+              <a:spcBef>
+                <a:spcPts val="0"/>
+              </a:spcBef>
+              <a:spcAft>
+                <a:spcPts val="0"/>
+              </a:spcAft>
+              <a:buNone/>
+            </a:pPr>
+            <a:r>
+              <a:rPr lang="en"/>
+              <a:t>05</a:t>
+            </a:r>
+            <a:endParaRPr/>
+          </a:p>
+        </p:txBody>
+      </p:sp>
+      <p:sp>
+        <p:nvSpPr>
+          <p:cNvPr id="258" name="Google Shape;258;p38"/>
+          <p:cNvSpPr txBox="1">
+            <a:spLocks noGrp="1"/>
+          </p:cNvSpPr>
+          <p:nvPr>
+            <p:ph type="title"/>
+          </p:nvPr>
+        </p:nvSpPr>
+        <p:spPr>
+          <a:xfrm>
+            <a:off x="719447" y="1476050"/>
+            <a:ext cx="726900" cy="394200"/>
+          </a:xfrm>
+          <a:prstGeom prst="rect">
+            <a:avLst/>
+          </a:prstGeom>
+        </p:spPr>
+        <p:txBody>
+          <a:bodyPr spcFirstLastPara="1" wrap="square" lIns="91425" tIns="91425" rIns="91425" bIns="91425" anchor="ctr" anchorCtr="0">
+            <a:noAutofit/>
+          </a:bodyPr>
+          <a:lstStyle/>
+          <a:p>
+            <a:pPr marL="0" lvl="0" indent="0" algn="ctr" rtl="0">
+              <a:spcBef>
+                <a:spcPts val="0"/>
+              </a:spcBef>
+              <a:spcAft>
+                <a:spcPts val="0"/>
+              </a:spcAft>
+              <a:buNone/>
+            </a:pPr>
+            <a:r>
+              <a:rPr lang="en"/>
+              <a:t>01</a:t>
+            </a:r>
+            <a:endParaRPr/>
+          </a:p>
+        </p:txBody>
+      </p:sp>
+      <p:sp>
+        <p:nvSpPr>
+          <p:cNvPr id="259" name="Google Shape;259;p38"/>
+          <p:cNvSpPr txBox="1">
+            <a:spLocks noGrp="1"/>
+          </p:cNvSpPr>
+          <p:nvPr>
+            <p:ph type="title" idx="8"/>
+          </p:nvPr>
+        </p:nvSpPr>
+        <p:spPr>
+          <a:xfrm>
+            <a:off x="720000" y="445025"/>
+            <a:ext cx="7704000" cy="572700"/>
+          </a:xfrm>
+          <a:prstGeom prst="rect">
+            <a:avLst/>
+          </a:prstGeom>
+        </p:spPr>
+        <p:txBody>
+          <a:bodyPr spcFirstLastPara="1" wrap="square" lIns="91425" tIns="91425" rIns="91425" bIns="91425" anchor="t" anchorCtr="0">
+            <a:noAutofit/>
+          </a:bodyPr>
+          <a:lstStyle/>
+          <a:p>
+            <a:pPr marL="0" lvl="0" indent="0" algn="l" rtl="0">
+              <a:spcBef>
+                <a:spcPts val="0"/>
+              </a:spcBef>
+              <a:spcAft>
+                <a:spcPts val="0"/>
+              </a:spcAft>
+              <a:buNone/>
+            </a:pPr>
+            <a:r>
+              <a:rPr lang="en">
+                <a:latin typeface="Assistant"/>
+                <a:ea typeface="Assistant"/>
+                <a:cs typeface="Assistant"/>
+                <a:sym typeface="Assistant"/>
+              </a:rPr>
+              <a:t>NỘI DUNG/</a:t>
+            </a:r>
+            <a:endParaRPr>
+              <a:solidFill>
+                <a:schemeClr val="dk1"/>
+              </a:solidFill>
+              <a:latin typeface="Assistant"/>
+              <a:ea typeface="Assistant"/>
+              <a:cs typeface="Assistant"/>
+              <a:sym typeface="Assistant"/>
+            </a:endParaRPr>
+          </a:p>
+        </p:txBody>
+      </p:sp>
+      <p:sp>
+        <p:nvSpPr>
+          <p:cNvPr id="260" name="Google Shape;260;p38"/>
+          <p:cNvSpPr txBox="1">
+            <a:spLocks noGrp="1"/>
+          </p:cNvSpPr>
+          <p:nvPr>
+            <p:ph type="subTitle" idx="1"/>
+          </p:nvPr>
+        </p:nvSpPr>
+        <p:spPr>
+          <a:xfrm>
+            <a:off x="1465903" y="1810550"/>
+            <a:ext cx="2197500" cy="537600"/>
+          </a:xfrm>
+          <a:prstGeom prst="rect">
+            <a:avLst/>
+          </a:prstGeom>
+        </p:spPr>
+        <p:txBody>
+          <a:bodyPr spcFirstLastPara="1" wrap="square" lIns="91425" tIns="91425" rIns="91425" bIns="91425" anchor="t" anchorCtr="0">
+            <a:noAutofit/>
+          </a:bodyPr>
+          <a:lstStyle/>
+          <a:p>
+            <a:pPr marL="0" lvl="0" indent="0" algn="l" rtl="0">
+              <a:spcBef>
+                <a:spcPts val="0"/>
+              </a:spcBef>
+              <a:spcAft>
+                <a:spcPts val="0"/>
+              </a:spcAft>
+              <a:buNone/>
+            </a:pPr>
+            <a:r>
+              <a:rPr lang="en"/>
+              <a:t>Các thành viên trong nhóm</a:t>
+            </a:r>
+            <a:endParaRPr/>
+          </a:p>
+        </p:txBody>
+      </p:sp>
+      <p:sp>
+        <p:nvSpPr>
+          <p:cNvPr id="261" name="Google Shape;261;p38"/>
+          <p:cNvSpPr txBox="1">
+            <a:spLocks noGrp="1"/>
+          </p:cNvSpPr>
+          <p:nvPr>
+            <p:ph type="subTitle" idx="3"/>
+          </p:nvPr>
+        </p:nvSpPr>
+        <p:spPr>
+          <a:xfrm>
+            <a:off x="1466904" y="2879863"/>
+            <a:ext cx="2195400" cy="537600"/>
+          </a:xfrm>
+          <a:prstGeom prst="rect">
+            <a:avLst/>
+          </a:prstGeom>
+        </p:spPr>
+        <p:txBody>
+          <a:bodyPr spcFirstLastPara="1" wrap="square" lIns="91425" tIns="91425" rIns="91425" bIns="91425" anchor="t" anchorCtr="0">
+            <a:noAutofit/>
+          </a:bodyPr>
+          <a:lstStyle/>
+          <a:p>
+            <a:pPr marL="0" lvl="0" indent="0" algn="l" rtl="0">
+              <a:spcBef>
+                <a:spcPts val="0"/>
+              </a:spcBef>
+              <a:spcAft>
+                <a:spcPts val="0"/>
+              </a:spcAft>
+              <a:buClr>
+                <a:schemeClr val="dk1"/>
+              </a:buClr>
+              <a:buSzPts val="1100"/>
+              <a:buFont typeface="Arial"/>
+              <a:buNone/>
+            </a:pPr>
+            <a:r>
+              <a:rPr lang="en"/>
+              <a:t>Lý do, công nghê, ứng dụng…</a:t>
+            </a:r>
+            <a:endParaRPr/>
+          </a:p>
+        </p:txBody>
+      </p:sp>
+      <p:sp>
+        <p:nvSpPr>
+          <p:cNvPr id="262" name="Google Shape;262;p38"/>
+          <p:cNvSpPr txBox="1">
+            <a:spLocks noGrp="1"/>
+          </p:cNvSpPr>
+          <p:nvPr>
+            <p:ph type="subTitle" idx="5"/>
+          </p:nvPr>
+        </p:nvSpPr>
+        <p:spPr>
+          <a:xfrm>
+            <a:off x="5458453" y="1810550"/>
+            <a:ext cx="2195400" cy="537600"/>
+          </a:xfrm>
+          <a:prstGeom prst="rect">
+            <a:avLst/>
+          </a:prstGeom>
+        </p:spPr>
+        <p:txBody>
+          <a:bodyPr spcFirstLastPara="1" wrap="square" lIns="91425" tIns="91425" rIns="91425" bIns="91425" anchor="t" anchorCtr="0">
+            <a:noAutofit/>
+          </a:bodyPr>
+          <a:lstStyle/>
+          <a:p>
+            <a:pPr marL="0" lvl="0" indent="0" algn="l" rtl="0">
+              <a:spcBef>
+                <a:spcPts val="0"/>
+              </a:spcBef>
+              <a:spcAft>
+                <a:spcPts val="0"/>
+              </a:spcAft>
+              <a:buNone/>
+            </a:pPr>
+            <a:r>
+              <a:rPr lang="en-US"/>
+              <a:t>Mô tả đặt điểm 1</a:t>
+            </a:r>
+          </a:p>
+        </p:txBody>
+      </p:sp>
+      <p:sp>
+        <p:nvSpPr>
+          <p:cNvPr id="263" name="Google Shape;263;p38"/>
+          <p:cNvSpPr txBox="1">
+            <a:spLocks noGrp="1"/>
+          </p:cNvSpPr>
+          <p:nvPr>
+            <p:ph type="subTitle" idx="7"/>
+          </p:nvPr>
+        </p:nvSpPr>
+        <p:spPr>
+          <a:xfrm>
+            <a:off x="5458453" y="2879856"/>
+            <a:ext cx="2197500" cy="537600"/>
+          </a:xfrm>
+          <a:prstGeom prst="rect">
+            <a:avLst/>
+          </a:prstGeom>
+        </p:spPr>
+        <p:txBody>
+          <a:bodyPr spcFirstLastPara="1" wrap="square" lIns="91425" tIns="91425" rIns="91425" bIns="91425" anchor="t" anchorCtr="0">
+            <a:noAutofit/>
+          </a:bodyPr>
+          <a:lstStyle/>
+          <a:p>
+            <a:pPr marL="0" lvl="0" indent="0" algn="l" rtl="0">
+              <a:spcBef>
+                <a:spcPts val="0"/>
+              </a:spcBef>
+              <a:spcAft>
+                <a:spcPts val="0"/>
+              </a:spcAft>
+              <a:buNone/>
+            </a:pPr>
+            <a:r>
+              <a:rPr lang="en-US"/>
+              <a:t>Mô tả đặt điểm 1</a:t>
+            </a:r>
+          </a:p>
+        </p:txBody>
+      </p:sp>
+      <p:sp>
+        <p:nvSpPr>
+          <p:cNvPr id="264" name="Google Shape;264;p38"/>
+          <p:cNvSpPr txBox="1">
+            <a:spLocks noGrp="1"/>
+          </p:cNvSpPr>
+          <p:nvPr>
+            <p:ph type="subTitle" idx="9"/>
+          </p:nvPr>
+        </p:nvSpPr>
+        <p:spPr>
+          <a:xfrm>
+            <a:off x="1465900" y="1476050"/>
+            <a:ext cx="3312322" cy="394200"/>
+          </a:xfrm>
+          <a:prstGeom prst="rect">
+            <a:avLst/>
+          </a:prstGeom>
+        </p:spPr>
+        <p:txBody>
+          <a:bodyPr spcFirstLastPara="1" wrap="square" lIns="91425" tIns="91425" rIns="91425" bIns="91425" anchor="b" anchorCtr="0">
+            <a:noAutofit/>
+          </a:bodyPr>
+          <a:lstStyle/>
+          <a:p>
+            <a:pPr marL="0" lvl="0" indent="0" algn="l" rtl="0">
+              <a:spcBef>
+                <a:spcPts val="0"/>
+              </a:spcBef>
+              <a:spcAft>
+                <a:spcPts val="0"/>
+              </a:spcAft>
+              <a:buNone/>
+            </a:pPr>
+            <a:r>
+              <a:rPr lang="en-US"/>
+              <a:t>GIỚI THIỆU THÀNH VIÊN</a:t>
+            </a:r>
+            <a:endParaRPr/>
+          </a:p>
+        </p:txBody>
+      </p:sp>
+      <p:sp>
+        <p:nvSpPr>
+          <p:cNvPr id="265" name="Google Shape;265;p38"/>
+          <p:cNvSpPr txBox="1">
+            <a:spLocks noGrp="1"/>
+          </p:cNvSpPr>
+          <p:nvPr>
+            <p:ph type="subTitle" idx="13"/>
+          </p:nvPr>
+        </p:nvSpPr>
+        <p:spPr>
+          <a:xfrm>
+            <a:off x="1467125" y="2548450"/>
+            <a:ext cx="2966100" cy="394200"/>
+          </a:xfrm>
+          <a:prstGeom prst="rect">
+            <a:avLst/>
+          </a:prstGeom>
+        </p:spPr>
+        <p:txBody>
+          <a:bodyPr spcFirstLastPara="1" wrap="square" lIns="91425" tIns="91425" rIns="91425" bIns="91425" anchor="b" anchorCtr="0">
+            <a:noAutofit/>
+          </a:bodyPr>
+          <a:lstStyle/>
+          <a:p>
+            <a:pPr marL="0" lvl="0" indent="0" algn="l" rtl="0">
+              <a:spcBef>
+                <a:spcPts val="0"/>
+              </a:spcBef>
+              <a:spcAft>
+                <a:spcPts val="0"/>
+              </a:spcAft>
+              <a:buClr>
+                <a:schemeClr val="dk1"/>
+              </a:buClr>
+              <a:buSzPts val="1100"/>
+              <a:buFont typeface="Arial"/>
+              <a:buNone/>
+            </a:pPr>
+            <a:r>
+              <a:rPr lang="en"/>
+              <a:t>MÔ TẢ ĐỒ ÁN</a:t>
+            </a:r>
+            <a:endParaRPr/>
+          </a:p>
+        </p:txBody>
+      </p:sp>
+      <p:sp>
+        <p:nvSpPr>
+          <p:cNvPr id="266" name="Google Shape;266;p38"/>
+          <p:cNvSpPr txBox="1">
+            <a:spLocks noGrp="1"/>
+          </p:cNvSpPr>
+          <p:nvPr>
+            <p:ph type="subTitle" idx="14"/>
+          </p:nvPr>
+        </p:nvSpPr>
+        <p:spPr>
+          <a:xfrm>
+            <a:off x="5458450" y="1476050"/>
+            <a:ext cx="2963700" cy="394200"/>
+          </a:xfrm>
+          <a:prstGeom prst="rect">
+            <a:avLst/>
+          </a:prstGeom>
+        </p:spPr>
+        <p:txBody>
+          <a:bodyPr spcFirstLastPara="1" wrap="square" lIns="91425" tIns="91425" rIns="91425" bIns="91425" anchor="b" anchorCtr="0">
+            <a:noAutofit/>
+          </a:bodyPr>
+          <a:lstStyle/>
+          <a:p>
+            <a:pPr marL="0" lvl="0" indent="0" algn="l" rtl="0">
+              <a:spcBef>
+                <a:spcPts val="0"/>
+              </a:spcBef>
+              <a:spcAft>
+                <a:spcPts val="0"/>
+              </a:spcAft>
+              <a:buNone/>
+            </a:pPr>
+            <a:r>
+              <a:rPr lang="en-US"/>
+              <a:t>ĐẶT ĐIỂM 1</a:t>
+            </a:r>
+            <a:endParaRPr/>
+          </a:p>
+        </p:txBody>
+      </p:sp>
+      <p:sp>
+        <p:nvSpPr>
+          <p:cNvPr id="267" name="Google Shape;267;p38"/>
+          <p:cNvSpPr txBox="1">
+            <a:spLocks noGrp="1"/>
+          </p:cNvSpPr>
+          <p:nvPr>
+            <p:ph type="subTitle" idx="15"/>
+          </p:nvPr>
+        </p:nvSpPr>
+        <p:spPr>
+          <a:xfrm>
+            <a:off x="5458453" y="2548450"/>
+            <a:ext cx="2966100" cy="394200"/>
+          </a:xfrm>
+          <a:prstGeom prst="rect">
+            <a:avLst/>
+          </a:prstGeom>
+        </p:spPr>
+        <p:txBody>
+          <a:bodyPr spcFirstLastPara="1" wrap="square" lIns="91425" tIns="91425" rIns="91425" bIns="91425" anchor="b" anchorCtr="0">
+            <a:noAutofit/>
+          </a:bodyPr>
+          <a:lstStyle/>
+          <a:p>
+            <a:pPr marL="0" lvl="0" indent="0" algn="l" rtl="0">
+              <a:spcBef>
+                <a:spcPts val="0"/>
+              </a:spcBef>
+              <a:spcAft>
+                <a:spcPts val="0"/>
+              </a:spcAft>
+              <a:buNone/>
+            </a:pPr>
+            <a:r>
+              <a:rPr lang="en-US"/>
+              <a:t>ĐẶT ĐIỂM 2</a:t>
+            </a:r>
+          </a:p>
+        </p:txBody>
+      </p:sp>
+      <p:sp>
+        <p:nvSpPr>
+          <p:cNvPr id="268" name="Google Shape;268;p38"/>
+          <p:cNvSpPr txBox="1">
+            <a:spLocks noGrp="1"/>
+          </p:cNvSpPr>
+          <p:nvPr>
+            <p:ph type="title" idx="16"/>
+          </p:nvPr>
+        </p:nvSpPr>
+        <p:spPr>
+          <a:xfrm>
+            <a:off x="719447" y="3620850"/>
+            <a:ext cx="726900" cy="394200"/>
+          </a:xfrm>
+          <a:prstGeom prst="rect">
+            <a:avLst/>
+          </a:prstGeom>
+        </p:spPr>
+        <p:txBody>
+          <a:bodyPr spcFirstLastPara="1" wrap="square" lIns="91425" tIns="91425" rIns="91425" bIns="91425" anchor="ctr" anchorCtr="0">
+            <a:noAutofit/>
+          </a:bodyPr>
+          <a:lstStyle/>
+          <a:p>
+            <a:pPr marL="0" lvl="0" indent="0" algn="ctr" rtl="0">
+              <a:spcBef>
+                <a:spcPts val="0"/>
+              </a:spcBef>
+              <a:spcAft>
+                <a:spcPts val="0"/>
+              </a:spcAft>
+              <a:buNone/>
+            </a:pPr>
+            <a:r>
+              <a:rPr lang="en"/>
+              <a:t>03</a:t>
+            </a:r>
+            <a:endParaRPr/>
+          </a:p>
+        </p:txBody>
+      </p:sp>
+      <p:sp>
+        <p:nvSpPr>
+          <p:cNvPr id="269" name="Google Shape;269;p38"/>
+          <p:cNvSpPr txBox="1">
+            <a:spLocks noGrp="1"/>
+          </p:cNvSpPr>
+          <p:nvPr>
+            <p:ph type="subTitle" idx="17"/>
+          </p:nvPr>
+        </p:nvSpPr>
+        <p:spPr>
+          <a:xfrm>
+            <a:off x="1466903" y="3949150"/>
+            <a:ext cx="2542721" cy="537600"/>
+          </a:xfrm>
+          <a:prstGeom prst="rect">
+            <a:avLst/>
+          </a:prstGeom>
+        </p:spPr>
+        <p:txBody>
+          <a:bodyPr spcFirstLastPara="1" wrap="square" lIns="91425" tIns="91425" rIns="91425" bIns="91425" anchor="t" anchorCtr="0">
+            <a:noAutofit/>
+          </a:bodyPr>
+          <a:lstStyle/>
+          <a:p>
+            <a:pPr marL="0" lvl="0" indent="0" algn="l" rtl="0">
+              <a:spcBef>
+                <a:spcPts val="0"/>
+              </a:spcBef>
+              <a:spcAft>
+                <a:spcPts val="0"/>
+              </a:spcAft>
+              <a:buClr>
+                <a:schemeClr val="dk1"/>
+              </a:buClr>
+              <a:buSzPts val="1100"/>
+              <a:buFont typeface="Arial"/>
+              <a:buNone/>
+            </a:pPr>
+            <a:r>
+              <a:rPr lang="en-US"/>
+              <a:t>Thu thập dữ liệu trên trang web.</a:t>
+            </a:r>
+            <a:endParaRPr/>
+          </a:p>
+        </p:txBody>
+      </p:sp>
+      <p:sp>
+        <p:nvSpPr>
+          <p:cNvPr id="270" name="Google Shape;270;p38"/>
+          <p:cNvSpPr txBox="1">
+            <a:spLocks noGrp="1"/>
+          </p:cNvSpPr>
+          <p:nvPr>
+            <p:ph type="title" idx="18"/>
+          </p:nvPr>
+        </p:nvSpPr>
+        <p:spPr>
+          <a:xfrm>
+            <a:off x="4708172" y="3620850"/>
+            <a:ext cx="726900" cy="394200"/>
+          </a:xfrm>
+          <a:prstGeom prst="rect">
+            <a:avLst/>
+          </a:prstGeom>
+        </p:spPr>
+        <p:txBody>
+          <a:bodyPr spcFirstLastPara="1" wrap="square" lIns="91425" tIns="91425" rIns="91425" bIns="91425" anchor="ctr" anchorCtr="0">
+            <a:noAutofit/>
+          </a:bodyPr>
+          <a:lstStyle/>
+          <a:p>
+            <a:pPr marL="0" lvl="0" indent="0" algn="ctr" rtl="0">
+              <a:spcBef>
+                <a:spcPts val="0"/>
+              </a:spcBef>
+              <a:spcAft>
+                <a:spcPts val="0"/>
+              </a:spcAft>
+              <a:buNone/>
+            </a:pPr>
+            <a:r>
+              <a:rPr lang="en"/>
+              <a:t>06</a:t>
+            </a:r>
+            <a:endParaRPr/>
+          </a:p>
+        </p:txBody>
+      </p:sp>
+      <p:sp>
+        <p:nvSpPr>
+          <p:cNvPr id="271" name="Google Shape;271;p38"/>
+          <p:cNvSpPr txBox="1">
+            <a:spLocks noGrp="1"/>
+          </p:cNvSpPr>
+          <p:nvPr>
+            <p:ph type="subTitle" idx="19"/>
+          </p:nvPr>
+        </p:nvSpPr>
+        <p:spPr>
+          <a:xfrm>
+            <a:off x="5458453" y="3949138"/>
+            <a:ext cx="2197500" cy="537600"/>
+          </a:xfrm>
+          <a:prstGeom prst="rect">
+            <a:avLst/>
+          </a:prstGeom>
+        </p:spPr>
+        <p:txBody>
+          <a:bodyPr spcFirstLastPara="1" wrap="square" lIns="91425" tIns="91425" rIns="91425" bIns="91425" anchor="t" anchorCtr="0">
+            <a:noAutofit/>
+          </a:bodyPr>
+          <a:lstStyle/>
+          <a:p>
+            <a:pPr marL="0" lvl="0" indent="0" algn="l" rtl="0">
+              <a:spcBef>
+                <a:spcPts val="0"/>
+              </a:spcBef>
+              <a:spcAft>
+                <a:spcPts val="0"/>
+              </a:spcAft>
+              <a:buClr>
+                <a:schemeClr val="dk1"/>
+              </a:buClr>
+              <a:buSzPts val="1100"/>
+              <a:buFont typeface="Arial"/>
+              <a:buNone/>
+            </a:pPr>
+            <a:r>
+              <a:rPr lang="en"/>
+              <a:t>Kết thúc</a:t>
+            </a:r>
+            <a:endParaRPr/>
+          </a:p>
+        </p:txBody>
+      </p:sp>
+      <p:sp>
+        <p:nvSpPr>
+          <p:cNvPr id="272" name="Google Shape;272;p38"/>
+          <p:cNvSpPr txBox="1">
+            <a:spLocks noGrp="1"/>
+          </p:cNvSpPr>
+          <p:nvPr>
+            <p:ph type="subTitle" idx="20"/>
+          </p:nvPr>
+        </p:nvSpPr>
+        <p:spPr>
+          <a:xfrm>
+            <a:off x="1465900" y="3620850"/>
+            <a:ext cx="2966100" cy="394200"/>
+          </a:xfrm>
+          <a:prstGeom prst="rect">
+            <a:avLst/>
+          </a:prstGeom>
+        </p:spPr>
+        <p:txBody>
+          <a:bodyPr spcFirstLastPara="1" wrap="square" lIns="91425" tIns="91425" rIns="91425" bIns="91425" anchor="b" anchorCtr="0">
+            <a:noAutofit/>
+          </a:bodyPr>
+          <a:lstStyle/>
+          <a:p>
+            <a:pPr marL="0" lvl="0" indent="0" algn="l" rtl="0">
+              <a:spcBef>
+                <a:spcPts val="0"/>
+              </a:spcBef>
+              <a:spcAft>
+                <a:spcPts val="0"/>
+              </a:spcAft>
+              <a:buNone/>
+            </a:pPr>
+            <a:r>
+              <a:rPr lang="en"/>
+              <a:t>DATA COLLECTION</a:t>
+            </a:r>
+            <a:endParaRPr/>
+          </a:p>
+        </p:txBody>
+      </p:sp>
+      <p:sp>
+        <p:nvSpPr>
+          <p:cNvPr id="273" name="Google Shape;273;p38"/>
+          <p:cNvSpPr txBox="1">
+            <a:spLocks noGrp="1"/>
+          </p:cNvSpPr>
+          <p:nvPr>
+            <p:ph type="subTitle" idx="21"/>
+          </p:nvPr>
+        </p:nvSpPr>
+        <p:spPr>
+          <a:xfrm>
+            <a:off x="5458450" y="3620850"/>
+            <a:ext cx="2966100" cy="394200"/>
+          </a:xfrm>
+          <a:prstGeom prst="rect">
+            <a:avLst/>
+          </a:prstGeom>
+        </p:spPr>
+        <p:txBody>
+          <a:bodyPr spcFirstLastPara="1" wrap="square" lIns="91425" tIns="91425" rIns="91425" bIns="91425" anchor="b" anchorCtr="0">
+            <a:noAutofit/>
+          </a:bodyPr>
+          <a:lstStyle/>
+          <a:p>
+            <a:pPr marL="0" lvl="0" indent="0" algn="l" rtl="0">
+              <a:spcBef>
+                <a:spcPts val="0"/>
+              </a:spcBef>
+              <a:spcAft>
+                <a:spcPts val="0"/>
+              </a:spcAft>
+              <a:buNone/>
+            </a:pPr>
+            <a:r>
+              <a:rPr lang="en-US"/>
+              <a:t>THE END</a:t>
+            </a:r>
+            <a:endParaRPr/>
+          </a:p>
+        </p:txBody>
+      </p:sp>
+      <p:grpSp>
+        <p:nvGrpSpPr>
+          <p:cNvPr id="274" name="Google Shape;274;p38"/>
+          <p:cNvGrpSpPr/>
+          <p:nvPr/>
+        </p:nvGrpSpPr>
+        <p:grpSpPr>
+          <a:xfrm rot="5400000">
+            <a:off x="8047251" y="731532"/>
+            <a:ext cx="566924" cy="182883"/>
+            <a:chOff x="322625" y="4867200"/>
+            <a:chExt cx="847800" cy="276300"/>
+          </a:xfrm>
+        </p:grpSpPr>
+        <p:cxnSp>
+          <p:nvCxnSpPr>
+            <p:cNvPr id="275" name="Google Shape;275;p38"/>
+            <p:cNvCxnSpPr/>
+            <p:nvPr/>
+          </p:nvCxnSpPr>
+          <p:spPr>
+            <a:xfrm flipH="1">
+              <a:off x="322625" y="4867200"/>
+              <a:ext cx="85800" cy="276300"/>
+            </a:xfrm>
+            <a:prstGeom prst="straightConnector1">
+              <a:avLst/>
+            </a:prstGeom>
+            <a:noFill/>
+            <a:ln w="28575" cap="flat" cmpd="sng">
+              <a:solidFill>
+                <a:schemeClr val="dk1"/>
+              </a:solidFill>
+              <a:prstDash val="solid"/>
+              <a:round/>
+              <a:headEnd type="none" w="med" len="med"/>
+              <a:tailEnd type="none" w="med" len="med"/>
+            </a:ln>
+          </p:spPr>
+        </p:cxnSp>
+        <p:cxnSp>
+          <p:nvCxnSpPr>
+            <p:cNvPr id="276" name="Google Shape;276;p38"/>
+            <p:cNvCxnSpPr/>
+            <p:nvPr/>
+          </p:nvCxnSpPr>
+          <p:spPr>
+            <a:xfrm flipH="1">
+              <a:off x="475025" y="4867200"/>
+              <a:ext cx="85800" cy="276300"/>
+            </a:xfrm>
+            <a:prstGeom prst="straightConnector1">
+              <a:avLst/>
+            </a:prstGeom>
+            <a:noFill/>
+            <a:ln w="28575" cap="flat" cmpd="sng">
+              <a:solidFill>
+                <a:schemeClr val="dk1"/>
+              </a:solidFill>
+              <a:prstDash val="solid"/>
+              <a:round/>
+              <a:headEnd type="none" w="med" len="med"/>
+              <a:tailEnd type="none" w="med" len="med"/>
+            </a:ln>
+          </p:spPr>
+        </p:cxnSp>
+        <p:cxnSp>
+          <p:nvCxnSpPr>
+            <p:cNvPr id="277" name="Google Shape;277;p38"/>
+            <p:cNvCxnSpPr/>
+            <p:nvPr/>
+          </p:nvCxnSpPr>
+          <p:spPr>
+            <a:xfrm flipH="1">
+              <a:off x="627425" y="4867200"/>
+              <a:ext cx="85800" cy="276300"/>
+            </a:xfrm>
+            <a:prstGeom prst="straightConnector1">
+              <a:avLst/>
+            </a:prstGeom>
+            <a:noFill/>
+            <a:ln w="28575" cap="flat" cmpd="sng">
+              <a:solidFill>
+                <a:schemeClr val="dk1"/>
+              </a:solidFill>
+              <a:prstDash val="solid"/>
+              <a:round/>
+              <a:headEnd type="none" w="med" len="med"/>
+              <a:tailEnd type="none" w="med" len="med"/>
+            </a:ln>
+          </p:spPr>
+        </p:cxnSp>
+        <p:cxnSp>
+          <p:nvCxnSpPr>
+            <p:cNvPr id="278" name="Google Shape;278;p38"/>
+            <p:cNvCxnSpPr/>
+            <p:nvPr/>
+          </p:nvCxnSpPr>
+          <p:spPr>
+            <a:xfrm flipH="1">
+              <a:off x="779825" y="4867200"/>
+              <a:ext cx="85800" cy="276300"/>
+            </a:xfrm>
+            <a:prstGeom prst="straightConnector1">
+              <a:avLst/>
+            </a:prstGeom>
+            <a:noFill/>
+            <a:ln w="28575" cap="flat" cmpd="sng">
+              <a:solidFill>
+                <a:schemeClr val="dk1"/>
+              </a:solidFill>
+              <a:prstDash val="solid"/>
+              <a:round/>
+              <a:headEnd type="none" w="med" len="med"/>
+              <a:tailEnd type="none" w="med" len="med"/>
+            </a:ln>
+          </p:spPr>
+        </p:cxnSp>
+        <p:cxnSp>
+          <p:nvCxnSpPr>
+            <p:cNvPr id="279" name="Google Shape;279;p38"/>
+            <p:cNvCxnSpPr/>
+            <p:nvPr/>
+          </p:nvCxnSpPr>
+          <p:spPr>
+            <a:xfrm flipH="1">
+              <a:off x="932225" y="4867200"/>
+              <a:ext cx="85800" cy="276300"/>
+            </a:xfrm>
+            <a:prstGeom prst="straightConnector1">
+              <a:avLst/>
+            </a:prstGeom>
+            <a:noFill/>
+            <a:ln w="28575" cap="flat" cmpd="sng">
+              <a:solidFill>
+                <a:schemeClr val="dk1"/>
+              </a:solidFill>
+              <a:prstDash val="solid"/>
+              <a:round/>
+              <a:headEnd type="none" w="med" len="med"/>
+              <a:tailEnd type="none" w="med" len="med"/>
+            </a:ln>
+          </p:spPr>
+        </p:cxnSp>
+        <p:cxnSp>
+          <p:nvCxnSpPr>
+            <p:cNvPr id="280" name="Google Shape;280;p38"/>
+            <p:cNvCxnSpPr/>
+            <p:nvPr/>
+          </p:nvCxnSpPr>
+          <p:spPr>
+            <a:xfrm flipH="1">
+              <a:off x="1084625" y="4867200"/>
+              <a:ext cx="85800" cy="276300"/>
+            </a:xfrm>
+            <a:prstGeom prst="straightConnector1">
+              <a:avLst/>
+            </a:prstGeom>
+            <a:noFill/>
+            <a:ln w="28575" cap="flat" cmpd="sng">
+              <a:solidFill>
+                <a:schemeClr val="dk1"/>
+              </a:solidFill>
+              <a:prstDash val="solid"/>
+              <a:round/>
+              <a:headEnd type="none" w="med" len="med"/>
+              <a:tailEnd type="none" w="med" len="med"/>
+            </a:ln>
+          </p:spPr>
+        </p:cxnSp>
+      </p:grpSp>
+    </p:spTree>
+  </p:cSld>
+  <p:clrMapOvr>
+    <a:masterClrMapping/>
+  </p:clrMapOvr>
+</p:sld>
+</file>
+
+<file path=ppt/slides/slide20.xml><?xml version="1.0" encoding="utf-8"?>
+<p:sld xmlns:a="http://schemas.openxmlformats.org/drawingml/2006/main" xmlns:r="http://schemas.openxmlformats.org/officeDocument/2006/relationships" xmlns:p="http://schemas.openxmlformats.org/presentationml/2006/main">
+  <p:cSld>
+    <p:spTree>
+      <p:nvGrpSpPr>
+        <p:cNvPr id="1" name="Shape 435"/>
+        <p:cNvGrpSpPr/>
+        <p:nvPr/>
+      </p:nvGrpSpPr>
+      <p:grpSpPr>
+        <a:xfrm>
+          <a:off x="0" y="0"/>
+          <a:ext cx="0" cy="0"/>
+          <a:chOff x="0" y="0"/>
+          <a:chExt cx="0" cy="0"/>
+        </a:xfrm>
+      </p:grpSpPr>
+      <p:sp>
+        <p:nvSpPr>
+          <p:cNvPr id="436" name="Google Shape;436;p46"/>
+          <p:cNvSpPr txBox="1">
+            <a:spLocks noGrp="1"/>
+          </p:cNvSpPr>
+          <p:nvPr>
+            <p:ph type="title"/>
+          </p:nvPr>
+        </p:nvSpPr>
+        <p:spPr>
+          <a:xfrm>
+            <a:off x="262333" y="598092"/>
+            <a:ext cx="3712981" cy="554461"/>
+          </a:xfrm>
+          <a:prstGeom prst="rect">
+            <a:avLst/>
+          </a:prstGeom>
+        </p:spPr>
+        <p:txBody>
+          <a:bodyPr spcFirstLastPara="1" wrap="square" lIns="91425" tIns="91425" rIns="91425" bIns="91425" anchor="t" anchorCtr="0">
+            <a:noAutofit/>
+          </a:bodyPr>
+          <a:lstStyle/>
+          <a:p>
+            <a:pPr marL="0" lvl="0" indent="0" algn="r" rtl="0">
+              <a:spcBef>
+                <a:spcPts val="0"/>
+              </a:spcBef>
+              <a:spcAft>
+                <a:spcPts val="0"/>
+              </a:spcAft>
+              <a:buNone/>
+            </a:pPr>
+            <a:r>
+              <a:rPr lang="en-US" sz="2800"/>
+              <a:t>Các câu hỏi đặt ra</a:t>
+            </a:r>
+          </a:p>
+        </p:txBody>
+      </p:sp>
+      <p:sp>
+        <p:nvSpPr>
+          <p:cNvPr id="437" name="Google Shape;437;p46"/>
+          <p:cNvSpPr txBox="1">
+            <a:spLocks noGrp="1"/>
+          </p:cNvSpPr>
+          <p:nvPr>
+            <p:ph type="subTitle" idx="1"/>
+          </p:nvPr>
+        </p:nvSpPr>
+        <p:spPr>
+          <a:xfrm>
+            <a:off x="538566" y="980900"/>
+            <a:ext cx="8066868" cy="3511853"/>
+          </a:xfrm>
+          <a:prstGeom prst="rect">
+            <a:avLst/>
+          </a:prstGeom>
+        </p:spPr>
+        <p:txBody>
+          <a:bodyPr spcFirstLastPara="1" wrap="square" lIns="91425" tIns="91425" rIns="91425" bIns="91425" anchor="t" anchorCtr="0">
+            <a:noAutofit/>
+          </a:bodyPr>
+          <a:lstStyle/>
+          <a:p>
+            <a:pPr marL="0" lvl="0" indent="0" algn="l" rtl="0">
+              <a:lnSpc>
+                <a:spcPct val="150000"/>
+              </a:lnSpc>
+              <a:spcBef>
+                <a:spcPts val="0"/>
+              </a:spcBef>
+              <a:spcAft>
+                <a:spcPts val="0"/>
+              </a:spcAft>
+            </a:pPr>
+            <a:r>
+              <a:rPr lang="vi-VN" sz="1600" b="1">
+                <a:latin typeface="Assistant" pitchFamily="2" charset="-79"/>
+                <a:cs typeface="Assistant" pitchFamily="2" charset="-79"/>
+              </a:rPr>
+              <a:t>Với mỗi cột có kiểu dữ liệu số, các giá trị phân bố như thế nào?</a:t>
+            </a:r>
+            <a:endParaRPr lang="en-US" sz="1600" b="1">
+              <a:latin typeface="Assistant" pitchFamily="2" charset="-79"/>
+              <a:cs typeface="Assistant" pitchFamily="2" charset="-79"/>
+            </a:endParaRPr>
+          </a:p>
+          <a:p>
+            <a:pPr marL="285750" lvl="0" indent="-285750" algn="l" rtl="0">
+              <a:lnSpc>
+                <a:spcPct val="150000"/>
+              </a:lnSpc>
+              <a:spcBef>
+                <a:spcPts val="0"/>
+              </a:spcBef>
+              <a:spcAft>
+                <a:spcPts val="0"/>
+              </a:spcAft>
+              <a:buFont typeface="Arial" panose="020B0604020202020204" pitchFamily="34" charset="0"/>
+              <a:buChar char="•"/>
+            </a:pPr>
+            <a:r>
+              <a:rPr lang="vi-VN">
+                <a:solidFill>
+                  <a:schemeClr val="tx1"/>
+                </a:solidFill>
+                <a:latin typeface="Assistant" pitchFamily="2" charset="-79"/>
+                <a:cs typeface="Assistant" pitchFamily="2" charset="-79"/>
+              </a:rPr>
+              <a:t>Với các cột có kiểu dữ liệu số, ta sẽ tính:</a:t>
+            </a:r>
+          </a:p>
+          <a:p>
+            <a:pPr marL="742950" lvl="1" indent="-285750">
+              <a:lnSpc>
+                <a:spcPct val="150000"/>
+              </a:lnSpc>
+              <a:buFont typeface="Arial" panose="020B0604020202020204" pitchFamily="34" charset="0"/>
+              <a:buChar char="•"/>
+            </a:pPr>
+            <a:r>
+              <a:rPr lang="vi-VN">
+                <a:solidFill>
+                  <a:schemeClr val="tx1"/>
+                </a:solidFill>
+                <a:latin typeface="Assistant" pitchFamily="2" charset="-79"/>
+                <a:cs typeface="Assistant" pitchFamily="2" charset="-79"/>
+              </a:rPr>
+              <a:t>Tỉ lệ % (từ 0 đến 100) các giá trị thiếu</a:t>
+            </a:r>
+          </a:p>
+          <a:p>
+            <a:pPr marL="742950" lvl="1" indent="-285750">
+              <a:lnSpc>
+                <a:spcPct val="150000"/>
+              </a:lnSpc>
+              <a:buFont typeface="Arial" panose="020B0604020202020204" pitchFamily="34" charset="0"/>
+              <a:buChar char="•"/>
+            </a:pPr>
+            <a:r>
+              <a:rPr lang="vi-VN">
+                <a:solidFill>
+                  <a:schemeClr val="tx1"/>
+                </a:solidFill>
+                <a:latin typeface="Assistant" pitchFamily="2" charset="-79"/>
+                <a:cs typeface="Assistant" pitchFamily="2" charset="-79"/>
+              </a:rPr>
+              <a:t>Giá trị min</a:t>
+            </a:r>
+          </a:p>
+          <a:p>
+            <a:pPr marL="742950" lvl="1" indent="-285750">
+              <a:lnSpc>
+                <a:spcPct val="150000"/>
+              </a:lnSpc>
+              <a:buFont typeface="Arial" panose="020B0604020202020204" pitchFamily="34" charset="0"/>
+              <a:buChar char="•"/>
+            </a:pPr>
+            <a:r>
+              <a:rPr lang="vi-VN">
+                <a:solidFill>
+                  <a:schemeClr val="tx1"/>
+                </a:solidFill>
+                <a:latin typeface="Assistant" pitchFamily="2" charset="-79"/>
+                <a:cs typeface="Assistant" pitchFamily="2" charset="-79"/>
+              </a:rPr>
+              <a:t>Giá trị lower quartile (phân vị 25)</a:t>
+            </a:r>
+          </a:p>
+          <a:p>
+            <a:pPr marL="742950" lvl="1" indent="-285750">
+              <a:lnSpc>
+                <a:spcPct val="150000"/>
+              </a:lnSpc>
+              <a:buFont typeface="Arial" panose="020B0604020202020204" pitchFamily="34" charset="0"/>
+              <a:buChar char="•"/>
+            </a:pPr>
+            <a:r>
+              <a:rPr lang="vi-VN">
+                <a:solidFill>
+                  <a:schemeClr val="tx1"/>
+                </a:solidFill>
+                <a:latin typeface="Assistant" pitchFamily="2" charset="-79"/>
+                <a:cs typeface="Assistant" pitchFamily="2" charset="-79"/>
+              </a:rPr>
+              <a:t>Giá trị median (phân vị 50)</a:t>
+            </a:r>
+          </a:p>
+          <a:p>
+            <a:pPr marL="742950" lvl="1" indent="-285750">
+              <a:lnSpc>
+                <a:spcPct val="150000"/>
+              </a:lnSpc>
+              <a:buFont typeface="Arial" panose="020B0604020202020204" pitchFamily="34" charset="0"/>
+              <a:buChar char="•"/>
+            </a:pPr>
+            <a:r>
+              <a:rPr lang="vi-VN">
+                <a:solidFill>
+                  <a:schemeClr val="tx1"/>
+                </a:solidFill>
+                <a:latin typeface="Assistant" pitchFamily="2" charset="-79"/>
+                <a:cs typeface="Assistant" pitchFamily="2" charset="-79"/>
+              </a:rPr>
+              <a:t>Giá trị upper quartile (phân vị 75)</a:t>
+            </a:r>
+          </a:p>
+          <a:p>
+            <a:pPr marL="742950" lvl="1" indent="-285750">
+              <a:lnSpc>
+                <a:spcPct val="150000"/>
+              </a:lnSpc>
+              <a:buFont typeface="Arial" panose="020B0604020202020204" pitchFamily="34" charset="0"/>
+              <a:buChar char="•"/>
+            </a:pPr>
+            <a:r>
+              <a:rPr lang="vi-VN">
+                <a:solidFill>
+                  <a:schemeClr val="tx1"/>
+                </a:solidFill>
+                <a:latin typeface="Assistant" pitchFamily="2" charset="-79"/>
+                <a:cs typeface="Assistant" pitchFamily="2" charset="-79"/>
+              </a:rPr>
+              <a:t>Giá trị max</a:t>
+            </a:r>
+          </a:p>
+          <a:p>
+            <a:pPr marL="285750" lvl="0" indent="-285750" algn="l" rtl="0">
+              <a:lnSpc>
+                <a:spcPct val="150000"/>
+              </a:lnSpc>
+              <a:spcBef>
+                <a:spcPts val="0"/>
+              </a:spcBef>
+              <a:spcAft>
+                <a:spcPts val="0"/>
+              </a:spcAft>
+              <a:buFont typeface="Arial" panose="020B0604020202020204" pitchFamily="34" charset="0"/>
+              <a:buChar char="•"/>
+            </a:pPr>
+            <a:r>
+              <a:rPr lang="vi-VN">
+                <a:solidFill>
+                  <a:schemeClr val="tx1"/>
+                </a:solidFill>
+                <a:latin typeface="Assistant" pitchFamily="2" charset="-79"/>
+                <a:cs typeface="Assistant" pitchFamily="2" charset="-79"/>
+              </a:rPr>
+              <a:t>Lưu kết quả vào DataFrame num_col_info_df, trong đó:</a:t>
+            </a:r>
+            <a:r>
+              <a:rPr lang="en-US">
+                <a:solidFill>
+                  <a:schemeClr val="tx1"/>
+                </a:solidFill>
+                <a:latin typeface="Assistant" pitchFamily="2" charset="-79"/>
+                <a:cs typeface="Assistant" pitchFamily="2" charset="-79"/>
+              </a:rPr>
+              <a:t>Xem xét tập giá trị của các thuộc tính phân loại</a:t>
+            </a:r>
+          </a:p>
+          <a:p>
+            <a:pPr marL="742950" lvl="1" indent="-285750">
+              <a:lnSpc>
+                <a:spcPct val="150000"/>
+              </a:lnSpc>
+              <a:buFont typeface="Arial" panose="020B0604020202020204" pitchFamily="34" charset="0"/>
+              <a:buChar char="•"/>
+            </a:pPr>
+            <a:r>
+              <a:rPr lang="en-US">
+                <a:solidFill>
+                  <a:schemeClr val="tx1"/>
+                </a:solidFill>
+                <a:latin typeface="Assistant" pitchFamily="2" charset="-79"/>
+                <a:cs typeface="Assistant" pitchFamily="2" charset="-79"/>
+              </a:rPr>
+              <a:t>Tên của các cột là tên của các cột số trong df</a:t>
+            </a:r>
+          </a:p>
+          <a:p>
+            <a:pPr marL="742950" lvl="1" indent="-285750">
+              <a:lnSpc>
+                <a:spcPct val="150000"/>
+              </a:lnSpc>
+              <a:buFont typeface="Arial" panose="020B0604020202020204" pitchFamily="34" charset="0"/>
+              <a:buChar char="•"/>
+            </a:pPr>
+            <a:r>
+              <a:rPr lang="en-US">
+                <a:solidFill>
+                  <a:schemeClr val="tx1"/>
+                </a:solidFill>
+                <a:latin typeface="Assistant" pitchFamily="2" charset="-79"/>
+                <a:cs typeface="Assistant" pitchFamily="2" charset="-79"/>
+              </a:rPr>
+              <a:t>Tên của các dòng là: missing_ratio, min, lower_quartile, median, upper_quartile, max </a:t>
+            </a:r>
+          </a:p>
+          <a:p>
+            <a:pPr marL="742950" lvl="1" indent="-285750">
+              <a:lnSpc>
+                <a:spcPct val="150000"/>
+              </a:lnSpc>
+              <a:buFont typeface="Arial" panose="020B0604020202020204" pitchFamily="34" charset="0"/>
+              <a:buChar char="•"/>
+            </a:pPr>
+            <a:endParaRPr lang="en-US">
+              <a:solidFill>
+                <a:schemeClr val="tx1"/>
+              </a:solidFill>
+              <a:latin typeface="Assistant" pitchFamily="2" charset="-79"/>
+              <a:cs typeface="Assistant" pitchFamily="2" charset="-79"/>
+            </a:endParaRPr>
+          </a:p>
+        </p:txBody>
+      </p:sp>
+      <p:grpSp>
+        <p:nvGrpSpPr>
+          <p:cNvPr id="438" name="Google Shape;438;p46"/>
+          <p:cNvGrpSpPr/>
+          <p:nvPr/>
+        </p:nvGrpSpPr>
+        <p:grpSpPr>
+          <a:xfrm rot="5400000">
+            <a:off x="8075255" y="981469"/>
+            <a:ext cx="566924" cy="182883"/>
+            <a:chOff x="322625" y="4867200"/>
+            <a:chExt cx="847800" cy="276300"/>
+          </a:xfrm>
+        </p:grpSpPr>
+        <p:cxnSp>
+          <p:nvCxnSpPr>
+            <p:cNvPr id="439" name="Google Shape;439;p46"/>
+            <p:cNvCxnSpPr/>
+            <p:nvPr/>
+          </p:nvCxnSpPr>
+          <p:spPr>
+            <a:xfrm flipH="1">
+              <a:off x="322625" y="4867200"/>
+              <a:ext cx="85800" cy="276300"/>
+            </a:xfrm>
+            <a:prstGeom prst="straightConnector1">
+              <a:avLst/>
+            </a:prstGeom>
+            <a:noFill/>
+            <a:ln w="28575" cap="flat" cmpd="sng">
+              <a:solidFill>
+                <a:schemeClr val="dk1"/>
+              </a:solidFill>
+              <a:prstDash val="solid"/>
+              <a:round/>
+              <a:headEnd type="none" w="med" len="med"/>
+              <a:tailEnd type="none" w="med" len="med"/>
+            </a:ln>
+          </p:spPr>
+        </p:cxnSp>
+        <p:cxnSp>
+          <p:nvCxnSpPr>
+            <p:cNvPr id="440" name="Google Shape;440;p46"/>
+            <p:cNvCxnSpPr/>
+            <p:nvPr/>
+          </p:nvCxnSpPr>
+          <p:spPr>
+            <a:xfrm flipH="1">
+              <a:off x="475025" y="4867200"/>
+              <a:ext cx="85800" cy="276300"/>
+            </a:xfrm>
+            <a:prstGeom prst="straightConnector1">
+              <a:avLst/>
+            </a:prstGeom>
+            <a:noFill/>
+            <a:ln w="28575" cap="flat" cmpd="sng">
+              <a:solidFill>
+                <a:schemeClr val="dk1"/>
+              </a:solidFill>
+              <a:prstDash val="solid"/>
+              <a:round/>
+              <a:headEnd type="none" w="med" len="med"/>
+              <a:tailEnd type="none" w="med" len="med"/>
+            </a:ln>
+          </p:spPr>
+        </p:cxnSp>
+        <p:cxnSp>
+          <p:nvCxnSpPr>
+            <p:cNvPr id="441" name="Google Shape;441;p46"/>
+            <p:cNvCxnSpPr/>
+            <p:nvPr/>
+          </p:nvCxnSpPr>
+          <p:spPr>
+            <a:xfrm flipH="1">
+              <a:off x="627425" y="4867200"/>
+              <a:ext cx="85800" cy="276300"/>
+            </a:xfrm>
+            <a:prstGeom prst="straightConnector1">
+              <a:avLst/>
+            </a:prstGeom>
+            <a:noFill/>
+            <a:ln w="28575" cap="flat" cmpd="sng">
+              <a:solidFill>
+                <a:schemeClr val="dk1"/>
+              </a:solidFill>
+              <a:prstDash val="solid"/>
+              <a:round/>
+              <a:headEnd type="none" w="med" len="med"/>
+              <a:tailEnd type="none" w="med" len="med"/>
+            </a:ln>
+          </p:spPr>
+        </p:cxnSp>
+        <p:cxnSp>
+          <p:nvCxnSpPr>
+            <p:cNvPr id="442" name="Google Shape;442;p46"/>
+            <p:cNvCxnSpPr/>
+            <p:nvPr/>
+          </p:nvCxnSpPr>
+          <p:spPr>
+            <a:xfrm flipH="1">
+              <a:off x="779825" y="4867200"/>
+              <a:ext cx="85800" cy="276300"/>
+            </a:xfrm>
+            <a:prstGeom prst="straightConnector1">
+              <a:avLst/>
+            </a:prstGeom>
+            <a:noFill/>
+            <a:ln w="28575" cap="flat" cmpd="sng">
+              <a:solidFill>
+                <a:schemeClr val="dk1"/>
+              </a:solidFill>
+              <a:prstDash val="solid"/>
+              <a:round/>
+              <a:headEnd type="none" w="med" len="med"/>
+              <a:tailEnd type="none" w="med" len="med"/>
+            </a:ln>
+          </p:spPr>
+        </p:cxnSp>
+        <p:cxnSp>
+          <p:nvCxnSpPr>
+            <p:cNvPr id="443" name="Google Shape;443;p46"/>
+            <p:cNvCxnSpPr/>
+            <p:nvPr/>
+          </p:nvCxnSpPr>
+          <p:spPr>
+            <a:xfrm flipH="1">
+              <a:off x="932225" y="4867200"/>
+              <a:ext cx="85800" cy="276300"/>
+            </a:xfrm>
+            <a:prstGeom prst="straightConnector1">
+              <a:avLst/>
+            </a:prstGeom>
+            <a:noFill/>
+            <a:ln w="28575" cap="flat" cmpd="sng">
+              <a:solidFill>
+                <a:schemeClr val="dk1"/>
+              </a:solidFill>
+              <a:prstDash val="solid"/>
+              <a:round/>
+              <a:headEnd type="none" w="med" len="med"/>
+              <a:tailEnd type="none" w="med" len="med"/>
+            </a:ln>
+          </p:spPr>
+        </p:cxnSp>
+        <p:cxnSp>
+          <p:nvCxnSpPr>
+            <p:cNvPr id="444" name="Google Shape;444;p46"/>
+            <p:cNvCxnSpPr/>
+            <p:nvPr/>
+          </p:nvCxnSpPr>
+          <p:spPr>
+            <a:xfrm flipH="1">
+              <a:off x="1084625" y="4867200"/>
+              <a:ext cx="85800" cy="276300"/>
+            </a:xfrm>
+            <a:prstGeom prst="straightConnector1">
+              <a:avLst/>
+            </a:prstGeom>
+            <a:noFill/>
+            <a:ln w="28575" cap="flat" cmpd="sng">
+              <a:solidFill>
+                <a:schemeClr val="dk1"/>
+              </a:solidFill>
+              <a:prstDash val="solid"/>
+              <a:round/>
+              <a:headEnd type="none" w="med" len="med"/>
+              <a:tailEnd type="none" w="med" len="med"/>
+            </a:ln>
+          </p:spPr>
+        </p:cxnSp>
+      </p:grpSp>
+    </p:spTree>
+    <p:extLst>
+      <p:ext uri="{BB962C8B-B14F-4D97-AF65-F5344CB8AC3E}">
+        <p14:creationId xmlns:p14="http://schemas.microsoft.com/office/powerpoint/2010/main" val="2344925217"/>
+      </p:ext>
+    </p:extLst>
+  </p:cSld>
+  <p:clrMapOvr>
+    <a:masterClrMapping/>
+  </p:clrMapOvr>
+</p:sld>
+</file>
+
+<file path=ppt/slides/slide21.xml><?xml version="1.0" encoding="utf-8"?>
+<p:sld xmlns:a="http://schemas.openxmlformats.org/drawingml/2006/main" xmlns:r="http://schemas.openxmlformats.org/officeDocument/2006/relationships" xmlns:p="http://schemas.openxmlformats.org/presentationml/2006/main">
+  <p:cSld>
+    <p:spTree>
+      <p:nvGrpSpPr>
+        <p:cNvPr id="1" name="Shape 435"/>
+        <p:cNvGrpSpPr/>
+        <p:nvPr/>
+      </p:nvGrpSpPr>
+      <p:grpSpPr>
+        <a:xfrm>
+          <a:off x="0" y="0"/>
+          <a:ext cx="0" cy="0"/>
+          <a:chOff x="0" y="0"/>
+          <a:chExt cx="0" cy="0"/>
+        </a:xfrm>
+      </p:grpSpPr>
+      <p:sp>
+        <p:nvSpPr>
+          <p:cNvPr id="436" name="Google Shape;436;p46"/>
+          <p:cNvSpPr txBox="1">
+            <a:spLocks noGrp="1"/>
+          </p:cNvSpPr>
+          <p:nvPr>
+            <p:ph type="title"/>
+          </p:nvPr>
+        </p:nvSpPr>
+        <p:spPr>
+          <a:xfrm>
+            <a:off x="262333" y="598092"/>
+            <a:ext cx="3712981" cy="554461"/>
+          </a:xfrm>
+          <a:prstGeom prst="rect">
+            <a:avLst/>
+          </a:prstGeom>
+        </p:spPr>
+        <p:txBody>
+          <a:bodyPr spcFirstLastPara="1" wrap="square" lIns="91425" tIns="91425" rIns="91425" bIns="91425" anchor="t" anchorCtr="0">
+            <a:noAutofit/>
+          </a:bodyPr>
+          <a:lstStyle/>
+          <a:p>
+            <a:pPr marL="0" lvl="0" indent="0" algn="r" rtl="0">
+              <a:spcBef>
+                <a:spcPts val="0"/>
+              </a:spcBef>
+              <a:spcAft>
+                <a:spcPts val="0"/>
+              </a:spcAft>
+              <a:buNone/>
+            </a:pPr>
+            <a:r>
+              <a:rPr lang="en-US" sz="2800"/>
+              <a:t>Các câu hỏi đặt ra</a:t>
+            </a:r>
+          </a:p>
+        </p:txBody>
+      </p:sp>
+      <p:sp>
+        <p:nvSpPr>
+          <p:cNvPr id="437" name="Google Shape;437;p46"/>
+          <p:cNvSpPr txBox="1">
+            <a:spLocks noGrp="1"/>
+          </p:cNvSpPr>
+          <p:nvPr>
+            <p:ph type="subTitle" idx="1"/>
+          </p:nvPr>
+        </p:nvSpPr>
+        <p:spPr>
+          <a:xfrm>
+            <a:off x="538566" y="980901"/>
+            <a:ext cx="8066868" cy="497088"/>
+          </a:xfrm>
+          <a:prstGeom prst="rect">
+            <a:avLst/>
+          </a:prstGeom>
+        </p:spPr>
+        <p:txBody>
+          <a:bodyPr spcFirstLastPara="1" wrap="square" lIns="91425" tIns="91425" rIns="91425" bIns="91425" anchor="t" anchorCtr="0">
+            <a:noAutofit/>
+          </a:bodyPr>
+          <a:lstStyle/>
+          <a:p>
+            <a:pPr marL="0" lvl="0" indent="0" algn="l" rtl="0">
+              <a:lnSpc>
+                <a:spcPct val="150000"/>
+              </a:lnSpc>
+              <a:spcBef>
+                <a:spcPts val="0"/>
+              </a:spcBef>
+              <a:spcAft>
+                <a:spcPts val="0"/>
+              </a:spcAft>
+            </a:pPr>
+            <a:r>
+              <a:rPr lang="vi-VN" sz="1600" b="1">
+                <a:latin typeface="Assistant" pitchFamily="2" charset="-79"/>
+                <a:cs typeface="Assistant" pitchFamily="2" charset="-79"/>
+              </a:rPr>
+              <a:t>Với mỗi cột có kiểu dữ liệu số, các giá trị phân bố như thế nào?</a:t>
+            </a:r>
+            <a:endParaRPr lang="en-US" sz="1600" b="1">
+              <a:latin typeface="Assistant" pitchFamily="2" charset="-79"/>
+              <a:cs typeface="Assistant" pitchFamily="2" charset="-79"/>
+            </a:endParaRPr>
+          </a:p>
+        </p:txBody>
+      </p:sp>
+      <p:grpSp>
+        <p:nvGrpSpPr>
+          <p:cNvPr id="438" name="Google Shape;438;p46"/>
+          <p:cNvGrpSpPr/>
+          <p:nvPr/>
+        </p:nvGrpSpPr>
+        <p:grpSpPr>
+          <a:xfrm rot="5400000">
+            <a:off x="8075255" y="981469"/>
+            <a:ext cx="566924" cy="182883"/>
+            <a:chOff x="322625" y="4867200"/>
+            <a:chExt cx="847800" cy="276300"/>
+          </a:xfrm>
+        </p:grpSpPr>
+        <p:cxnSp>
+          <p:nvCxnSpPr>
+            <p:cNvPr id="439" name="Google Shape;439;p46"/>
+            <p:cNvCxnSpPr/>
+            <p:nvPr/>
+          </p:nvCxnSpPr>
+          <p:spPr>
+            <a:xfrm flipH="1">
+              <a:off x="322625" y="4867200"/>
+              <a:ext cx="85800" cy="276300"/>
+            </a:xfrm>
+            <a:prstGeom prst="straightConnector1">
+              <a:avLst/>
+            </a:prstGeom>
+            <a:noFill/>
+            <a:ln w="28575" cap="flat" cmpd="sng">
+              <a:solidFill>
+                <a:schemeClr val="dk1"/>
+              </a:solidFill>
+              <a:prstDash val="solid"/>
+              <a:round/>
+              <a:headEnd type="none" w="med" len="med"/>
+              <a:tailEnd type="none" w="med" len="med"/>
+            </a:ln>
+          </p:spPr>
+        </p:cxnSp>
+        <p:cxnSp>
+          <p:nvCxnSpPr>
+            <p:cNvPr id="440" name="Google Shape;440;p46"/>
+            <p:cNvCxnSpPr/>
+            <p:nvPr/>
+          </p:nvCxnSpPr>
+          <p:spPr>
+            <a:xfrm flipH="1">
+              <a:off x="475025" y="4867200"/>
+              <a:ext cx="85800" cy="276300"/>
+            </a:xfrm>
+            <a:prstGeom prst="straightConnector1">
+              <a:avLst/>
+            </a:prstGeom>
+            <a:noFill/>
+            <a:ln w="28575" cap="flat" cmpd="sng">
+              <a:solidFill>
+                <a:schemeClr val="dk1"/>
+              </a:solidFill>
+              <a:prstDash val="solid"/>
+              <a:round/>
+              <a:headEnd type="none" w="med" len="med"/>
+              <a:tailEnd type="none" w="med" len="med"/>
+            </a:ln>
+          </p:spPr>
+        </p:cxnSp>
+        <p:cxnSp>
+          <p:nvCxnSpPr>
+            <p:cNvPr id="441" name="Google Shape;441;p46"/>
+            <p:cNvCxnSpPr/>
+            <p:nvPr/>
+          </p:nvCxnSpPr>
+          <p:spPr>
+            <a:xfrm flipH="1">
+              <a:off x="627425" y="4867200"/>
+              <a:ext cx="85800" cy="276300"/>
+            </a:xfrm>
+            <a:prstGeom prst="straightConnector1">
+              <a:avLst/>
+            </a:prstGeom>
+            <a:noFill/>
+            <a:ln w="28575" cap="flat" cmpd="sng">
+              <a:solidFill>
+                <a:schemeClr val="dk1"/>
+              </a:solidFill>
+              <a:prstDash val="solid"/>
+              <a:round/>
+              <a:headEnd type="none" w="med" len="med"/>
+              <a:tailEnd type="none" w="med" len="med"/>
+            </a:ln>
+          </p:spPr>
+        </p:cxnSp>
+        <p:cxnSp>
+          <p:nvCxnSpPr>
+            <p:cNvPr id="442" name="Google Shape;442;p46"/>
+            <p:cNvCxnSpPr/>
+            <p:nvPr/>
+          </p:nvCxnSpPr>
+          <p:spPr>
+            <a:xfrm flipH="1">
+              <a:off x="779825" y="4867200"/>
+              <a:ext cx="85800" cy="276300"/>
+            </a:xfrm>
+            <a:prstGeom prst="straightConnector1">
+              <a:avLst/>
+            </a:prstGeom>
+            <a:noFill/>
+            <a:ln w="28575" cap="flat" cmpd="sng">
+              <a:solidFill>
+                <a:schemeClr val="dk1"/>
+              </a:solidFill>
+              <a:prstDash val="solid"/>
+              <a:round/>
+              <a:headEnd type="none" w="med" len="med"/>
+              <a:tailEnd type="none" w="med" len="med"/>
+            </a:ln>
+          </p:spPr>
+        </p:cxnSp>
+        <p:cxnSp>
+          <p:nvCxnSpPr>
+            <p:cNvPr id="443" name="Google Shape;443;p46"/>
+            <p:cNvCxnSpPr/>
+            <p:nvPr/>
+          </p:nvCxnSpPr>
+          <p:spPr>
+            <a:xfrm flipH="1">
+              <a:off x="932225" y="4867200"/>
+              <a:ext cx="85800" cy="276300"/>
+            </a:xfrm>
+            <a:prstGeom prst="straightConnector1">
+              <a:avLst/>
+            </a:prstGeom>
+            <a:noFill/>
+            <a:ln w="28575" cap="flat" cmpd="sng">
+              <a:solidFill>
+                <a:schemeClr val="dk1"/>
+              </a:solidFill>
+              <a:prstDash val="solid"/>
+              <a:round/>
+              <a:headEnd type="none" w="med" len="med"/>
+              <a:tailEnd type="none" w="med" len="med"/>
+            </a:ln>
+          </p:spPr>
+        </p:cxnSp>
+        <p:cxnSp>
+          <p:nvCxnSpPr>
+            <p:cNvPr id="444" name="Google Shape;444;p46"/>
+            <p:cNvCxnSpPr/>
+            <p:nvPr/>
+          </p:nvCxnSpPr>
+          <p:spPr>
+            <a:xfrm flipH="1">
+              <a:off x="1084625" y="4867200"/>
+              <a:ext cx="85800" cy="276300"/>
+            </a:xfrm>
+            <a:prstGeom prst="straightConnector1">
+              <a:avLst/>
+            </a:prstGeom>
+            <a:noFill/>
+            <a:ln w="28575" cap="flat" cmpd="sng">
+              <a:solidFill>
+                <a:schemeClr val="dk1"/>
+              </a:solidFill>
+              <a:prstDash val="solid"/>
+              <a:round/>
+              <a:headEnd type="none" w="med" len="med"/>
+              <a:tailEnd type="none" w="med" len="med"/>
+            </a:ln>
+          </p:spPr>
+        </p:cxnSp>
+      </p:grpSp>
+      <p:pic>
+        <p:nvPicPr>
+          <p:cNvPr id="1028" name="Picture 4">
+            <a:extLst>
+              <a:ext uri="{FF2B5EF4-FFF2-40B4-BE49-F238E27FC236}">
+                <a16:creationId xmlns:a16="http://schemas.microsoft.com/office/drawing/2014/main" id="{2A17B92C-FC00-FDF1-4590-5F1904F8D044}"/>
+              </a:ext>
+            </a:extLst>
+          </p:cNvPr>
+          <p:cNvPicPr>
+            <a:picLocks noChangeAspect="1" noChangeArrowheads="1"/>
+          </p:cNvPicPr>
+          <p:nvPr/>
+        </p:nvPicPr>
+        <p:blipFill>
+          <a:blip r:embed="rId3">
+            <a:extLst>
+              <a:ext uri="{28A0092B-C50C-407E-A947-70E740481C1C}">
+                <a14:useLocalDpi xmlns:a14="http://schemas.microsoft.com/office/drawing/2010/main" val="0"/>
+              </a:ext>
+            </a:extLst>
+          </a:blip>
+          <a:srcRect/>
+          <a:stretch>
+            <a:fillRect/>
+          </a:stretch>
+        </p:blipFill>
+        <p:spPr bwMode="auto">
+          <a:xfrm>
+            <a:off x="785343" y="1860798"/>
+            <a:ext cx="7560185" cy="2085614"/>
+          </a:xfrm>
+          <a:prstGeom prst="rect">
+            <a:avLst/>
+          </a:prstGeom>
+          <a:noFill/>
+          <a:extLst>
+            <a:ext uri="{909E8E84-426E-40DD-AFC4-6F175D3DCCD1}">
+              <a14:hiddenFill xmlns:a14="http://schemas.microsoft.com/office/drawing/2010/main">
+                <a:solidFill>
+                  <a:srgbClr val="FFFFFF"/>
+                </a:solidFill>
+              </a14:hiddenFill>
+            </a:ext>
+          </a:extLst>
+        </p:spPr>
+      </p:pic>
+      <p:grpSp>
+        <p:nvGrpSpPr>
+          <p:cNvPr id="2" name="Google Shape;446;p46">
+            <a:extLst>
+              <a:ext uri="{FF2B5EF4-FFF2-40B4-BE49-F238E27FC236}">
+                <a16:creationId xmlns:a16="http://schemas.microsoft.com/office/drawing/2014/main" id="{56BC81CF-75D6-85E3-4A2F-19F281FBE7D7}"/>
+              </a:ext>
+            </a:extLst>
+          </p:cNvPr>
+          <p:cNvGrpSpPr/>
+          <p:nvPr/>
+        </p:nvGrpSpPr>
+        <p:grpSpPr>
+          <a:xfrm>
+            <a:off x="2424249" y="4757834"/>
+            <a:ext cx="566924" cy="182883"/>
+            <a:chOff x="322625" y="4867200"/>
+            <a:chExt cx="847800" cy="276300"/>
+          </a:xfrm>
+        </p:grpSpPr>
+        <p:cxnSp>
+          <p:nvCxnSpPr>
+            <p:cNvPr id="3" name="Google Shape;447;p46">
+              <a:extLst>
+                <a:ext uri="{FF2B5EF4-FFF2-40B4-BE49-F238E27FC236}">
+                  <a16:creationId xmlns:a16="http://schemas.microsoft.com/office/drawing/2014/main" id="{C333FB75-E392-8E66-DF12-49A7F828BA11}"/>
+                </a:ext>
+              </a:extLst>
+            </p:cNvPr>
+            <p:cNvCxnSpPr/>
+            <p:nvPr/>
+          </p:nvCxnSpPr>
+          <p:spPr>
+            <a:xfrm flipH="1">
+              <a:off x="322625" y="4867200"/>
+              <a:ext cx="85800" cy="276300"/>
+            </a:xfrm>
+            <a:prstGeom prst="straightConnector1">
+              <a:avLst/>
+            </a:prstGeom>
+            <a:noFill/>
+            <a:ln w="28575" cap="flat" cmpd="sng">
+              <a:solidFill>
+                <a:schemeClr val="dk1"/>
+              </a:solidFill>
+              <a:prstDash val="solid"/>
+              <a:round/>
+              <a:headEnd type="none" w="med" len="med"/>
+              <a:tailEnd type="none" w="med" len="med"/>
+            </a:ln>
+          </p:spPr>
+        </p:cxnSp>
+        <p:cxnSp>
+          <p:nvCxnSpPr>
+            <p:cNvPr id="4" name="Google Shape;448;p46">
+              <a:extLst>
+                <a:ext uri="{FF2B5EF4-FFF2-40B4-BE49-F238E27FC236}">
+                  <a16:creationId xmlns:a16="http://schemas.microsoft.com/office/drawing/2014/main" id="{D759C946-FF9E-37D6-508E-433F540D4B2E}"/>
+                </a:ext>
+              </a:extLst>
+            </p:cNvPr>
+            <p:cNvCxnSpPr/>
+            <p:nvPr/>
+          </p:nvCxnSpPr>
+          <p:spPr>
+            <a:xfrm flipH="1">
+              <a:off x="475025" y="4867200"/>
+              <a:ext cx="85800" cy="276300"/>
+            </a:xfrm>
+            <a:prstGeom prst="straightConnector1">
+              <a:avLst/>
+            </a:prstGeom>
+            <a:noFill/>
+            <a:ln w="28575" cap="flat" cmpd="sng">
+              <a:solidFill>
+                <a:schemeClr val="dk1"/>
+              </a:solidFill>
+              <a:prstDash val="solid"/>
+              <a:round/>
+              <a:headEnd type="none" w="med" len="med"/>
+              <a:tailEnd type="none" w="med" len="med"/>
+            </a:ln>
+          </p:spPr>
+        </p:cxnSp>
+        <p:cxnSp>
+          <p:nvCxnSpPr>
+            <p:cNvPr id="5" name="Google Shape;449;p46">
+              <a:extLst>
+                <a:ext uri="{FF2B5EF4-FFF2-40B4-BE49-F238E27FC236}">
+                  <a16:creationId xmlns:a16="http://schemas.microsoft.com/office/drawing/2014/main" id="{D94DEF8E-9CAF-2344-5A0F-C462F89E4105}"/>
+                </a:ext>
+              </a:extLst>
+            </p:cNvPr>
+            <p:cNvCxnSpPr/>
+            <p:nvPr/>
+          </p:nvCxnSpPr>
+          <p:spPr>
+            <a:xfrm flipH="1">
+              <a:off x="627425" y="4867200"/>
+              <a:ext cx="85800" cy="276300"/>
+            </a:xfrm>
+            <a:prstGeom prst="straightConnector1">
+              <a:avLst/>
+            </a:prstGeom>
+            <a:noFill/>
+            <a:ln w="28575" cap="flat" cmpd="sng">
+              <a:solidFill>
+                <a:schemeClr val="dk1"/>
+              </a:solidFill>
+              <a:prstDash val="solid"/>
+              <a:round/>
+              <a:headEnd type="none" w="med" len="med"/>
+              <a:tailEnd type="none" w="med" len="med"/>
+            </a:ln>
+          </p:spPr>
+        </p:cxnSp>
+        <p:cxnSp>
+          <p:nvCxnSpPr>
+            <p:cNvPr id="6" name="Google Shape;450;p46">
+              <a:extLst>
+                <a:ext uri="{FF2B5EF4-FFF2-40B4-BE49-F238E27FC236}">
+                  <a16:creationId xmlns:a16="http://schemas.microsoft.com/office/drawing/2014/main" id="{307D509D-195C-D32F-DFBB-EA3E96344B3D}"/>
+                </a:ext>
+              </a:extLst>
+            </p:cNvPr>
+            <p:cNvCxnSpPr/>
+            <p:nvPr/>
+          </p:nvCxnSpPr>
+          <p:spPr>
+            <a:xfrm flipH="1">
+              <a:off x="779825" y="4867200"/>
+              <a:ext cx="85800" cy="276300"/>
+            </a:xfrm>
+            <a:prstGeom prst="straightConnector1">
+              <a:avLst/>
+            </a:prstGeom>
+            <a:noFill/>
+            <a:ln w="28575" cap="flat" cmpd="sng">
+              <a:solidFill>
+                <a:schemeClr val="dk1"/>
+              </a:solidFill>
+              <a:prstDash val="solid"/>
+              <a:round/>
+              <a:headEnd type="none" w="med" len="med"/>
+              <a:tailEnd type="none" w="med" len="med"/>
+            </a:ln>
+          </p:spPr>
+        </p:cxnSp>
+        <p:cxnSp>
+          <p:nvCxnSpPr>
+            <p:cNvPr id="7" name="Google Shape;451;p46">
+              <a:extLst>
+                <a:ext uri="{FF2B5EF4-FFF2-40B4-BE49-F238E27FC236}">
+                  <a16:creationId xmlns:a16="http://schemas.microsoft.com/office/drawing/2014/main" id="{14821432-A239-2B7B-2439-A9DD083786B1}"/>
+                </a:ext>
+              </a:extLst>
+            </p:cNvPr>
+            <p:cNvCxnSpPr/>
+            <p:nvPr/>
+          </p:nvCxnSpPr>
+          <p:spPr>
+            <a:xfrm flipH="1">
+              <a:off x="932225" y="4867200"/>
+              <a:ext cx="85800" cy="276300"/>
+            </a:xfrm>
+            <a:prstGeom prst="straightConnector1">
+              <a:avLst/>
+            </a:prstGeom>
+            <a:noFill/>
+            <a:ln w="28575" cap="flat" cmpd="sng">
+              <a:solidFill>
+                <a:schemeClr val="dk1"/>
+              </a:solidFill>
+              <a:prstDash val="solid"/>
+              <a:round/>
+              <a:headEnd type="none" w="med" len="med"/>
+              <a:tailEnd type="none" w="med" len="med"/>
+            </a:ln>
+          </p:spPr>
+        </p:cxnSp>
+        <p:cxnSp>
+          <p:nvCxnSpPr>
+            <p:cNvPr id="8" name="Google Shape;452;p46">
+              <a:extLst>
+                <a:ext uri="{FF2B5EF4-FFF2-40B4-BE49-F238E27FC236}">
+                  <a16:creationId xmlns:a16="http://schemas.microsoft.com/office/drawing/2014/main" id="{1E90ED47-A61D-0DB8-23B3-6DA8FEE2193E}"/>
+                </a:ext>
+              </a:extLst>
+            </p:cNvPr>
+            <p:cNvCxnSpPr/>
+            <p:nvPr/>
+          </p:nvCxnSpPr>
+          <p:spPr>
+            <a:xfrm flipH="1">
+              <a:off x="1084625" y="4867200"/>
+              <a:ext cx="85800" cy="276300"/>
+            </a:xfrm>
+            <a:prstGeom prst="straightConnector1">
+              <a:avLst/>
+            </a:prstGeom>
+            <a:noFill/>
+            <a:ln w="28575" cap="flat" cmpd="sng">
+              <a:solidFill>
+                <a:schemeClr val="dk1"/>
+              </a:solidFill>
+              <a:prstDash val="solid"/>
+              <a:round/>
+              <a:headEnd type="none" w="med" len="med"/>
+              <a:tailEnd type="none" w="med" len="med"/>
+            </a:ln>
+          </p:spPr>
+        </p:cxnSp>
+      </p:grpSp>
+    </p:spTree>
+    <p:extLst>
+      <p:ext uri="{BB962C8B-B14F-4D97-AF65-F5344CB8AC3E}">
+        <p14:creationId xmlns:p14="http://schemas.microsoft.com/office/powerpoint/2010/main" val="1565723537"/>
+      </p:ext>
+    </p:extLst>
+  </p:cSld>
+  <p:clrMapOvr>
+    <a:masterClrMapping/>
+  </p:clrMapOvr>
+</p:sld>
+</file>
+
+<file path=ppt/slides/slide22.xml><?xml version="1.0" encoding="utf-8"?>
+<p:sld xmlns:a="http://schemas.openxmlformats.org/drawingml/2006/main" xmlns:r="http://schemas.openxmlformats.org/officeDocument/2006/relationships" xmlns:p="http://schemas.openxmlformats.org/presentationml/2006/main">
+  <p:cSld>
+    <p:spTree>
+      <p:nvGrpSpPr>
+        <p:cNvPr id="1" name="Shape 435"/>
+        <p:cNvGrpSpPr/>
+        <p:nvPr/>
+      </p:nvGrpSpPr>
+      <p:grpSpPr>
+        <a:xfrm>
+          <a:off x="0" y="0"/>
+          <a:ext cx="0" cy="0"/>
+          <a:chOff x="0" y="0"/>
+          <a:chExt cx="0" cy="0"/>
+        </a:xfrm>
+      </p:grpSpPr>
+      <p:sp>
+        <p:nvSpPr>
+          <p:cNvPr id="436" name="Google Shape;436;p46"/>
+          <p:cNvSpPr txBox="1">
+            <a:spLocks noGrp="1"/>
+          </p:cNvSpPr>
+          <p:nvPr>
+            <p:ph type="title"/>
+          </p:nvPr>
+        </p:nvSpPr>
+        <p:spPr>
+          <a:xfrm>
+            <a:off x="262333" y="598092"/>
+            <a:ext cx="3712981" cy="554461"/>
+          </a:xfrm>
+          <a:prstGeom prst="rect">
+            <a:avLst/>
+          </a:prstGeom>
+        </p:spPr>
+        <p:txBody>
+          <a:bodyPr spcFirstLastPara="1" wrap="square" lIns="91425" tIns="91425" rIns="91425" bIns="91425" anchor="t" anchorCtr="0">
+            <a:noAutofit/>
+          </a:bodyPr>
+          <a:lstStyle/>
+          <a:p>
+            <a:pPr marL="0" lvl="0" indent="0" algn="r" rtl="0">
+              <a:spcBef>
+                <a:spcPts val="0"/>
+              </a:spcBef>
+              <a:spcAft>
+                <a:spcPts val="0"/>
+              </a:spcAft>
+              <a:buNone/>
+            </a:pPr>
+            <a:r>
+              <a:rPr lang="en-US" sz="2800"/>
+              <a:t>Các câu hỏi đặt ra</a:t>
+            </a:r>
+          </a:p>
+        </p:txBody>
+      </p:sp>
+      <p:sp>
+        <p:nvSpPr>
+          <p:cNvPr id="437" name="Google Shape;437;p46"/>
+          <p:cNvSpPr txBox="1">
+            <a:spLocks noGrp="1"/>
+          </p:cNvSpPr>
+          <p:nvPr>
+            <p:ph type="subTitle" idx="1"/>
+          </p:nvPr>
+        </p:nvSpPr>
+        <p:spPr>
+          <a:xfrm>
+            <a:off x="538566" y="980901"/>
+            <a:ext cx="8066868" cy="2382232"/>
+          </a:xfrm>
+          <a:prstGeom prst="rect">
+            <a:avLst/>
+          </a:prstGeom>
+        </p:spPr>
+        <p:txBody>
+          <a:bodyPr spcFirstLastPara="1" wrap="square" lIns="91425" tIns="91425" rIns="91425" bIns="91425" anchor="t" anchorCtr="0">
+            <a:noAutofit/>
+          </a:bodyPr>
+          <a:lstStyle/>
+          <a:p>
+            <a:pPr marL="0" lvl="0" indent="0" algn="l" rtl="0">
+              <a:lnSpc>
+                <a:spcPct val="150000"/>
+              </a:lnSpc>
+              <a:spcBef>
+                <a:spcPts val="0"/>
+              </a:spcBef>
+              <a:spcAft>
+                <a:spcPts val="0"/>
+              </a:spcAft>
+            </a:pPr>
+            <a:r>
+              <a:rPr lang="vi-VN" sz="1600" b="1">
+                <a:latin typeface="Assistant" pitchFamily="2" charset="-79"/>
+                <a:cs typeface="Assistant" pitchFamily="2" charset="-79"/>
+              </a:rPr>
+              <a:t>Với mỗi cột có kiểu dữ liệu không phải dạng số, các giá trị được phân bố như thế nào?</a:t>
+            </a:r>
+            <a:endParaRPr lang="en-US" sz="1600" b="1">
+              <a:latin typeface="Assistant" pitchFamily="2" charset="-79"/>
+              <a:cs typeface="Assistant" pitchFamily="2" charset="-79"/>
+            </a:endParaRPr>
+          </a:p>
+          <a:p>
+            <a:pPr marL="285750" lvl="0" indent="-285750" algn="l" rtl="0">
+              <a:lnSpc>
+                <a:spcPct val="150000"/>
+              </a:lnSpc>
+              <a:spcBef>
+                <a:spcPts val="0"/>
+              </a:spcBef>
+              <a:spcAft>
+                <a:spcPts val="0"/>
+              </a:spcAft>
+              <a:buFont typeface="Arial" panose="020B0604020202020204" pitchFamily="34" charset="0"/>
+              <a:buChar char="•"/>
+            </a:pPr>
+            <a:r>
+              <a:rPr lang="vi-VN">
+                <a:solidFill>
+                  <a:schemeClr val="tx1"/>
+                </a:solidFill>
+                <a:latin typeface="Assistant" pitchFamily="2" charset="-79"/>
+                <a:cs typeface="Assistant" pitchFamily="2" charset="-79"/>
+              </a:rPr>
+              <a:t>Thực hiện thống kê và lưu vào một dataframe với các dòng là đại diện cho các giá trị như sau:</a:t>
+            </a:r>
+          </a:p>
+          <a:p>
+            <a:pPr marL="742950" lvl="1" indent="-285750">
+              <a:lnSpc>
+                <a:spcPct val="150000"/>
+              </a:lnSpc>
+              <a:buFont typeface="Arial" panose="020B0604020202020204" pitchFamily="34" charset="0"/>
+              <a:buChar char="•"/>
+            </a:pPr>
+            <a:r>
+              <a:rPr lang="vi-VN">
+                <a:solidFill>
+                  <a:schemeClr val="tx1"/>
+                </a:solidFill>
+                <a:latin typeface="Assistant" pitchFamily="2" charset="-79"/>
+                <a:cs typeface="Assistant" pitchFamily="2" charset="-79"/>
+              </a:rPr>
+              <a:t>Tỉ lệ % (từ 0 đến 100) các giá trị thiếu (missing_ratio).</a:t>
+            </a:r>
+          </a:p>
+          <a:p>
+            <a:pPr marL="742950" lvl="1" indent="-285750">
+              <a:lnSpc>
+                <a:spcPct val="150000"/>
+              </a:lnSpc>
+              <a:buFont typeface="Arial" panose="020B0604020202020204" pitchFamily="34" charset="0"/>
+              <a:buChar char="•"/>
+            </a:pPr>
+            <a:r>
+              <a:rPr lang="vi-VN">
+                <a:solidFill>
+                  <a:schemeClr val="tx1"/>
+                </a:solidFill>
+                <a:latin typeface="Assistant" pitchFamily="2" charset="-79"/>
+                <a:cs typeface="Assistant" pitchFamily="2" charset="-79"/>
+              </a:rPr>
+              <a:t>Số lượng các giá trị khác nhau (không xét giá trị thiếu) (num_values).</a:t>
+            </a:r>
+          </a:p>
+          <a:p>
+            <a:pPr marL="742950" lvl="1" indent="-285750">
+              <a:lnSpc>
+                <a:spcPct val="150000"/>
+              </a:lnSpc>
+              <a:buFont typeface="Arial" panose="020B0604020202020204" pitchFamily="34" charset="0"/>
+              <a:buChar char="•"/>
+            </a:pPr>
+            <a:r>
+              <a:rPr lang="vi-VN">
+                <a:solidFill>
+                  <a:schemeClr val="tx1"/>
+                </a:solidFill>
+                <a:latin typeface="Assistant" pitchFamily="2" charset="-79"/>
+                <a:cs typeface="Assistant" pitchFamily="2" charset="-79"/>
+              </a:rPr>
+              <a:t>Tỉ lệ % (từ 0 đến 100) của mỗi giá trị được sort theo tỉ lệ % giảm dần (không xét giá trị thiếu, tỉ lệ là tỉ lệ so với số lượng các giá trị không thiếu): dùng dictionary để lưu, key là giá trị, value là tỉ lệ % (value_ratios).</a:t>
+            </a:r>
+          </a:p>
+        </p:txBody>
+      </p:sp>
+      <p:grpSp>
+        <p:nvGrpSpPr>
+          <p:cNvPr id="438" name="Google Shape;438;p46"/>
+          <p:cNvGrpSpPr/>
+          <p:nvPr/>
+        </p:nvGrpSpPr>
+        <p:grpSpPr>
+          <a:xfrm rot="5400000">
+            <a:off x="8075255" y="981469"/>
+            <a:ext cx="566924" cy="182883"/>
+            <a:chOff x="322625" y="4867200"/>
+            <a:chExt cx="847800" cy="276300"/>
+          </a:xfrm>
+        </p:grpSpPr>
+        <p:cxnSp>
+          <p:nvCxnSpPr>
+            <p:cNvPr id="439" name="Google Shape;439;p46"/>
+            <p:cNvCxnSpPr/>
+            <p:nvPr/>
+          </p:nvCxnSpPr>
+          <p:spPr>
+            <a:xfrm flipH="1">
+              <a:off x="322625" y="4867200"/>
+              <a:ext cx="85800" cy="276300"/>
+            </a:xfrm>
+            <a:prstGeom prst="straightConnector1">
+              <a:avLst/>
+            </a:prstGeom>
+            <a:noFill/>
+            <a:ln w="28575" cap="flat" cmpd="sng">
+              <a:solidFill>
+                <a:schemeClr val="dk1"/>
+              </a:solidFill>
+              <a:prstDash val="solid"/>
+              <a:round/>
+              <a:headEnd type="none" w="med" len="med"/>
+              <a:tailEnd type="none" w="med" len="med"/>
+            </a:ln>
+          </p:spPr>
+        </p:cxnSp>
+        <p:cxnSp>
+          <p:nvCxnSpPr>
+            <p:cNvPr id="440" name="Google Shape;440;p46"/>
+            <p:cNvCxnSpPr/>
+            <p:nvPr/>
+          </p:nvCxnSpPr>
+          <p:spPr>
+            <a:xfrm flipH="1">
+              <a:off x="475025" y="4867200"/>
+              <a:ext cx="85800" cy="276300"/>
+            </a:xfrm>
+            <a:prstGeom prst="straightConnector1">
+              <a:avLst/>
+            </a:prstGeom>
+            <a:noFill/>
+            <a:ln w="28575" cap="flat" cmpd="sng">
+              <a:solidFill>
+                <a:schemeClr val="dk1"/>
+              </a:solidFill>
+              <a:prstDash val="solid"/>
+              <a:round/>
+              <a:headEnd type="none" w="med" len="med"/>
+              <a:tailEnd type="none" w="med" len="med"/>
+            </a:ln>
+          </p:spPr>
+        </p:cxnSp>
+        <p:cxnSp>
+          <p:nvCxnSpPr>
+            <p:cNvPr id="441" name="Google Shape;441;p46"/>
+            <p:cNvCxnSpPr/>
+            <p:nvPr/>
+          </p:nvCxnSpPr>
+          <p:spPr>
+            <a:xfrm flipH="1">
+              <a:off x="627425" y="4867200"/>
+              <a:ext cx="85800" cy="276300"/>
+            </a:xfrm>
+            <a:prstGeom prst="straightConnector1">
+              <a:avLst/>
+            </a:prstGeom>
+            <a:noFill/>
+            <a:ln w="28575" cap="flat" cmpd="sng">
+              <a:solidFill>
+                <a:schemeClr val="dk1"/>
+              </a:solidFill>
+              <a:prstDash val="solid"/>
+              <a:round/>
+              <a:headEnd type="none" w="med" len="med"/>
+              <a:tailEnd type="none" w="med" len="med"/>
+            </a:ln>
+          </p:spPr>
+        </p:cxnSp>
+        <p:cxnSp>
+          <p:nvCxnSpPr>
+            <p:cNvPr id="442" name="Google Shape;442;p46"/>
+            <p:cNvCxnSpPr/>
+            <p:nvPr/>
+          </p:nvCxnSpPr>
+          <p:spPr>
+            <a:xfrm flipH="1">
+              <a:off x="779825" y="4867200"/>
+              <a:ext cx="85800" cy="276300"/>
+            </a:xfrm>
+            <a:prstGeom prst="straightConnector1">
+              <a:avLst/>
+            </a:prstGeom>
+            <a:noFill/>
+            <a:ln w="28575" cap="flat" cmpd="sng">
+              <a:solidFill>
+                <a:schemeClr val="dk1"/>
+              </a:solidFill>
+              <a:prstDash val="solid"/>
+              <a:round/>
+              <a:headEnd type="none" w="med" len="med"/>
+              <a:tailEnd type="none" w="med" len="med"/>
+            </a:ln>
+          </p:spPr>
+        </p:cxnSp>
+        <p:cxnSp>
+          <p:nvCxnSpPr>
+            <p:cNvPr id="443" name="Google Shape;443;p46"/>
+            <p:cNvCxnSpPr/>
+            <p:nvPr/>
+          </p:nvCxnSpPr>
+          <p:spPr>
+            <a:xfrm flipH="1">
+              <a:off x="932225" y="4867200"/>
+              <a:ext cx="85800" cy="276300"/>
+            </a:xfrm>
+            <a:prstGeom prst="straightConnector1">
+              <a:avLst/>
+            </a:prstGeom>
+            <a:noFill/>
+            <a:ln w="28575" cap="flat" cmpd="sng">
+              <a:solidFill>
+                <a:schemeClr val="dk1"/>
+              </a:solidFill>
+              <a:prstDash val="solid"/>
+              <a:round/>
+              <a:headEnd type="none" w="med" len="med"/>
+              <a:tailEnd type="none" w="med" len="med"/>
+            </a:ln>
+          </p:spPr>
+        </p:cxnSp>
+        <p:cxnSp>
+          <p:nvCxnSpPr>
+            <p:cNvPr id="444" name="Google Shape;444;p46"/>
+            <p:cNvCxnSpPr/>
+            <p:nvPr/>
+          </p:nvCxnSpPr>
+          <p:spPr>
+            <a:xfrm flipH="1">
+              <a:off x="1084625" y="4867200"/>
+              <a:ext cx="85800" cy="276300"/>
+            </a:xfrm>
+            <a:prstGeom prst="straightConnector1">
+              <a:avLst/>
+            </a:prstGeom>
+            <a:noFill/>
+            <a:ln w="28575" cap="flat" cmpd="sng">
+              <a:solidFill>
+                <a:schemeClr val="dk1"/>
+              </a:solidFill>
+              <a:prstDash val="solid"/>
+              <a:round/>
+              <a:headEnd type="none" w="med" len="med"/>
+              <a:tailEnd type="none" w="med" len="med"/>
+            </a:ln>
+          </p:spPr>
+        </p:cxnSp>
+      </p:grpSp>
+      <p:pic>
+        <p:nvPicPr>
+          <p:cNvPr id="2050" name="Picture 2">
+            <a:extLst>
+              <a:ext uri="{FF2B5EF4-FFF2-40B4-BE49-F238E27FC236}">
+                <a16:creationId xmlns:a16="http://schemas.microsoft.com/office/drawing/2014/main" id="{EE3EC181-5E5A-A8E8-8FA3-720D9C277D92}"/>
+              </a:ext>
+            </a:extLst>
+          </p:cNvPr>
+          <p:cNvPicPr>
+            <a:picLocks noChangeAspect="1" noChangeArrowheads="1"/>
+          </p:cNvPicPr>
+          <p:nvPr/>
+        </p:nvPicPr>
+        <p:blipFill>
+          <a:blip r:embed="rId3">
+            <a:extLst>
+              <a:ext uri="{28A0092B-C50C-407E-A947-70E740481C1C}">
+                <a14:useLocalDpi xmlns:a14="http://schemas.microsoft.com/office/drawing/2010/main" val="0"/>
+              </a:ext>
+            </a:extLst>
+          </a:blip>
+          <a:srcRect/>
+          <a:stretch>
+            <a:fillRect/>
+          </a:stretch>
+        </p:blipFill>
+        <p:spPr bwMode="auto">
+          <a:xfrm>
+            <a:off x="1363852" y="3497211"/>
+            <a:ext cx="4602996" cy="1169122"/>
+          </a:xfrm>
+          <a:prstGeom prst="rect">
+            <a:avLst/>
+          </a:prstGeom>
+          <a:noFill/>
+          <a:extLst>
+            <a:ext uri="{909E8E84-426E-40DD-AFC4-6F175D3DCCD1}">
+              <a14:hiddenFill xmlns:a14="http://schemas.microsoft.com/office/drawing/2010/main">
+                <a:solidFill>
+                  <a:srgbClr val="FFFFFF"/>
+                </a:solidFill>
+              </a14:hiddenFill>
+            </a:ext>
+          </a:extLst>
+        </p:spPr>
+      </p:pic>
+    </p:spTree>
+    <p:extLst>
+      <p:ext uri="{BB962C8B-B14F-4D97-AF65-F5344CB8AC3E}">
+        <p14:creationId xmlns:p14="http://schemas.microsoft.com/office/powerpoint/2010/main" val="3411370020"/>
+      </p:ext>
+    </p:extLst>
+  </p:cSld>
+  <p:clrMapOvr>
+    <a:masterClrMapping/>
+  </p:clrMapOvr>
+</p:sld>
+</file>
+
+<file path=ppt/slides/slide23.xml><?xml version="1.0" encoding="utf-8"?>
+<p:sld xmlns:a="http://schemas.openxmlformats.org/drawingml/2006/main" xmlns:r="http://schemas.openxmlformats.org/officeDocument/2006/relationships" xmlns:p="http://schemas.openxmlformats.org/presentationml/2006/main">
+  <p:cSld>
+    <p:spTree>
+      <p:nvGrpSpPr>
         <p:cNvPr id="1" name="Shape 414"/>
         <p:cNvGrpSpPr/>
         <p:nvPr/>
@@ -14873,1432 +23045,6 @@
         <p14:creationId xmlns:p14="http://schemas.microsoft.com/office/powerpoint/2010/main" val="1629762767"/>
       </p:ext>
     </p:extLst>
-  </p:cSld>
-  <p:clrMapOvr>
-    <a:masterClrMapping/>
-  </p:clrMapOvr>
-</p:sld>
-</file>
-
-<file path=ppt/slides/slide2.xml><?xml version="1.0" encoding="utf-8"?>
-<p:sld xmlns:a="http://schemas.openxmlformats.org/drawingml/2006/main" xmlns:r="http://schemas.openxmlformats.org/officeDocument/2006/relationships" xmlns:p="http://schemas.openxmlformats.org/presentationml/2006/main">
-  <p:cSld>
-    <p:spTree>
-      <p:nvGrpSpPr>
-        <p:cNvPr id="1" name="Shape 236"/>
-        <p:cNvGrpSpPr/>
-        <p:nvPr/>
-      </p:nvGrpSpPr>
-      <p:grpSpPr>
-        <a:xfrm>
-          <a:off x="0" y="0"/>
-          <a:ext cx="0" cy="0"/>
-          <a:chOff x="0" y="0"/>
-          <a:chExt cx="0" cy="0"/>
-        </a:xfrm>
-      </p:grpSpPr>
-      <p:grpSp>
-        <p:nvGrpSpPr>
-          <p:cNvPr id="237" name="Google Shape;237;p38"/>
-          <p:cNvGrpSpPr/>
-          <p:nvPr/>
-        </p:nvGrpSpPr>
-        <p:grpSpPr>
-          <a:xfrm>
-            <a:off x="789497" y="1460198"/>
-            <a:ext cx="586800" cy="491625"/>
-            <a:chOff x="753533" y="1498298"/>
-            <a:chExt cx="586800" cy="491625"/>
-          </a:xfrm>
-        </p:grpSpPr>
-        <p:cxnSp>
-          <p:nvCxnSpPr>
-            <p:cNvPr id="238" name="Google Shape;238;p38"/>
-            <p:cNvCxnSpPr/>
-            <p:nvPr/>
-          </p:nvCxnSpPr>
-          <p:spPr>
-            <a:xfrm>
-              <a:off x="753533" y="1989923"/>
-              <a:ext cx="586800" cy="0"/>
-            </a:xfrm>
-            <a:prstGeom prst="straightConnector1">
-              <a:avLst/>
-            </a:prstGeom>
-            <a:noFill/>
-            <a:ln w="28575" cap="flat" cmpd="sng">
-              <a:solidFill>
-                <a:schemeClr val="dk1"/>
-              </a:solidFill>
-              <a:prstDash val="solid"/>
-              <a:round/>
-              <a:headEnd type="none" w="med" len="med"/>
-              <a:tailEnd type="none" w="med" len="med"/>
-            </a:ln>
-          </p:spPr>
-        </p:cxnSp>
-        <p:cxnSp>
-          <p:nvCxnSpPr>
-            <p:cNvPr id="239" name="Google Shape;239;p38"/>
-            <p:cNvCxnSpPr/>
-            <p:nvPr/>
-          </p:nvCxnSpPr>
-          <p:spPr>
-            <a:xfrm>
-              <a:off x="753533" y="1498298"/>
-              <a:ext cx="586800" cy="0"/>
-            </a:xfrm>
-            <a:prstGeom prst="straightConnector1">
-              <a:avLst/>
-            </a:prstGeom>
-            <a:noFill/>
-            <a:ln w="28575" cap="flat" cmpd="sng">
-              <a:solidFill>
-                <a:schemeClr val="dk1"/>
-              </a:solidFill>
-              <a:prstDash val="solid"/>
-              <a:round/>
-              <a:headEnd type="none" w="med" len="med"/>
-              <a:tailEnd type="none" w="med" len="med"/>
-            </a:ln>
-          </p:spPr>
-        </p:cxnSp>
-      </p:grpSp>
-      <p:grpSp>
-        <p:nvGrpSpPr>
-          <p:cNvPr id="240" name="Google Shape;240;p38"/>
-          <p:cNvGrpSpPr/>
-          <p:nvPr/>
-        </p:nvGrpSpPr>
-        <p:grpSpPr>
-          <a:xfrm>
-            <a:off x="789497" y="2517473"/>
-            <a:ext cx="586800" cy="491625"/>
-            <a:chOff x="753533" y="2565098"/>
-            <a:chExt cx="586800" cy="491625"/>
-          </a:xfrm>
-        </p:grpSpPr>
-        <p:cxnSp>
-          <p:nvCxnSpPr>
-            <p:cNvPr id="241" name="Google Shape;241;p38"/>
-            <p:cNvCxnSpPr/>
-            <p:nvPr/>
-          </p:nvCxnSpPr>
-          <p:spPr>
-            <a:xfrm>
-              <a:off x="753533" y="3056723"/>
-              <a:ext cx="586800" cy="0"/>
-            </a:xfrm>
-            <a:prstGeom prst="straightConnector1">
-              <a:avLst/>
-            </a:prstGeom>
-            <a:noFill/>
-            <a:ln w="28575" cap="flat" cmpd="sng">
-              <a:solidFill>
-                <a:schemeClr val="dk1"/>
-              </a:solidFill>
-              <a:prstDash val="solid"/>
-              <a:round/>
-              <a:headEnd type="none" w="med" len="med"/>
-              <a:tailEnd type="none" w="med" len="med"/>
-            </a:ln>
-          </p:spPr>
-        </p:cxnSp>
-        <p:cxnSp>
-          <p:nvCxnSpPr>
-            <p:cNvPr id="242" name="Google Shape;242;p38"/>
-            <p:cNvCxnSpPr/>
-            <p:nvPr/>
-          </p:nvCxnSpPr>
-          <p:spPr>
-            <a:xfrm>
-              <a:off x="753533" y="2565098"/>
-              <a:ext cx="586800" cy="0"/>
-            </a:xfrm>
-            <a:prstGeom prst="straightConnector1">
-              <a:avLst/>
-            </a:prstGeom>
-            <a:noFill/>
-            <a:ln w="28575" cap="flat" cmpd="sng">
-              <a:solidFill>
-                <a:schemeClr val="dk1"/>
-              </a:solidFill>
-              <a:prstDash val="solid"/>
-              <a:round/>
-              <a:headEnd type="none" w="med" len="med"/>
-              <a:tailEnd type="none" w="med" len="med"/>
-            </a:ln>
-          </p:spPr>
-        </p:cxnSp>
-      </p:grpSp>
-      <p:grpSp>
-        <p:nvGrpSpPr>
-          <p:cNvPr id="243" name="Google Shape;243;p38"/>
-          <p:cNvGrpSpPr/>
-          <p:nvPr/>
-        </p:nvGrpSpPr>
-        <p:grpSpPr>
-          <a:xfrm>
-            <a:off x="789497" y="3584273"/>
-            <a:ext cx="586800" cy="491625"/>
-            <a:chOff x="753533" y="3631898"/>
-            <a:chExt cx="586800" cy="491625"/>
-          </a:xfrm>
-        </p:grpSpPr>
-        <p:cxnSp>
-          <p:nvCxnSpPr>
-            <p:cNvPr id="244" name="Google Shape;244;p38"/>
-            <p:cNvCxnSpPr/>
-            <p:nvPr/>
-          </p:nvCxnSpPr>
-          <p:spPr>
-            <a:xfrm>
-              <a:off x="753533" y="4123523"/>
-              <a:ext cx="586800" cy="0"/>
-            </a:xfrm>
-            <a:prstGeom prst="straightConnector1">
-              <a:avLst/>
-            </a:prstGeom>
-            <a:noFill/>
-            <a:ln w="28575" cap="flat" cmpd="sng">
-              <a:solidFill>
-                <a:schemeClr val="dk1"/>
-              </a:solidFill>
-              <a:prstDash val="solid"/>
-              <a:round/>
-              <a:headEnd type="none" w="med" len="med"/>
-              <a:tailEnd type="none" w="med" len="med"/>
-            </a:ln>
-          </p:spPr>
-        </p:cxnSp>
-        <p:cxnSp>
-          <p:nvCxnSpPr>
-            <p:cNvPr id="245" name="Google Shape;245;p38"/>
-            <p:cNvCxnSpPr/>
-            <p:nvPr/>
-          </p:nvCxnSpPr>
-          <p:spPr>
-            <a:xfrm>
-              <a:off x="753533" y="3631898"/>
-              <a:ext cx="586800" cy="0"/>
-            </a:xfrm>
-            <a:prstGeom prst="straightConnector1">
-              <a:avLst/>
-            </a:prstGeom>
-            <a:noFill/>
-            <a:ln w="28575" cap="flat" cmpd="sng">
-              <a:solidFill>
-                <a:schemeClr val="dk1"/>
-              </a:solidFill>
-              <a:prstDash val="solid"/>
-              <a:round/>
-              <a:headEnd type="none" w="med" len="med"/>
-              <a:tailEnd type="none" w="med" len="med"/>
-            </a:ln>
-          </p:spPr>
-        </p:cxnSp>
-      </p:grpSp>
-      <p:grpSp>
-        <p:nvGrpSpPr>
-          <p:cNvPr id="246" name="Google Shape;246;p38"/>
-          <p:cNvGrpSpPr/>
-          <p:nvPr/>
-        </p:nvGrpSpPr>
-        <p:grpSpPr>
-          <a:xfrm>
-            <a:off x="4778222" y="1450673"/>
-            <a:ext cx="586800" cy="491625"/>
-            <a:chOff x="4792133" y="1498298"/>
-            <a:chExt cx="586800" cy="491625"/>
-          </a:xfrm>
-        </p:grpSpPr>
-        <p:cxnSp>
-          <p:nvCxnSpPr>
-            <p:cNvPr id="247" name="Google Shape;247;p38"/>
-            <p:cNvCxnSpPr/>
-            <p:nvPr/>
-          </p:nvCxnSpPr>
-          <p:spPr>
-            <a:xfrm>
-              <a:off x="4792133" y="1989923"/>
-              <a:ext cx="586800" cy="0"/>
-            </a:xfrm>
-            <a:prstGeom prst="straightConnector1">
-              <a:avLst/>
-            </a:prstGeom>
-            <a:noFill/>
-            <a:ln w="28575" cap="flat" cmpd="sng">
-              <a:solidFill>
-                <a:schemeClr val="dk1"/>
-              </a:solidFill>
-              <a:prstDash val="solid"/>
-              <a:round/>
-              <a:headEnd type="none" w="med" len="med"/>
-              <a:tailEnd type="none" w="med" len="med"/>
-            </a:ln>
-          </p:spPr>
-        </p:cxnSp>
-        <p:cxnSp>
-          <p:nvCxnSpPr>
-            <p:cNvPr id="248" name="Google Shape;248;p38"/>
-            <p:cNvCxnSpPr/>
-            <p:nvPr/>
-          </p:nvCxnSpPr>
-          <p:spPr>
-            <a:xfrm>
-              <a:off x="4792133" y="1498298"/>
-              <a:ext cx="586800" cy="0"/>
-            </a:xfrm>
-            <a:prstGeom prst="straightConnector1">
-              <a:avLst/>
-            </a:prstGeom>
-            <a:noFill/>
-            <a:ln w="28575" cap="flat" cmpd="sng">
-              <a:solidFill>
-                <a:schemeClr val="dk1"/>
-              </a:solidFill>
-              <a:prstDash val="solid"/>
-              <a:round/>
-              <a:headEnd type="none" w="med" len="med"/>
-              <a:tailEnd type="none" w="med" len="med"/>
-            </a:ln>
-          </p:spPr>
-        </p:cxnSp>
-      </p:grpSp>
-      <p:grpSp>
-        <p:nvGrpSpPr>
-          <p:cNvPr id="249" name="Google Shape;249;p38"/>
-          <p:cNvGrpSpPr/>
-          <p:nvPr/>
-        </p:nvGrpSpPr>
-        <p:grpSpPr>
-          <a:xfrm>
-            <a:off x="4778222" y="2517473"/>
-            <a:ext cx="586800" cy="491625"/>
-            <a:chOff x="4792133" y="2565098"/>
-            <a:chExt cx="586800" cy="491625"/>
-          </a:xfrm>
-        </p:grpSpPr>
-        <p:cxnSp>
-          <p:nvCxnSpPr>
-            <p:cNvPr id="250" name="Google Shape;250;p38"/>
-            <p:cNvCxnSpPr/>
-            <p:nvPr/>
-          </p:nvCxnSpPr>
-          <p:spPr>
-            <a:xfrm>
-              <a:off x="4792133" y="3056723"/>
-              <a:ext cx="586800" cy="0"/>
-            </a:xfrm>
-            <a:prstGeom prst="straightConnector1">
-              <a:avLst/>
-            </a:prstGeom>
-            <a:noFill/>
-            <a:ln w="28575" cap="flat" cmpd="sng">
-              <a:solidFill>
-                <a:schemeClr val="dk1"/>
-              </a:solidFill>
-              <a:prstDash val="solid"/>
-              <a:round/>
-              <a:headEnd type="none" w="med" len="med"/>
-              <a:tailEnd type="none" w="med" len="med"/>
-            </a:ln>
-          </p:spPr>
-        </p:cxnSp>
-        <p:cxnSp>
-          <p:nvCxnSpPr>
-            <p:cNvPr id="251" name="Google Shape;251;p38"/>
-            <p:cNvCxnSpPr/>
-            <p:nvPr/>
-          </p:nvCxnSpPr>
-          <p:spPr>
-            <a:xfrm>
-              <a:off x="4792133" y="2565098"/>
-              <a:ext cx="586800" cy="0"/>
-            </a:xfrm>
-            <a:prstGeom prst="straightConnector1">
-              <a:avLst/>
-            </a:prstGeom>
-            <a:noFill/>
-            <a:ln w="28575" cap="flat" cmpd="sng">
-              <a:solidFill>
-                <a:schemeClr val="dk1"/>
-              </a:solidFill>
-              <a:prstDash val="solid"/>
-              <a:round/>
-              <a:headEnd type="none" w="med" len="med"/>
-              <a:tailEnd type="none" w="med" len="med"/>
-            </a:ln>
-          </p:spPr>
-        </p:cxnSp>
-      </p:grpSp>
-      <p:grpSp>
-        <p:nvGrpSpPr>
-          <p:cNvPr id="252" name="Google Shape;252;p38"/>
-          <p:cNvGrpSpPr/>
-          <p:nvPr/>
-        </p:nvGrpSpPr>
-        <p:grpSpPr>
-          <a:xfrm>
-            <a:off x="4778222" y="3584273"/>
-            <a:ext cx="586800" cy="491625"/>
-            <a:chOff x="4792133" y="3631898"/>
-            <a:chExt cx="586800" cy="491625"/>
-          </a:xfrm>
-        </p:grpSpPr>
-        <p:cxnSp>
-          <p:nvCxnSpPr>
-            <p:cNvPr id="253" name="Google Shape;253;p38"/>
-            <p:cNvCxnSpPr/>
-            <p:nvPr/>
-          </p:nvCxnSpPr>
-          <p:spPr>
-            <a:xfrm>
-              <a:off x="4792133" y="4123523"/>
-              <a:ext cx="586800" cy="0"/>
-            </a:xfrm>
-            <a:prstGeom prst="straightConnector1">
-              <a:avLst/>
-            </a:prstGeom>
-            <a:noFill/>
-            <a:ln w="28575" cap="flat" cmpd="sng">
-              <a:solidFill>
-                <a:schemeClr val="dk1"/>
-              </a:solidFill>
-              <a:prstDash val="solid"/>
-              <a:round/>
-              <a:headEnd type="none" w="med" len="med"/>
-              <a:tailEnd type="none" w="med" len="med"/>
-            </a:ln>
-          </p:spPr>
-        </p:cxnSp>
-        <p:cxnSp>
-          <p:nvCxnSpPr>
-            <p:cNvPr id="254" name="Google Shape;254;p38"/>
-            <p:cNvCxnSpPr/>
-            <p:nvPr/>
-          </p:nvCxnSpPr>
-          <p:spPr>
-            <a:xfrm>
-              <a:off x="4792133" y="3631898"/>
-              <a:ext cx="586800" cy="0"/>
-            </a:xfrm>
-            <a:prstGeom prst="straightConnector1">
-              <a:avLst/>
-            </a:prstGeom>
-            <a:noFill/>
-            <a:ln w="28575" cap="flat" cmpd="sng">
-              <a:solidFill>
-                <a:schemeClr val="dk1"/>
-              </a:solidFill>
-              <a:prstDash val="solid"/>
-              <a:round/>
-              <a:headEnd type="none" w="med" len="med"/>
-              <a:tailEnd type="none" w="med" len="med"/>
-            </a:ln>
-          </p:spPr>
-        </p:cxnSp>
-      </p:grpSp>
-      <p:sp>
-        <p:nvSpPr>
-          <p:cNvPr id="255" name="Google Shape;255;p38"/>
-          <p:cNvSpPr txBox="1">
-            <a:spLocks noGrp="1"/>
-          </p:cNvSpPr>
-          <p:nvPr>
-            <p:ph type="title" idx="2"/>
-          </p:nvPr>
-        </p:nvSpPr>
-        <p:spPr>
-          <a:xfrm>
-            <a:off x="719447" y="2548450"/>
-            <a:ext cx="726900" cy="394200"/>
-          </a:xfrm>
-          <a:prstGeom prst="rect">
-            <a:avLst/>
-          </a:prstGeom>
-        </p:spPr>
-        <p:txBody>
-          <a:bodyPr spcFirstLastPara="1" wrap="square" lIns="91425" tIns="91425" rIns="91425" bIns="91425" anchor="ctr" anchorCtr="0">
-            <a:noAutofit/>
-          </a:bodyPr>
-          <a:lstStyle/>
-          <a:p>
-            <a:pPr marL="0" lvl="0" indent="0" algn="ctr" rtl="0">
-              <a:spcBef>
-                <a:spcPts val="0"/>
-              </a:spcBef>
-              <a:spcAft>
-                <a:spcPts val="0"/>
-              </a:spcAft>
-              <a:buNone/>
-            </a:pPr>
-            <a:r>
-              <a:rPr lang="en"/>
-              <a:t>02</a:t>
-            </a:r>
-            <a:endParaRPr/>
-          </a:p>
-        </p:txBody>
-      </p:sp>
-      <p:sp>
-        <p:nvSpPr>
-          <p:cNvPr id="256" name="Google Shape;256;p38"/>
-          <p:cNvSpPr txBox="1">
-            <a:spLocks noGrp="1"/>
-          </p:cNvSpPr>
-          <p:nvPr>
-            <p:ph type="title" idx="4"/>
-          </p:nvPr>
-        </p:nvSpPr>
-        <p:spPr>
-          <a:xfrm>
-            <a:off x="4708172" y="1476050"/>
-            <a:ext cx="726900" cy="394200"/>
-          </a:xfrm>
-          <a:prstGeom prst="rect">
-            <a:avLst/>
-          </a:prstGeom>
-        </p:spPr>
-        <p:txBody>
-          <a:bodyPr spcFirstLastPara="1" wrap="square" lIns="91425" tIns="91425" rIns="91425" bIns="91425" anchor="ctr" anchorCtr="0">
-            <a:noAutofit/>
-          </a:bodyPr>
-          <a:lstStyle/>
-          <a:p>
-            <a:pPr marL="0" lvl="0" indent="0" algn="ctr" rtl="0">
-              <a:spcBef>
-                <a:spcPts val="0"/>
-              </a:spcBef>
-              <a:spcAft>
-                <a:spcPts val="0"/>
-              </a:spcAft>
-              <a:buNone/>
-            </a:pPr>
-            <a:r>
-              <a:rPr lang="en"/>
-              <a:t>04</a:t>
-            </a:r>
-            <a:endParaRPr/>
-          </a:p>
-        </p:txBody>
-      </p:sp>
-      <p:sp>
-        <p:nvSpPr>
-          <p:cNvPr id="257" name="Google Shape;257;p38"/>
-          <p:cNvSpPr txBox="1">
-            <a:spLocks noGrp="1"/>
-          </p:cNvSpPr>
-          <p:nvPr>
-            <p:ph type="title" idx="6"/>
-          </p:nvPr>
-        </p:nvSpPr>
-        <p:spPr>
-          <a:xfrm>
-            <a:off x="4708172" y="2548450"/>
-            <a:ext cx="726900" cy="394200"/>
-          </a:xfrm>
-          <a:prstGeom prst="rect">
-            <a:avLst/>
-          </a:prstGeom>
-        </p:spPr>
-        <p:txBody>
-          <a:bodyPr spcFirstLastPara="1" wrap="square" lIns="91425" tIns="91425" rIns="91425" bIns="91425" anchor="ctr" anchorCtr="0">
-            <a:noAutofit/>
-          </a:bodyPr>
-          <a:lstStyle/>
-          <a:p>
-            <a:pPr marL="0" lvl="0" indent="0" algn="ctr" rtl="0">
-              <a:spcBef>
-                <a:spcPts val="0"/>
-              </a:spcBef>
-              <a:spcAft>
-                <a:spcPts val="0"/>
-              </a:spcAft>
-              <a:buNone/>
-            </a:pPr>
-            <a:r>
-              <a:rPr lang="en"/>
-              <a:t>05</a:t>
-            </a:r>
-            <a:endParaRPr/>
-          </a:p>
-        </p:txBody>
-      </p:sp>
-      <p:sp>
-        <p:nvSpPr>
-          <p:cNvPr id="258" name="Google Shape;258;p38"/>
-          <p:cNvSpPr txBox="1">
-            <a:spLocks noGrp="1"/>
-          </p:cNvSpPr>
-          <p:nvPr>
-            <p:ph type="title"/>
-          </p:nvPr>
-        </p:nvSpPr>
-        <p:spPr>
-          <a:xfrm>
-            <a:off x="719447" y="1476050"/>
-            <a:ext cx="726900" cy="394200"/>
-          </a:xfrm>
-          <a:prstGeom prst="rect">
-            <a:avLst/>
-          </a:prstGeom>
-        </p:spPr>
-        <p:txBody>
-          <a:bodyPr spcFirstLastPara="1" wrap="square" lIns="91425" tIns="91425" rIns="91425" bIns="91425" anchor="ctr" anchorCtr="0">
-            <a:noAutofit/>
-          </a:bodyPr>
-          <a:lstStyle/>
-          <a:p>
-            <a:pPr marL="0" lvl="0" indent="0" algn="ctr" rtl="0">
-              <a:spcBef>
-                <a:spcPts val="0"/>
-              </a:spcBef>
-              <a:spcAft>
-                <a:spcPts val="0"/>
-              </a:spcAft>
-              <a:buNone/>
-            </a:pPr>
-            <a:r>
-              <a:rPr lang="en"/>
-              <a:t>01</a:t>
-            </a:r>
-            <a:endParaRPr/>
-          </a:p>
-        </p:txBody>
-      </p:sp>
-      <p:sp>
-        <p:nvSpPr>
-          <p:cNvPr id="259" name="Google Shape;259;p38"/>
-          <p:cNvSpPr txBox="1">
-            <a:spLocks noGrp="1"/>
-          </p:cNvSpPr>
-          <p:nvPr>
-            <p:ph type="title" idx="8"/>
-          </p:nvPr>
-        </p:nvSpPr>
-        <p:spPr>
-          <a:xfrm>
-            <a:off x="720000" y="445025"/>
-            <a:ext cx="7704000" cy="572700"/>
-          </a:xfrm>
-          <a:prstGeom prst="rect">
-            <a:avLst/>
-          </a:prstGeom>
-        </p:spPr>
-        <p:txBody>
-          <a:bodyPr spcFirstLastPara="1" wrap="square" lIns="91425" tIns="91425" rIns="91425" bIns="91425" anchor="t" anchorCtr="0">
-            <a:noAutofit/>
-          </a:bodyPr>
-          <a:lstStyle/>
-          <a:p>
-            <a:pPr marL="0" lvl="0" indent="0" algn="l" rtl="0">
-              <a:spcBef>
-                <a:spcPts val="0"/>
-              </a:spcBef>
-              <a:spcAft>
-                <a:spcPts val="0"/>
-              </a:spcAft>
-              <a:buNone/>
-            </a:pPr>
-            <a:r>
-              <a:rPr lang="en">
-                <a:latin typeface="Assistant"/>
-                <a:ea typeface="Assistant"/>
-                <a:cs typeface="Assistant"/>
-                <a:sym typeface="Assistant"/>
-              </a:rPr>
-              <a:t>NỘI DUNG/</a:t>
-            </a:r>
-            <a:endParaRPr>
-              <a:solidFill>
-                <a:schemeClr val="dk1"/>
-              </a:solidFill>
-              <a:latin typeface="Assistant"/>
-              <a:ea typeface="Assistant"/>
-              <a:cs typeface="Assistant"/>
-              <a:sym typeface="Assistant"/>
-            </a:endParaRPr>
-          </a:p>
-        </p:txBody>
-      </p:sp>
-      <p:sp>
-        <p:nvSpPr>
-          <p:cNvPr id="260" name="Google Shape;260;p38"/>
-          <p:cNvSpPr txBox="1">
-            <a:spLocks noGrp="1"/>
-          </p:cNvSpPr>
-          <p:nvPr>
-            <p:ph type="subTitle" idx="1"/>
-          </p:nvPr>
-        </p:nvSpPr>
-        <p:spPr>
-          <a:xfrm>
-            <a:off x="1465903" y="1810550"/>
-            <a:ext cx="2197500" cy="537600"/>
-          </a:xfrm>
-          <a:prstGeom prst="rect">
-            <a:avLst/>
-          </a:prstGeom>
-        </p:spPr>
-        <p:txBody>
-          <a:bodyPr spcFirstLastPara="1" wrap="square" lIns="91425" tIns="91425" rIns="91425" bIns="91425" anchor="t" anchorCtr="0">
-            <a:noAutofit/>
-          </a:bodyPr>
-          <a:lstStyle/>
-          <a:p>
-            <a:pPr marL="0" lvl="0" indent="0" algn="l" rtl="0">
-              <a:spcBef>
-                <a:spcPts val="0"/>
-              </a:spcBef>
-              <a:spcAft>
-                <a:spcPts val="0"/>
-              </a:spcAft>
-              <a:buNone/>
-            </a:pPr>
-            <a:r>
-              <a:rPr lang="en"/>
-              <a:t>Các thành viên trong nhóm</a:t>
-            </a:r>
-            <a:endParaRPr/>
-          </a:p>
-        </p:txBody>
-      </p:sp>
-      <p:sp>
-        <p:nvSpPr>
-          <p:cNvPr id="261" name="Google Shape;261;p38"/>
-          <p:cNvSpPr txBox="1">
-            <a:spLocks noGrp="1"/>
-          </p:cNvSpPr>
-          <p:nvPr>
-            <p:ph type="subTitle" idx="3"/>
-          </p:nvPr>
-        </p:nvSpPr>
-        <p:spPr>
-          <a:xfrm>
-            <a:off x="1466904" y="2879863"/>
-            <a:ext cx="2195400" cy="537600"/>
-          </a:xfrm>
-          <a:prstGeom prst="rect">
-            <a:avLst/>
-          </a:prstGeom>
-        </p:spPr>
-        <p:txBody>
-          <a:bodyPr spcFirstLastPara="1" wrap="square" lIns="91425" tIns="91425" rIns="91425" bIns="91425" anchor="t" anchorCtr="0">
-            <a:noAutofit/>
-          </a:bodyPr>
-          <a:lstStyle/>
-          <a:p>
-            <a:pPr marL="0" lvl="0" indent="0" algn="l" rtl="0">
-              <a:spcBef>
-                <a:spcPts val="0"/>
-              </a:spcBef>
-              <a:spcAft>
-                <a:spcPts val="0"/>
-              </a:spcAft>
-              <a:buClr>
-                <a:schemeClr val="dk1"/>
-              </a:buClr>
-              <a:buSzPts val="1100"/>
-              <a:buFont typeface="Arial"/>
-              <a:buNone/>
-            </a:pPr>
-            <a:r>
-              <a:rPr lang="en"/>
-              <a:t>Lý do, công nghê, ứng dụng…</a:t>
-            </a:r>
-            <a:endParaRPr/>
-          </a:p>
-        </p:txBody>
-      </p:sp>
-      <p:sp>
-        <p:nvSpPr>
-          <p:cNvPr id="262" name="Google Shape;262;p38"/>
-          <p:cNvSpPr txBox="1">
-            <a:spLocks noGrp="1"/>
-          </p:cNvSpPr>
-          <p:nvPr>
-            <p:ph type="subTitle" idx="5"/>
-          </p:nvPr>
-        </p:nvSpPr>
-        <p:spPr>
-          <a:xfrm>
-            <a:off x="5458453" y="1810550"/>
-            <a:ext cx="2195400" cy="537600"/>
-          </a:xfrm>
-          <a:prstGeom prst="rect">
-            <a:avLst/>
-          </a:prstGeom>
-        </p:spPr>
-        <p:txBody>
-          <a:bodyPr spcFirstLastPara="1" wrap="square" lIns="91425" tIns="91425" rIns="91425" bIns="91425" anchor="t" anchorCtr="0">
-            <a:noAutofit/>
-          </a:bodyPr>
-          <a:lstStyle/>
-          <a:p>
-            <a:pPr marL="0" lvl="0" indent="0" algn="l" rtl="0">
-              <a:spcBef>
-                <a:spcPts val="0"/>
-              </a:spcBef>
-              <a:spcAft>
-                <a:spcPts val="0"/>
-              </a:spcAft>
-              <a:buNone/>
-            </a:pPr>
-            <a:r>
-              <a:rPr lang="en-US"/>
-              <a:t>Mô tả đặt điểm 1</a:t>
-            </a:r>
-          </a:p>
-        </p:txBody>
-      </p:sp>
-      <p:sp>
-        <p:nvSpPr>
-          <p:cNvPr id="263" name="Google Shape;263;p38"/>
-          <p:cNvSpPr txBox="1">
-            <a:spLocks noGrp="1"/>
-          </p:cNvSpPr>
-          <p:nvPr>
-            <p:ph type="subTitle" idx="7"/>
-          </p:nvPr>
-        </p:nvSpPr>
-        <p:spPr>
-          <a:xfrm>
-            <a:off x="5458453" y="2879856"/>
-            <a:ext cx="2197500" cy="537600"/>
-          </a:xfrm>
-          <a:prstGeom prst="rect">
-            <a:avLst/>
-          </a:prstGeom>
-        </p:spPr>
-        <p:txBody>
-          <a:bodyPr spcFirstLastPara="1" wrap="square" lIns="91425" tIns="91425" rIns="91425" bIns="91425" anchor="t" anchorCtr="0">
-            <a:noAutofit/>
-          </a:bodyPr>
-          <a:lstStyle/>
-          <a:p>
-            <a:pPr marL="0" lvl="0" indent="0" algn="l" rtl="0">
-              <a:spcBef>
-                <a:spcPts val="0"/>
-              </a:spcBef>
-              <a:spcAft>
-                <a:spcPts val="0"/>
-              </a:spcAft>
-              <a:buNone/>
-            </a:pPr>
-            <a:r>
-              <a:rPr lang="en-US"/>
-              <a:t>Mô tả đặt điểm 1</a:t>
-            </a:r>
-          </a:p>
-        </p:txBody>
-      </p:sp>
-      <p:sp>
-        <p:nvSpPr>
-          <p:cNvPr id="264" name="Google Shape;264;p38"/>
-          <p:cNvSpPr txBox="1">
-            <a:spLocks noGrp="1"/>
-          </p:cNvSpPr>
-          <p:nvPr>
-            <p:ph type="subTitle" idx="9"/>
-          </p:nvPr>
-        </p:nvSpPr>
-        <p:spPr>
-          <a:xfrm>
-            <a:off x="1465900" y="1476050"/>
-            <a:ext cx="3312322" cy="394200"/>
-          </a:xfrm>
-          <a:prstGeom prst="rect">
-            <a:avLst/>
-          </a:prstGeom>
-        </p:spPr>
-        <p:txBody>
-          <a:bodyPr spcFirstLastPara="1" wrap="square" lIns="91425" tIns="91425" rIns="91425" bIns="91425" anchor="b" anchorCtr="0">
-            <a:noAutofit/>
-          </a:bodyPr>
-          <a:lstStyle/>
-          <a:p>
-            <a:pPr marL="0" lvl="0" indent="0" algn="l" rtl="0">
-              <a:spcBef>
-                <a:spcPts val="0"/>
-              </a:spcBef>
-              <a:spcAft>
-                <a:spcPts val="0"/>
-              </a:spcAft>
-              <a:buNone/>
-            </a:pPr>
-            <a:r>
-              <a:rPr lang="en-US"/>
-              <a:t>GIỚI THIỆU THÀNH VIÊN</a:t>
-            </a:r>
-            <a:endParaRPr/>
-          </a:p>
-        </p:txBody>
-      </p:sp>
-      <p:sp>
-        <p:nvSpPr>
-          <p:cNvPr id="265" name="Google Shape;265;p38"/>
-          <p:cNvSpPr txBox="1">
-            <a:spLocks noGrp="1"/>
-          </p:cNvSpPr>
-          <p:nvPr>
-            <p:ph type="subTitle" idx="13"/>
-          </p:nvPr>
-        </p:nvSpPr>
-        <p:spPr>
-          <a:xfrm>
-            <a:off x="1467125" y="2548450"/>
-            <a:ext cx="2966100" cy="394200"/>
-          </a:xfrm>
-          <a:prstGeom prst="rect">
-            <a:avLst/>
-          </a:prstGeom>
-        </p:spPr>
-        <p:txBody>
-          <a:bodyPr spcFirstLastPara="1" wrap="square" lIns="91425" tIns="91425" rIns="91425" bIns="91425" anchor="b" anchorCtr="0">
-            <a:noAutofit/>
-          </a:bodyPr>
-          <a:lstStyle/>
-          <a:p>
-            <a:pPr marL="0" lvl="0" indent="0" algn="l" rtl="0">
-              <a:spcBef>
-                <a:spcPts val="0"/>
-              </a:spcBef>
-              <a:spcAft>
-                <a:spcPts val="0"/>
-              </a:spcAft>
-              <a:buClr>
-                <a:schemeClr val="dk1"/>
-              </a:buClr>
-              <a:buSzPts val="1100"/>
-              <a:buFont typeface="Arial"/>
-              <a:buNone/>
-            </a:pPr>
-            <a:r>
-              <a:rPr lang="en"/>
-              <a:t>MÔ TẢ ĐỒ ÁN</a:t>
-            </a:r>
-            <a:endParaRPr/>
-          </a:p>
-        </p:txBody>
-      </p:sp>
-      <p:sp>
-        <p:nvSpPr>
-          <p:cNvPr id="266" name="Google Shape;266;p38"/>
-          <p:cNvSpPr txBox="1">
-            <a:spLocks noGrp="1"/>
-          </p:cNvSpPr>
-          <p:nvPr>
-            <p:ph type="subTitle" idx="14"/>
-          </p:nvPr>
-        </p:nvSpPr>
-        <p:spPr>
-          <a:xfrm>
-            <a:off x="5458450" y="1476050"/>
-            <a:ext cx="2963700" cy="394200"/>
-          </a:xfrm>
-          <a:prstGeom prst="rect">
-            <a:avLst/>
-          </a:prstGeom>
-        </p:spPr>
-        <p:txBody>
-          <a:bodyPr spcFirstLastPara="1" wrap="square" lIns="91425" tIns="91425" rIns="91425" bIns="91425" anchor="b" anchorCtr="0">
-            <a:noAutofit/>
-          </a:bodyPr>
-          <a:lstStyle/>
-          <a:p>
-            <a:pPr marL="0" lvl="0" indent="0" algn="l" rtl="0">
-              <a:spcBef>
-                <a:spcPts val="0"/>
-              </a:spcBef>
-              <a:spcAft>
-                <a:spcPts val="0"/>
-              </a:spcAft>
-              <a:buNone/>
-            </a:pPr>
-            <a:r>
-              <a:rPr lang="en-US"/>
-              <a:t>ĐẶT ĐIỂM 1</a:t>
-            </a:r>
-            <a:endParaRPr/>
-          </a:p>
-        </p:txBody>
-      </p:sp>
-      <p:sp>
-        <p:nvSpPr>
-          <p:cNvPr id="267" name="Google Shape;267;p38"/>
-          <p:cNvSpPr txBox="1">
-            <a:spLocks noGrp="1"/>
-          </p:cNvSpPr>
-          <p:nvPr>
-            <p:ph type="subTitle" idx="15"/>
-          </p:nvPr>
-        </p:nvSpPr>
-        <p:spPr>
-          <a:xfrm>
-            <a:off x="5458453" y="2548450"/>
-            <a:ext cx="2966100" cy="394200"/>
-          </a:xfrm>
-          <a:prstGeom prst="rect">
-            <a:avLst/>
-          </a:prstGeom>
-        </p:spPr>
-        <p:txBody>
-          <a:bodyPr spcFirstLastPara="1" wrap="square" lIns="91425" tIns="91425" rIns="91425" bIns="91425" anchor="b" anchorCtr="0">
-            <a:noAutofit/>
-          </a:bodyPr>
-          <a:lstStyle/>
-          <a:p>
-            <a:pPr marL="0" lvl="0" indent="0" algn="l" rtl="0">
-              <a:spcBef>
-                <a:spcPts val="0"/>
-              </a:spcBef>
-              <a:spcAft>
-                <a:spcPts val="0"/>
-              </a:spcAft>
-              <a:buNone/>
-            </a:pPr>
-            <a:r>
-              <a:rPr lang="en-US"/>
-              <a:t>ĐẶT ĐIỂM 2</a:t>
-            </a:r>
-          </a:p>
-        </p:txBody>
-      </p:sp>
-      <p:sp>
-        <p:nvSpPr>
-          <p:cNvPr id="268" name="Google Shape;268;p38"/>
-          <p:cNvSpPr txBox="1">
-            <a:spLocks noGrp="1"/>
-          </p:cNvSpPr>
-          <p:nvPr>
-            <p:ph type="title" idx="16"/>
-          </p:nvPr>
-        </p:nvSpPr>
-        <p:spPr>
-          <a:xfrm>
-            <a:off x="719447" y="3620850"/>
-            <a:ext cx="726900" cy="394200"/>
-          </a:xfrm>
-          <a:prstGeom prst="rect">
-            <a:avLst/>
-          </a:prstGeom>
-        </p:spPr>
-        <p:txBody>
-          <a:bodyPr spcFirstLastPara="1" wrap="square" lIns="91425" tIns="91425" rIns="91425" bIns="91425" anchor="ctr" anchorCtr="0">
-            <a:noAutofit/>
-          </a:bodyPr>
-          <a:lstStyle/>
-          <a:p>
-            <a:pPr marL="0" lvl="0" indent="0" algn="ctr" rtl="0">
-              <a:spcBef>
-                <a:spcPts val="0"/>
-              </a:spcBef>
-              <a:spcAft>
-                <a:spcPts val="0"/>
-              </a:spcAft>
-              <a:buNone/>
-            </a:pPr>
-            <a:r>
-              <a:rPr lang="en"/>
-              <a:t>03</a:t>
-            </a:r>
-            <a:endParaRPr/>
-          </a:p>
-        </p:txBody>
-      </p:sp>
-      <p:sp>
-        <p:nvSpPr>
-          <p:cNvPr id="269" name="Google Shape;269;p38"/>
-          <p:cNvSpPr txBox="1">
-            <a:spLocks noGrp="1"/>
-          </p:cNvSpPr>
-          <p:nvPr>
-            <p:ph type="subTitle" idx="17"/>
-          </p:nvPr>
-        </p:nvSpPr>
-        <p:spPr>
-          <a:xfrm>
-            <a:off x="1466903" y="3949150"/>
-            <a:ext cx="2542721" cy="537600"/>
-          </a:xfrm>
-          <a:prstGeom prst="rect">
-            <a:avLst/>
-          </a:prstGeom>
-        </p:spPr>
-        <p:txBody>
-          <a:bodyPr spcFirstLastPara="1" wrap="square" lIns="91425" tIns="91425" rIns="91425" bIns="91425" anchor="t" anchorCtr="0">
-            <a:noAutofit/>
-          </a:bodyPr>
-          <a:lstStyle/>
-          <a:p>
-            <a:pPr marL="0" lvl="0" indent="0" algn="l" rtl="0">
-              <a:spcBef>
-                <a:spcPts val="0"/>
-              </a:spcBef>
-              <a:spcAft>
-                <a:spcPts val="0"/>
-              </a:spcAft>
-              <a:buClr>
-                <a:schemeClr val="dk1"/>
-              </a:buClr>
-              <a:buSzPts val="1100"/>
-              <a:buFont typeface="Arial"/>
-              <a:buNone/>
-            </a:pPr>
-            <a:r>
-              <a:rPr lang="en-US"/>
-              <a:t>Thu thập dữ liệu trên trang web.</a:t>
-            </a:r>
-            <a:endParaRPr/>
-          </a:p>
-        </p:txBody>
-      </p:sp>
-      <p:sp>
-        <p:nvSpPr>
-          <p:cNvPr id="270" name="Google Shape;270;p38"/>
-          <p:cNvSpPr txBox="1">
-            <a:spLocks noGrp="1"/>
-          </p:cNvSpPr>
-          <p:nvPr>
-            <p:ph type="title" idx="18"/>
-          </p:nvPr>
-        </p:nvSpPr>
-        <p:spPr>
-          <a:xfrm>
-            <a:off x="4708172" y="3620850"/>
-            <a:ext cx="726900" cy="394200"/>
-          </a:xfrm>
-          <a:prstGeom prst="rect">
-            <a:avLst/>
-          </a:prstGeom>
-        </p:spPr>
-        <p:txBody>
-          <a:bodyPr spcFirstLastPara="1" wrap="square" lIns="91425" tIns="91425" rIns="91425" bIns="91425" anchor="ctr" anchorCtr="0">
-            <a:noAutofit/>
-          </a:bodyPr>
-          <a:lstStyle/>
-          <a:p>
-            <a:pPr marL="0" lvl="0" indent="0" algn="ctr" rtl="0">
-              <a:spcBef>
-                <a:spcPts val="0"/>
-              </a:spcBef>
-              <a:spcAft>
-                <a:spcPts val="0"/>
-              </a:spcAft>
-              <a:buNone/>
-            </a:pPr>
-            <a:r>
-              <a:rPr lang="en"/>
-              <a:t>06</a:t>
-            </a:r>
-            <a:endParaRPr/>
-          </a:p>
-        </p:txBody>
-      </p:sp>
-      <p:sp>
-        <p:nvSpPr>
-          <p:cNvPr id="271" name="Google Shape;271;p38"/>
-          <p:cNvSpPr txBox="1">
-            <a:spLocks noGrp="1"/>
-          </p:cNvSpPr>
-          <p:nvPr>
-            <p:ph type="subTitle" idx="19"/>
-          </p:nvPr>
-        </p:nvSpPr>
-        <p:spPr>
-          <a:xfrm>
-            <a:off x="5458453" y="3949138"/>
-            <a:ext cx="2197500" cy="537600"/>
-          </a:xfrm>
-          <a:prstGeom prst="rect">
-            <a:avLst/>
-          </a:prstGeom>
-        </p:spPr>
-        <p:txBody>
-          <a:bodyPr spcFirstLastPara="1" wrap="square" lIns="91425" tIns="91425" rIns="91425" bIns="91425" anchor="t" anchorCtr="0">
-            <a:noAutofit/>
-          </a:bodyPr>
-          <a:lstStyle/>
-          <a:p>
-            <a:pPr marL="0" lvl="0" indent="0" algn="l" rtl="0">
-              <a:spcBef>
-                <a:spcPts val="0"/>
-              </a:spcBef>
-              <a:spcAft>
-                <a:spcPts val="0"/>
-              </a:spcAft>
-              <a:buClr>
-                <a:schemeClr val="dk1"/>
-              </a:buClr>
-              <a:buSzPts val="1100"/>
-              <a:buFont typeface="Arial"/>
-              <a:buNone/>
-            </a:pPr>
-            <a:r>
-              <a:rPr lang="en"/>
-              <a:t>Kết thúc</a:t>
-            </a:r>
-            <a:endParaRPr/>
-          </a:p>
-        </p:txBody>
-      </p:sp>
-      <p:sp>
-        <p:nvSpPr>
-          <p:cNvPr id="272" name="Google Shape;272;p38"/>
-          <p:cNvSpPr txBox="1">
-            <a:spLocks noGrp="1"/>
-          </p:cNvSpPr>
-          <p:nvPr>
-            <p:ph type="subTitle" idx="20"/>
-          </p:nvPr>
-        </p:nvSpPr>
-        <p:spPr>
-          <a:xfrm>
-            <a:off x="1465900" y="3620850"/>
-            <a:ext cx="2966100" cy="394200"/>
-          </a:xfrm>
-          <a:prstGeom prst="rect">
-            <a:avLst/>
-          </a:prstGeom>
-        </p:spPr>
-        <p:txBody>
-          <a:bodyPr spcFirstLastPara="1" wrap="square" lIns="91425" tIns="91425" rIns="91425" bIns="91425" anchor="b" anchorCtr="0">
-            <a:noAutofit/>
-          </a:bodyPr>
-          <a:lstStyle/>
-          <a:p>
-            <a:pPr marL="0" lvl="0" indent="0" algn="l" rtl="0">
-              <a:spcBef>
-                <a:spcPts val="0"/>
-              </a:spcBef>
-              <a:spcAft>
-                <a:spcPts val="0"/>
-              </a:spcAft>
-              <a:buNone/>
-            </a:pPr>
-            <a:r>
-              <a:rPr lang="en"/>
-              <a:t>DATA COLLECTION</a:t>
-            </a:r>
-            <a:endParaRPr/>
-          </a:p>
-        </p:txBody>
-      </p:sp>
-      <p:sp>
-        <p:nvSpPr>
-          <p:cNvPr id="273" name="Google Shape;273;p38"/>
-          <p:cNvSpPr txBox="1">
-            <a:spLocks noGrp="1"/>
-          </p:cNvSpPr>
-          <p:nvPr>
-            <p:ph type="subTitle" idx="21"/>
-          </p:nvPr>
-        </p:nvSpPr>
-        <p:spPr>
-          <a:xfrm>
-            <a:off x="5458450" y="3620850"/>
-            <a:ext cx="2966100" cy="394200"/>
-          </a:xfrm>
-          <a:prstGeom prst="rect">
-            <a:avLst/>
-          </a:prstGeom>
-        </p:spPr>
-        <p:txBody>
-          <a:bodyPr spcFirstLastPara="1" wrap="square" lIns="91425" tIns="91425" rIns="91425" bIns="91425" anchor="b" anchorCtr="0">
-            <a:noAutofit/>
-          </a:bodyPr>
-          <a:lstStyle/>
-          <a:p>
-            <a:pPr marL="0" lvl="0" indent="0" algn="l" rtl="0">
-              <a:spcBef>
-                <a:spcPts val="0"/>
-              </a:spcBef>
-              <a:spcAft>
-                <a:spcPts val="0"/>
-              </a:spcAft>
-              <a:buNone/>
-            </a:pPr>
-            <a:r>
-              <a:rPr lang="en-US"/>
-              <a:t>THE END</a:t>
-            </a:r>
-            <a:endParaRPr/>
-          </a:p>
-        </p:txBody>
-      </p:sp>
-      <p:grpSp>
-        <p:nvGrpSpPr>
-          <p:cNvPr id="274" name="Google Shape;274;p38"/>
-          <p:cNvGrpSpPr/>
-          <p:nvPr/>
-        </p:nvGrpSpPr>
-        <p:grpSpPr>
-          <a:xfrm rot="5400000">
-            <a:off x="8047251" y="731532"/>
-            <a:ext cx="566924" cy="182883"/>
-            <a:chOff x="322625" y="4867200"/>
-            <a:chExt cx="847800" cy="276300"/>
-          </a:xfrm>
-        </p:grpSpPr>
-        <p:cxnSp>
-          <p:nvCxnSpPr>
-            <p:cNvPr id="275" name="Google Shape;275;p38"/>
-            <p:cNvCxnSpPr/>
-            <p:nvPr/>
-          </p:nvCxnSpPr>
-          <p:spPr>
-            <a:xfrm flipH="1">
-              <a:off x="322625" y="4867200"/>
-              <a:ext cx="85800" cy="276300"/>
-            </a:xfrm>
-            <a:prstGeom prst="straightConnector1">
-              <a:avLst/>
-            </a:prstGeom>
-            <a:noFill/>
-            <a:ln w="28575" cap="flat" cmpd="sng">
-              <a:solidFill>
-                <a:schemeClr val="dk1"/>
-              </a:solidFill>
-              <a:prstDash val="solid"/>
-              <a:round/>
-              <a:headEnd type="none" w="med" len="med"/>
-              <a:tailEnd type="none" w="med" len="med"/>
-            </a:ln>
-          </p:spPr>
-        </p:cxnSp>
-        <p:cxnSp>
-          <p:nvCxnSpPr>
-            <p:cNvPr id="276" name="Google Shape;276;p38"/>
-            <p:cNvCxnSpPr/>
-            <p:nvPr/>
-          </p:nvCxnSpPr>
-          <p:spPr>
-            <a:xfrm flipH="1">
-              <a:off x="475025" y="4867200"/>
-              <a:ext cx="85800" cy="276300"/>
-            </a:xfrm>
-            <a:prstGeom prst="straightConnector1">
-              <a:avLst/>
-            </a:prstGeom>
-            <a:noFill/>
-            <a:ln w="28575" cap="flat" cmpd="sng">
-              <a:solidFill>
-                <a:schemeClr val="dk1"/>
-              </a:solidFill>
-              <a:prstDash val="solid"/>
-              <a:round/>
-              <a:headEnd type="none" w="med" len="med"/>
-              <a:tailEnd type="none" w="med" len="med"/>
-            </a:ln>
-          </p:spPr>
-        </p:cxnSp>
-        <p:cxnSp>
-          <p:nvCxnSpPr>
-            <p:cNvPr id="277" name="Google Shape;277;p38"/>
-            <p:cNvCxnSpPr/>
-            <p:nvPr/>
-          </p:nvCxnSpPr>
-          <p:spPr>
-            <a:xfrm flipH="1">
-              <a:off x="627425" y="4867200"/>
-              <a:ext cx="85800" cy="276300"/>
-            </a:xfrm>
-            <a:prstGeom prst="straightConnector1">
-              <a:avLst/>
-            </a:prstGeom>
-            <a:noFill/>
-            <a:ln w="28575" cap="flat" cmpd="sng">
-              <a:solidFill>
-                <a:schemeClr val="dk1"/>
-              </a:solidFill>
-              <a:prstDash val="solid"/>
-              <a:round/>
-              <a:headEnd type="none" w="med" len="med"/>
-              <a:tailEnd type="none" w="med" len="med"/>
-            </a:ln>
-          </p:spPr>
-        </p:cxnSp>
-        <p:cxnSp>
-          <p:nvCxnSpPr>
-            <p:cNvPr id="278" name="Google Shape;278;p38"/>
-            <p:cNvCxnSpPr/>
-            <p:nvPr/>
-          </p:nvCxnSpPr>
-          <p:spPr>
-            <a:xfrm flipH="1">
-              <a:off x="779825" y="4867200"/>
-              <a:ext cx="85800" cy="276300"/>
-            </a:xfrm>
-            <a:prstGeom prst="straightConnector1">
-              <a:avLst/>
-            </a:prstGeom>
-            <a:noFill/>
-            <a:ln w="28575" cap="flat" cmpd="sng">
-              <a:solidFill>
-                <a:schemeClr val="dk1"/>
-              </a:solidFill>
-              <a:prstDash val="solid"/>
-              <a:round/>
-              <a:headEnd type="none" w="med" len="med"/>
-              <a:tailEnd type="none" w="med" len="med"/>
-            </a:ln>
-          </p:spPr>
-        </p:cxnSp>
-        <p:cxnSp>
-          <p:nvCxnSpPr>
-            <p:cNvPr id="279" name="Google Shape;279;p38"/>
-            <p:cNvCxnSpPr/>
-            <p:nvPr/>
-          </p:nvCxnSpPr>
-          <p:spPr>
-            <a:xfrm flipH="1">
-              <a:off x="932225" y="4867200"/>
-              <a:ext cx="85800" cy="276300"/>
-            </a:xfrm>
-            <a:prstGeom prst="straightConnector1">
-              <a:avLst/>
-            </a:prstGeom>
-            <a:noFill/>
-            <a:ln w="28575" cap="flat" cmpd="sng">
-              <a:solidFill>
-                <a:schemeClr val="dk1"/>
-              </a:solidFill>
-              <a:prstDash val="solid"/>
-              <a:round/>
-              <a:headEnd type="none" w="med" len="med"/>
-              <a:tailEnd type="none" w="med" len="med"/>
-            </a:ln>
-          </p:spPr>
-        </p:cxnSp>
-        <p:cxnSp>
-          <p:nvCxnSpPr>
-            <p:cNvPr id="280" name="Google Shape;280;p38"/>
-            <p:cNvCxnSpPr/>
-            <p:nvPr/>
-          </p:nvCxnSpPr>
-          <p:spPr>
-            <a:xfrm flipH="1">
-              <a:off x="1084625" y="4867200"/>
-              <a:ext cx="85800" cy="276300"/>
-            </a:xfrm>
-            <a:prstGeom prst="straightConnector1">
-              <a:avLst/>
-            </a:prstGeom>
-            <a:noFill/>
-            <a:ln w="28575" cap="flat" cmpd="sng">
-              <a:solidFill>
-                <a:schemeClr val="dk1"/>
-              </a:solidFill>
-              <a:prstDash val="solid"/>
-              <a:round/>
-              <a:headEnd type="none" w="med" len="med"/>
-              <a:tailEnd type="none" w="med" len="med"/>
-            </a:ln>
-          </p:spPr>
-        </p:cxnSp>
-      </p:grpSp>
-    </p:spTree>
   </p:cSld>
   <p:clrMapOvr>
     <a:masterClrMapping/>

--- a/group09.pptx
+++ b/group09.pptx
@@ -13097,6 +13097,9 @@
           <a:lstStyle/>
           <a:p>
             <a:pPr marL="0" lvl="0" indent="0" algn="l" rtl="0">
+              <a:lnSpc>
+                <a:spcPct val="100000"/>
+              </a:lnSpc>
               <a:spcBef>
                 <a:spcPts val="0"/>
               </a:spcBef>
@@ -13106,18 +13109,18 @@
               <a:buNone/>
             </a:pPr>
             <a:r>
-              <a:rPr lang="en"/>
+              <a:rPr lang="en" sz="4400"/>
               <a:t>PHÂN TICH VÀ DỰ ĐOÁN THỜI TIẾT / </a:t>
             </a:r>
             <a:r>
-              <a:rPr lang="en" sz="3750" b="0">
+              <a:rPr lang="en" sz="3200" b="0">
                 <a:latin typeface="Assistant Medium"/>
                 <a:cs typeface="Assistant Medium"/>
                 <a:sym typeface="Assistant Medium"/>
               </a:rPr>
               <a:t>BÁO CÁO ĐỒ ÁN</a:t>
             </a:r>
-            <a:endParaRPr sz="3750" b="0">
+            <a:endParaRPr sz="3200" b="0">
               <a:latin typeface="Assistant Medium"/>
               <a:ea typeface="Assistant Medium"/>
               <a:cs typeface="Assistant Medium"/>
@@ -18726,7 +18729,7 @@
         </p:nvGrpSpPr>
         <p:grpSpPr>
           <a:xfrm rot="5400000">
-            <a:off x="8075255" y="981469"/>
+            <a:off x="8013262" y="769899"/>
             <a:ext cx="566924" cy="182883"/>
             <a:chOff x="322625" y="4867200"/>
             <a:chExt cx="847800" cy="276300"/>
@@ -19844,7 +19847,7 @@
         </p:nvGrpSpPr>
         <p:grpSpPr>
           <a:xfrm>
-            <a:off x="4778222" y="1450673"/>
+            <a:off x="5010697" y="1466014"/>
             <a:ext cx="586800" cy="491625"/>
             <a:chOff x="4792133" y="1498298"/>
             <a:chExt cx="586800" cy="491625"/>
@@ -19911,7 +19914,7 @@
         </p:nvGrpSpPr>
         <p:grpSpPr>
           <a:xfrm>
-            <a:off x="4778222" y="2517473"/>
+            <a:off x="5010697" y="2532814"/>
             <a:ext cx="586800" cy="491625"/>
             <a:chOff x="4792133" y="2565098"/>
             <a:chExt cx="586800" cy="491625"/>
@@ -19978,7 +19981,7 @@
         </p:nvGrpSpPr>
         <p:grpSpPr>
           <a:xfrm>
-            <a:off x="4778222" y="3584273"/>
+            <a:off x="5010697" y="3599614"/>
             <a:ext cx="586800" cy="491625"/>
             <a:chOff x="4792133" y="3631898"/>
             <a:chExt cx="586800" cy="491625"/>
@@ -20091,7 +20094,7 @@
         </p:nvSpPr>
         <p:spPr>
           <a:xfrm>
-            <a:off x="4708172" y="1476050"/>
+            <a:off x="4940647" y="1491391"/>
             <a:ext cx="726900" cy="394200"/>
           </a:xfrm>
           <a:prstGeom prst="rect">
@@ -20133,7 +20136,7 @@
         </p:nvSpPr>
         <p:spPr>
           <a:xfrm>
-            <a:off x="4708172" y="2548450"/>
+            <a:off x="4940647" y="2563791"/>
             <a:ext cx="726900" cy="394200"/>
           </a:xfrm>
           <a:prstGeom prst="rect">
@@ -20361,7 +20364,7 @@
         </p:nvSpPr>
         <p:spPr>
           <a:xfrm>
-            <a:off x="5458453" y="1810550"/>
+            <a:off x="5690928" y="1825891"/>
             <a:ext cx="2195400" cy="537600"/>
           </a:xfrm>
           <a:prstGeom prst="rect">
@@ -20385,7 +20388,7 @@
             </a:pPr>
             <a:r>
               <a:rPr lang="en-US"/>
-              <a:t>Mô tả đặt điểm 1</a:t>
+              <a:t>Mô tả đặc điểm 1</a:t>
             </a:r>
           </a:p>
         </p:txBody>
@@ -20402,7 +20405,7 @@
         </p:nvSpPr>
         <p:spPr>
           <a:xfrm>
-            <a:off x="5458453" y="2879856"/>
+            <a:off x="5690928" y="2895197"/>
             <a:ext cx="2197500" cy="537600"/>
           </a:xfrm>
           <a:prstGeom prst="rect">
@@ -20426,7 +20429,7 @@
             </a:pPr>
             <a:r>
               <a:rPr lang="en-US"/>
-              <a:t>Mô tả đặt điểm 1</a:t>
+              <a:t>Mô tả đặc điểm 1</a:t>
             </a:r>
           </a:p>
         </p:txBody>
@@ -20532,7 +20535,7 @@
         </p:nvSpPr>
         <p:spPr>
           <a:xfrm>
-            <a:off x="5458450" y="1476050"/>
+            <a:off x="5690925" y="1491391"/>
             <a:ext cx="2963700" cy="394200"/>
           </a:xfrm>
           <a:prstGeom prst="rect">
@@ -20556,7 +20559,7 @@
             </a:pPr>
             <a:r>
               <a:rPr lang="en-US"/>
-              <a:t>ĐẶT ĐIỂM 1</a:t>
+              <a:t>ĐẶC ĐIỂM 1</a:t>
             </a:r>
             <a:endParaRPr/>
           </a:p>
@@ -20574,7 +20577,7 @@
         </p:nvSpPr>
         <p:spPr>
           <a:xfrm>
-            <a:off x="5458453" y="2548450"/>
+            <a:off x="5690928" y="2563791"/>
             <a:ext cx="2966100" cy="394200"/>
           </a:xfrm>
           <a:prstGeom prst="rect">
@@ -20598,7 +20601,7 @@
             </a:pPr>
             <a:r>
               <a:rPr lang="en-US"/>
-              <a:t>ĐẶT ĐIỂM 2</a:t>
+              <a:t>ĐẶC ĐIỂM 2</a:t>
             </a:r>
           </a:p>
         </p:txBody>
@@ -20704,7 +20707,7 @@
         </p:nvSpPr>
         <p:spPr>
           <a:xfrm>
-            <a:off x="4708172" y="3620850"/>
+            <a:off x="4940647" y="3636191"/>
             <a:ext cx="726900" cy="394200"/>
           </a:xfrm>
           <a:prstGeom prst="rect">
@@ -20746,7 +20749,7 @@
         </p:nvSpPr>
         <p:spPr>
           <a:xfrm>
-            <a:off x="5458453" y="3949138"/>
+            <a:off x="5690928" y="3964479"/>
             <a:ext cx="2197500" cy="537600"/>
           </a:xfrm>
           <a:prstGeom prst="rect">
@@ -20835,7 +20838,7 @@
         </p:nvSpPr>
         <p:spPr>
           <a:xfrm>
-            <a:off x="5458450" y="3620850"/>
+            <a:off x="5690925" y="3636191"/>
             <a:ext cx="2966100" cy="394200"/>
           </a:xfrm>
           <a:prstGeom prst="rect">
@@ -26431,7 +26434,7 @@
             </a:pPr>
             <a:r>
               <a:rPr lang="en-US"/>
-              <a:t>Mô hình: …</a:t>
+              <a:t>Mô hình: KNN, Naive Bayes,…</a:t>
             </a:r>
             <a:endParaRPr/>
           </a:p>
